--- a/slides/08-Java面向对象编程-注解-反射-内部类-匿名内部类与Lambda表达式.pptx
+++ b/slides/08-Java面向对象编程-注解-反射-内部类-匿名内部类与Lambda表达式.pptx
@@ -5,7 +5,7 @@
     <p:sldMasterId id="2147483648" r:id="rId1"/>
   </p:sldMasterIdLst>
   <p:notesMasterIdLst>
-    <p:notesMasterId r:id="rId32"/>
+    <p:notesMasterId r:id="rId36"/>
   </p:notesMasterIdLst>
   <p:sldIdLst>
     <p:sldId id="387" r:id="rId2"/>
@@ -37,12 +37,16 @@
     <p:sldId id="338" r:id="rId28"/>
     <p:sldId id="386" r:id="rId29"/>
     <p:sldId id="385" r:id="rId30"/>
-    <p:sldId id="295" r:id="rId31"/>
+    <p:sldId id="388" r:id="rId31"/>
+    <p:sldId id="389" r:id="rId32"/>
+    <p:sldId id="390" r:id="rId33"/>
+    <p:sldId id="391" r:id="rId34"/>
+    <p:sldId id="295" r:id="rId35"/>
   </p:sldIdLst>
   <p:sldSz cx="9144000" cy="5143500" type="screen16x9"/>
   <p:notesSz cx="6858000" cy="9144000"/>
   <p:custDataLst>
-    <p:tags r:id="rId33"/>
+    <p:tags r:id="rId37"/>
   </p:custDataLst>
   <p:defaultTextStyle>
     <a:defPPr>
@@ -206,13 +210,429 @@
 <file path=ppt/revisionInfo.xml><?xml version="1.0" encoding="utf-8"?>
 <p1510:revInfo xmlns:a="http://schemas.openxmlformats.org/drawingml/2006/main" xmlns:r="http://schemas.openxmlformats.org/officeDocument/2006/relationships" xmlns:p1510="http://schemas.microsoft.com/office/powerpoint/2015/10/main">
   <p1510:revLst>
-    <p1510:client id="{9552B5FD-C471-4880-BB1B-9D53D7FAD853}" v="1" dt="2024-02-28T05:42:20.864"/>
+    <p1510:client id="{173D37D8-2E42-4743-BA34-1372C81FB042}" v="303" dt="2024-04-10T03:58:46.826"/>
+    <p1510:client id="{E613CF74-FE65-4336-B81E-0351466CA028}" v="1" dt="2024-04-10T07:59:35.178"/>
   </p1510:revLst>
 </p1510:revInfo>
 </file>
 
 <file path=ppt/changesInfos/changesInfo1.xml><?xml version="1.0" encoding="utf-8"?>
 <pc:chgInfo xmlns:a="http://schemas.openxmlformats.org/drawingml/2006/main" xmlns:r="http://schemas.openxmlformats.org/officeDocument/2006/relationships" xmlns:ac="http://schemas.microsoft.com/office/drawing/2013/main/command" xmlns:pc="http://schemas.microsoft.com/office/powerpoint/2013/main/command">
+  <pc:docChgLst>
+    <pc:chgData name="pdcxs" userId="f53f700a-6709-4045-8975-3edaa594be1c" providerId="ADAL" clId="{837C11F6-554B-4724-9660-B96FC6B33ADF}"/>
+    <pc:docChg chg="undo custSel modSld">
+      <pc:chgData name="pdcxs" userId="f53f700a-6709-4045-8975-3edaa594be1c" providerId="ADAL" clId="{837C11F6-554B-4724-9660-B96FC6B33ADF}" dt="2024-04-08T06:57:10.200" v="406" actId="20577"/>
+      <pc:docMkLst>
+        <pc:docMk/>
+      </pc:docMkLst>
+      <pc:sldChg chg="modSp mod">
+        <pc:chgData name="pdcxs" userId="f53f700a-6709-4045-8975-3edaa594be1c" providerId="ADAL" clId="{837C11F6-554B-4724-9660-B96FC6B33ADF}" dt="2024-04-08T06:01:04.059" v="71" actId="20577"/>
+        <pc:sldMkLst>
+          <pc:docMk/>
+          <pc:sldMk cId="1043992905" sldId="330"/>
+        </pc:sldMkLst>
+        <pc:spChg chg="mod">
+          <ac:chgData name="pdcxs" userId="f53f700a-6709-4045-8975-3edaa594be1c" providerId="ADAL" clId="{837C11F6-554B-4724-9660-B96FC6B33ADF}" dt="2024-04-08T06:01:04.059" v="71" actId="20577"/>
+          <ac:spMkLst>
+            <pc:docMk/>
+            <pc:sldMk cId="1043992905" sldId="330"/>
+            <ac:spMk id="15" creationId="{21F966F9-D303-4863-B7C0-8BCE37FF1F35}"/>
+          </ac:spMkLst>
+        </pc:spChg>
+        <pc:spChg chg="mod">
+          <ac:chgData name="pdcxs" userId="f53f700a-6709-4045-8975-3edaa594be1c" providerId="ADAL" clId="{837C11F6-554B-4724-9660-B96FC6B33ADF}" dt="2024-04-08T06:00:51.502" v="49" actId="1076"/>
+          <ac:spMkLst>
+            <pc:docMk/>
+            <pc:sldMk cId="1043992905" sldId="330"/>
+            <ac:spMk id="16" creationId="{E11D9ACC-C426-42AA-8BD3-84A43A9AF5A0}"/>
+          </ac:spMkLst>
+        </pc:spChg>
+      </pc:sldChg>
+      <pc:sldChg chg="modSp mod">
+        <pc:chgData name="pdcxs" userId="f53f700a-6709-4045-8975-3edaa594be1c" providerId="ADAL" clId="{837C11F6-554B-4724-9660-B96FC6B33ADF}" dt="2024-04-08T06:04:25.430" v="91" actId="20577"/>
+        <pc:sldMkLst>
+          <pc:docMk/>
+          <pc:sldMk cId="999735041" sldId="333"/>
+        </pc:sldMkLst>
+        <pc:spChg chg="mod">
+          <ac:chgData name="pdcxs" userId="f53f700a-6709-4045-8975-3edaa594be1c" providerId="ADAL" clId="{837C11F6-554B-4724-9660-B96FC6B33ADF}" dt="2024-04-08T06:04:25.430" v="91" actId="20577"/>
+          <ac:spMkLst>
+            <pc:docMk/>
+            <pc:sldMk cId="999735041" sldId="333"/>
+            <ac:spMk id="13" creationId="{2F9088B2-3C04-4962-8A13-2700F98F0E94}"/>
+          </ac:spMkLst>
+        </pc:spChg>
+      </pc:sldChg>
+      <pc:sldChg chg="modSp mod">
+        <pc:chgData name="pdcxs" userId="f53f700a-6709-4045-8975-3edaa594be1c" providerId="ADAL" clId="{837C11F6-554B-4724-9660-B96FC6B33ADF}" dt="2024-04-08T05:58:49.624" v="45" actId="20577"/>
+        <pc:sldMkLst>
+          <pc:docMk/>
+          <pc:sldMk cId="936547044" sldId="380"/>
+        </pc:sldMkLst>
+        <pc:spChg chg="mod">
+          <ac:chgData name="pdcxs" userId="f53f700a-6709-4045-8975-3edaa594be1c" providerId="ADAL" clId="{837C11F6-554B-4724-9660-B96FC6B33ADF}" dt="2024-04-08T05:58:49.624" v="45" actId="20577"/>
+          <ac:spMkLst>
+            <pc:docMk/>
+            <pc:sldMk cId="936547044" sldId="380"/>
+            <ac:spMk id="21" creationId="{EA566DED-1390-4592-858E-A632A0A664AA}"/>
+          </ac:spMkLst>
+        </pc:spChg>
+      </pc:sldChg>
+      <pc:sldChg chg="modSp mod">
+        <pc:chgData name="pdcxs" userId="f53f700a-6709-4045-8975-3edaa594be1c" providerId="ADAL" clId="{837C11F6-554B-4724-9660-B96FC6B33ADF}" dt="2024-04-08T06:14:01.275" v="159" actId="20577"/>
+        <pc:sldMkLst>
+          <pc:docMk/>
+          <pc:sldMk cId="2887523537" sldId="381"/>
+        </pc:sldMkLst>
+        <pc:spChg chg="mod">
+          <ac:chgData name="pdcxs" userId="f53f700a-6709-4045-8975-3edaa594be1c" providerId="ADAL" clId="{837C11F6-554B-4724-9660-B96FC6B33ADF}" dt="2024-04-08T06:08:24.269" v="122" actId="20577"/>
+          <ac:spMkLst>
+            <pc:docMk/>
+            <pc:sldMk cId="2887523537" sldId="381"/>
+            <ac:spMk id="15" creationId="{5A2387C7-E259-459D-8386-8B850975036E}"/>
+          </ac:spMkLst>
+        </pc:spChg>
+        <pc:spChg chg="mod">
+          <ac:chgData name="pdcxs" userId="f53f700a-6709-4045-8975-3edaa594be1c" providerId="ADAL" clId="{837C11F6-554B-4724-9660-B96FC6B33ADF}" dt="2024-04-08T06:14:01.275" v="159" actId="20577"/>
+          <ac:spMkLst>
+            <pc:docMk/>
+            <pc:sldMk cId="2887523537" sldId="381"/>
+            <ac:spMk id="17" creationId="{62A54208-B991-41C9-9DE5-D3B423B206F3}"/>
+          </ac:spMkLst>
+        </pc:spChg>
+      </pc:sldChg>
+      <pc:sldChg chg="modSp mod">
+        <pc:chgData name="pdcxs" userId="f53f700a-6709-4045-8975-3edaa594be1c" providerId="ADAL" clId="{837C11F6-554B-4724-9660-B96FC6B33ADF}" dt="2024-04-08T06:44:24.782" v="324" actId="20577"/>
+        <pc:sldMkLst>
+          <pc:docMk/>
+          <pc:sldMk cId="631344445" sldId="384"/>
+        </pc:sldMkLst>
+        <pc:spChg chg="mod">
+          <ac:chgData name="pdcxs" userId="f53f700a-6709-4045-8975-3edaa594be1c" providerId="ADAL" clId="{837C11F6-554B-4724-9660-B96FC6B33ADF}" dt="2024-04-08T06:22:19.433" v="207" actId="20577"/>
+          <ac:spMkLst>
+            <pc:docMk/>
+            <pc:sldMk cId="631344445" sldId="384"/>
+            <ac:spMk id="13" creationId="{8C383E5A-A19E-40E0-99C4-4F328940ECD7}"/>
+          </ac:spMkLst>
+        </pc:spChg>
+        <pc:spChg chg="mod">
+          <ac:chgData name="pdcxs" userId="f53f700a-6709-4045-8975-3edaa594be1c" providerId="ADAL" clId="{837C11F6-554B-4724-9660-B96FC6B33ADF}" dt="2024-04-08T06:22:28.774" v="243" actId="20577"/>
+          <ac:spMkLst>
+            <pc:docMk/>
+            <pc:sldMk cId="631344445" sldId="384"/>
+            <ac:spMk id="17" creationId="{AA715433-9C99-4CFE-A52F-9500D28637F0}"/>
+          </ac:spMkLst>
+        </pc:spChg>
+        <pc:spChg chg="mod">
+          <ac:chgData name="pdcxs" userId="f53f700a-6709-4045-8975-3edaa594be1c" providerId="ADAL" clId="{837C11F6-554B-4724-9660-B96FC6B33ADF}" dt="2024-04-08T06:29:26.445" v="266" actId="20577"/>
+          <ac:spMkLst>
+            <pc:docMk/>
+            <pc:sldMk cId="631344445" sldId="384"/>
+            <ac:spMk id="19" creationId="{CF0BFCDF-F267-4249-98DE-32CC863F2508}"/>
+          </ac:spMkLst>
+        </pc:spChg>
+        <pc:spChg chg="mod">
+          <ac:chgData name="pdcxs" userId="f53f700a-6709-4045-8975-3edaa594be1c" providerId="ADAL" clId="{837C11F6-554B-4724-9660-B96FC6B33ADF}" dt="2024-04-08T06:39:08.455" v="294" actId="20577"/>
+          <ac:spMkLst>
+            <pc:docMk/>
+            <pc:sldMk cId="631344445" sldId="384"/>
+            <ac:spMk id="21" creationId="{717D2E06-BA8E-4B3A-BB7F-25AF7E9276B9}"/>
+          </ac:spMkLst>
+        </pc:spChg>
+        <pc:spChg chg="mod">
+          <ac:chgData name="pdcxs" userId="f53f700a-6709-4045-8975-3edaa594be1c" providerId="ADAL" clId="{837C11F6-554B-4724-9660-B96FC6B33ADF}" dt="2024-04-08T06:44:24.782" v="324" actId="20577"/>
+          <ac:spMkLst>
+            <pc:docMk/>
+            <pc:sldMk cId="631344445" sldId="384"/>
+            <ac:spMk id="23" creationId="{E4F2E41F-B7A1-44BF-B11D-5A582C26318F}"/>
+          </ac:spMkLst>
+        </pc:spChg>
+      </pc:sldChg>
+      <pc:sldChg chg="modSp mod">
+        <pc:chgData name="pdcxs" userId="f53f700a-6709-4045-8975-3edaa594be1c" providerId="ADAL" clId="{837C11F6-554B-4724-9660-B96FC6B33ADF}" dt="2024-04-08T06:57:10.200" v="406" actId="20577"/>
+        <pc:sldMkLst>
+          <pc:docMk/>
+          <pc:sldMk cId="498673683" sldId="385"/>
+        </pc:sldMkLst>
+        <pc:spChg chg="mod">
+          <ac:chgData name="pdcxs" userId="f53f700a-6709-4045-8975-3edaa594be1c" providerId="ADAL" clId="{837C11F6-554B-4724-9660-B96FC6B33ADF}" dt="2024-04-08T06:50:58.616" v="358" actId="20577"/>
+          <ac:spMkLst>
+            <pc:docMk/>
+            <pc:sldMk cId="498673683" sldId="385"/>
+            <ac:spMk id="17" creationId="{AA715433-9C99-4CFE-A52F-9500D28637F0}"/>
+          </ac:spMkLst>
+        </pc:spChg>
+        <pc:spChg chg="mod">
+          <ac:chgData name="pdcxs" userId="f53f700a-6709-4045-8975-3edaa594be1c" providerId="ADAL" clId="{837C11F6-554B-4724-9660-B96FC6B33ADF}" dt="2024-04-08T06:54:19.038" v="383" actId="20577"/>
+          <ac:spMkLst>
+            <pc:docMk/>
+            <pc:sldMk cId="498673683" sldId="385"/>
+            <ac:spMk id="19" creationId="{CF0BFCDF-F267-4249-98DE-32CC863F2508}"/>
+          </ac:spMkLst>
+        </pc:spChg>
+        <pc:spChg chg="mod">
+          <ac:chgData name="pdcxs" userId="f53f700a-6709-4045-8975-3edaa594be1c" providerId="ADAL" clId="{837C11F6-554B-4724-9660-B96FC6B33ADF}" dt="2024-04-08T06:57:10.200" v="406" actId="20577"/>
+          <ac:spMkLst>
+            <pc:docMk/>
+            <pc:sldMk cId="498673683" sldId="385"/>
+            <ac:spMk id="21" creationId="{717D2E06-BA8E-4B3A-BB7F-25AF7E9276B9}"/>
+          </ac:spMkLst>
+        </pc:spChg>
+      </pc:sldChg>
+      <pc:sldChg chg="modSp mod">
+        <pc:chgData name="pdcxs" userId="f53f700a-6709-4045-8975-3edaa594be1c" providerId="ADAL" clId="{837C11F6-554B-4724-9660-B96FC6B33ADF}" dt="2024-04-08T06:50:32.406" v="328" actId="20577"/>
+        <pc:sldMkLst>
+          <pc:docMk/>
+          <pc:sldMk cId="618295153" sldId="386"/>
+        </pc:sldMkLst>
+        <pc:spChg chg="mod">
+          <ac:chgData name="pdcxs" userId="f53f700a-6709-4045-8975-3edaa594be1c" providerId="ADAL" clId="{837C11F6-554B-4724-9660-B96FC6B33ADF}" dt="2024-04-08T06:50:32.406" v="328" actId="20577"/>
+          <ac:spMkLst>
+            <pc:docMk/>
+            <pc:sldMk cId="618295153" sldId="386"/>
+            <ac:spMk id="13" creationId="{9CFD4927-806A-4EDB-94BF-FF98F610602D}"/>
+          </ac:spMkLst>
+        </pc:spChg>
+      </pc:sldChg>
+    </pc:docChg>
+  </pc:docChgLst>
+  <pc:docChgLst>
+    <pc:chgData name="pdcxs" userId="f53f700a-6709-4045-8975-3edaa594be1c" providerId="ADAL" clId="{173D37D8-2E42-4743-BA34-1372C81FB042}"/>
+    <pc:docChg chg="undo custSel addSld delSld modSld">
+      <pc:chgData name="pdcxs" userId="f53f700a-6709-4045-8975-3edaa594be1c" providerId="ADAL" clId="{173D37D8-2E42-4743-BA34-1372C81FB042}" dt="2024-04-10T03:59:22.397" v="761" actId="14100"/>
+      <pc:docMkLst>
+        <pc:docMk/>
+      </pc:docMkLst>
+      <pc:sldChg chg="addSp delSp modSp add mod modAnim">
+        <pc:chgData name="pdcxs" userId="f53f700a-6709-4045-8975-3edaa594be1c" providerId="ADAL" clId="{173D37D8-2E42-4743-BA34-1372C81FB042}" dt="2024-04-10T03:00:46.496" v="363"/>
+        <pc:sldMkLst>
+          <pc:docMk/>
+          <pc:sldMk cId="1071384862" sldId="388"/>
+        </pc:sldMkLst>
+        <pc:spChg chg="add mod">
+          <ac:chgData name="pdcxs" userId="f53f700a-6709-4045-8975-3edaa594be1c" providerId="ADAL" clId="{173D37D8-2E42-4743-BA34-1372C81FB042}" dt="2024-04-10T02:30:51.819" v="52" actId="1076"/>
+          <ac:spMkLst>
+            <pc:docMk/>
+            <pc:sldMk cId="1071384862" sldId="388"/>
+            <ac:spMk id="3" creationId="{BD521F2F-33D5-55E0-7DFA-A840A2CADB2D}"/>
+          </ac:spMkLst>
+        </pc:spChg>
+        <pc:spChg chg="add mod">
+          <ac:chgData name="pdcxs" userId="f53f700a-6709-4045-8975-3edaa594be1c" providerId="ADAL" clId="{173D37D8-2E42-4743-BA34-1372C81FB042}" dt="2024-04-10T03:00:46.496" v="363"/>
+          <ac:spMkLst>
+            <pc:docMk/>
+            <pc:sldMk cId="1071384862" sldId="388"/>
+            <ac:spMk id="4" creationId="{5B0A0C1C-5774-A9A8-DD65-32E9B97DE4D7}"/>
+          </ac:spMkLst>
+        </pc:spChg>
+        <pc:spChg chg="add mod">
+          <ac:chgData name="pdcxs" userId="f53f700a-6709-4045-8975-3edaa594be1c" providerId="ADAL" clId="{173D37D8-2E42-4743-BA34-1372C81FB042}" dt="2024-04-10T02:37:08.799" v="276"/>
+          <ac:spMkLst>
+            <pc:docMk/>
+            <pc:sldMk cId="1071384862" sldId="388"/>
+            <ac:spMk id="5" creationId="{15CEDB97-051C-C77B-EAE5-7AA43959DA58}"/>
+          </ac:spMkLst>
+        </pc:spChg>
+        <pc:spChg chg="mod">
+          <ac:chgData name="pdcxs" userId="f53f700a-6709-4045-8975-3edaa594be1c" providerId="ADAL" clId="{173D37D8-2E42-4743-BA34-1372C81FB042}" dt="2024-04-10T02:30:24.062" v="18" actId="20577"/>
+          <ac:spMkLst>
+            <pc:docMk/>
+            <pc:sldMk cId="1071384862" sldId="388"/>
+            <ac:spMk id="12" creationId="{FBAB8972-87CC-4170-AA59-C469F5151BAD}"/>
+          </ac:spMkLst>
+        </pc:spChg>
+        <pc:spChg chg="del">
+          <ac:chgData name="pdcxs" userId="f53f700a-6709-4045-8975-3edaa594be1c" providerId="ADAL" clId="{173D37D8-2E42-4743-BA34-1372C81FB042}" dt="2024-04-10T02:30:27.681" v="20" actId="478"/>
+          <ac:spMkLst>
+            <pc:docMk/>
+            <pc:sldMk cId="1071384862" sldId="388"/>
+            <ac:spMk id="17" creationId="{AA715433-9C99-4CFE-A52F-9500D28637F0}"/>
+          </ac:spMkLst>
+        </pc:spChg>
+        <pc:spChg chg="del">
+          <ac:chgData name="pdcxs" userId="f53f700a-6709-4045-8975-3edaa594be1c" providerId="ADAL" clId="{173D37D8-2E42-4743-BA34-1372C81FB042}" dt="2024-04-10T02:30:26.949" v="19" actId="478"/>
+          <ac:spMkLst>
+            <pc:docMk/>
+            <pc:sldMk cId="1071384862" sldId="388"/>
+            <ac:spMk id="18" creationId="{1EB04740-9CEB-40E7-BFD7-68A9D47F38A0}"/>
+          </ac:spMkLst>
+        </pc:spChg>
+        <pc:spChg chg="del">
+          <ac:chgData name="pdcxs" userId="f53f700a-6709-4045-8975-3edaa594be1c" providerId="ADAL" clId="{173D37D8-2E42-4743-BA34-1372C81FB042}" dt="2024-04-10T02:30:29.298" v="22" actId="478"/>
+          <ac:spMkLst>
+            <pc:docMk/>
+            <pc:sldMk cId="1071384862" sldId="388"/>
+            <ac:spMk id="19" creationId="{CF0BFCDF-F267-4249-98DE-32CC863F2508}"/>
+          </ac:spMkLst>
+        </pc:spChg>
+        <pc:spChg chg="del">
+          <ac:chgData name="pdcxs" userId="f53f700a-6709-4045-8975-3edaa594be1c" providerId="ADAL" clId="{173D37D8-2E42-4743-BA34-1372C81FB042}" dt="2024-04-10T02:30:28.665" v="21" actId="478"/>
+          <ac:spMkLst>
+            <pc:docMk/>
+            <pc:sldMk cId="1071384862" sldId="388"/>
+            <ac:spMk id="20" creationId="{6D3A09F1-05C9-4FCC-9C5C-49A68B4E651A}"/>
+          </ac:spMkLst>
+        </pc:spChg>
+        <pc:spChg chg="del">
+          <ac:chgData name="pdcxs" userId="f53f700a-6709-4045-8975-3edaa594be1c" providerId="ADAL" clId="{173D37D8-2E42-4743-BA34-1372C81FB042}" dt="2024-04-10T02:30:31.883" v="24" actId="478"/>
+          <ac:spMkLst>
+            <pc:docMk/>
+            <pc:sldMk cId="1071384862" sldId="388"/>
+            <ac:spMk id="21" creationId="{717D2E06-BA8E-4B3A-BB7F-25AF7E9276B9}"/>
+          </ac:spMkLst>
+        </pc:spChg>
+        <pc:spChg chg="del">
+          <ac:chgData name="pdcxs" userId="f53f700a-6709-4045-8975-3edaa594be1c" providerId="ADAL" clId="{173D37D8-2E42-4743-BA34-1372C81FB042}" dt="2024-04-10T02:30:30.232" v="23" actId="478"/>
+          <ac:spMkLst>
+            <pc:docMk/>
+            <pc:sldMk cId="1071384862" sldId="388"/>
+            <ac:spMk id="22" creationId="{23A9F7FB-8417-4EB7-9309-F6ADA07CF8D1}"/>
+          </ac:spMkLst>
+        </pc:spChg>
+      </pc:sldChg>
+      <pc:sldChg chg="new del mod modClrScheme chgLayout">
+        <pc:chgData name="pdcxs" userId="f53f700a-6709-4045-8975-3edaa594be1c" providerId="ADAL" clId="{173D37D8-2E42-4743-BA34-1372C81FB042}" dt="2024-04-10T02:30:11.674" v="2" actId="47"/>
+        <pc:sldMkLst>
+          <pc:docMk/>
+          <pc:sldMk cId="1428830903" sldId="388"/>
+        </pc:sldMkLst>
+      </pc:sldChg>
+      <pc:sldChg chg="addSp delSp modSp add mod modTransition delAnim modAnim">
+        <pc:chgData name="pdcxs" userId="f53f700a-6709-4045-8975-3edaa594be1c" providerId="ADAL" clId="{173D37D8-2E42-4743-BA34-1372C81FB042}" dt="2024-04-10T03:42:29.642" v="717" actId="20577"/>
+        <pc:sldMkLst>
+          <pc:docMk/>
+          <pc:sldMk cId="3886473474" sldId="389"/>
+        </pc:sldMkLst>
+        <pc:spChg chg="mod">
+          <ac:chgData name="pdcxs" userId="f53f700a-6709-4045-8975-3edaa594be1c" providerId="ADAL" clId="{173D37D8-2E42-4743-BA34-1372C81FB042}" dt="2024-04-10T02:38:50.665" v="325" actId="1076"/>
+          <ac:spMkLst>
+            <pc:docMk/>
+            <pc:sldMk cId="3886473474" sldId="389"/>
+            <ac:spMk id="3" creationId="{BD521F2F-33D5-55E0-7DFA-A840A2CADB2D}"/>
+          </ac:spMkLst>
+        </pc:spChg>
+        <pc:spChg chg="mod">
+          <ac:chgData name="pdcxs" userId="f53f700a-6709-4045-8975-3edaa594be1c" providerId="ADAL" clId="{173D37D8-2E42-4743-BA34-1372C81FB042}" dt="2024-04-10T03:00:13.834" v="362" actId="20577"/>
+          <ac:spMkLst>
+            <pc:docMk/>
+            <pc:sldMk cId="3886473474" sldId="389"/>
+            <ac:spMk id="4" creationId="{5B0A0C1C-5774-A9A8-DD65-32E9B97DE4D7}"/>
+          </ac:spMkLst>
+        </pc:spChg>
+        <pc:spChg chg="del mod">
+          <ac:chgData name="pdcxs" userId="f53f700a-6709-4045-8975-3edaa594be1c" providerId="ADAL" clId="{173D37D8-2E42-4743-BA34-1372C81FB042}" dt="2024-04-10T02:38:45.038" v="323" actId="478"/>
+          <ac:spMkLst>
+            <pc:docMk/>
+            <pc:sldMk cId="3886473474" sldId="389"/>
+            <ac:spMk id="5" creationId="{15CEDB97-051C-C77B-EAE5-7AA43959DA58}"/>
+          </ac:spMkLst>
+        </pc:spChg>
+        <pc:spChg chg="add del mod">
+          <ac:chgData name="pdcxs" userId="f53f700a-6709-4045-8975-3edaa594be1c" providerId="ADAL" clId="{173D37D8-2E42-4743-BA34-1372C81FB042}" dt="2024-04-10T02:50:02.306" v="336"/>
+          <ac:spMkLst>
+            <pc:docMk/>
+            <pc:sldMk cId="3886473474" sldId="389"/>
+            <ac:spMk id="6" creationId="{7BD6F21B-8F42-07F0-0699-5DA479295262}"/>
+          </ac:spMkLst>
+        </pc:spChg>
+        <pc:spChg chg="add mod">
+          <ac:chgData name="pdcxs" userId="f53f700a-6709-4045-8975-3edaa594be1c" providerId="ADAL" clId="{173D37D8-2E42-4743-BA34-1372C81FB042}" dt="2024-04-10T03:42:29.642" v="717" actId="20577"/>
+          <ac:spMkLst>
+            <pc:docMk/>
+            <pc:sldMk cId="3886473474" sldId="389"/>
+            <ac:spMk id="7" creationId="{2D09B844-C8E4-0A7C-9E73-BCED5AAC1DAB}"/>
+          </ac:spMkLst>
+        </pc:spChg>
+        <pc:spChg chg="add del mod">
+          <ac:chgData name="pdcxs" userId="f53f700a-6709-4045-8975-3edaa594be1c" providerId="ADAL" clId="{173D37D8-2E42-4743-BA34-1372C81FB042}" dt="2024-04-10T03:34:37.814" v="661" actId="478"/>
+          <ac:spMkLst>
+            <pc:docMk/>
+            <pc:sldMk cId="3886473474" sldId="389"/>
+            <ac:spMk id="13" creationId="{7EDA819A-1782-5C0F-28B5-09D35E9DA417}"/>
+          </ac:spMkLst>
+        </pc:spChg>
+        <pc:spChg chg="add mod">
+          <ac:chgData name="pdcxs" userId="f53f700a-6709-4045-8975-3edaa594be1c" providerId="ADAL" clId="{173D37D8-2E42-4743-BA34-1372C81FB042}" dt="2024-04-10T03:27:39.633" v="627"/>
+          <ac:spMkLst>
+            <pc:docMk/>
+            <pc:sldMk cId="3886473474" sldId="389"/>
+            <ac:spMk id="15" creationId="{7932D638-17BB-1195-45C8-BE6029E80B72}"/>
+          </ac:spMkLst>
+        </pc:spChg>
+      </pc:sldChg>
+      <pc:sldChg chg="addSp delSp modSp add mod delAnim">
+        <pc:chgData name="pdcxs" userId="f53f700a-6709-4045-8975-3edaa594be1c" providerId="ADAL" clId="{173D37D8-2E42-4743-BA34-1372C81FB042}" dt="2024-04-10T03:59:22.397" v="761" actId="14100"/>
+        <pc:sldMkLst>
+          <pc:docMk/>
+          <pc:sldMk cId="1698457326" sldId="390"/>
+        </pc:sldMkLst>
+        <pc:spChg chg="mod">
+          <ac:chgData name="pdcxs" userId="f53f700a-6709-4045-8975-3edaa594be1c" providerId="ADAL" clId="{173D37D8-2E42-4743-BA34-1372C81FB042}" dt="2024-04-10T03:59:19.505" v="760" actId="1036"/>
+          <ac:spMkLst>
+            <pc:docMk/>
+            <pc:sldMk cId="1698457326" sldId="390"/>
+            <ac:spMk id="3" creationId="{BD521F2F-33D5-55E0-7DFA-A840A2CADB2D}"/>
+          </ac:spMkLst>
+        </pc:spChg>
+        <pc:spChg chg="del">
+          <ac:chgData name="pdcxs" userId="f53f700a-6709-4045-8975-3edaa594be1c" providerId="ADAL" clId="{173D37D8-2E42-4743-BA34-1372C81FB042}" dt="2024-04-10T03:25:54.450" v="605" actId="478"/>
+          <ac:spMkLst>
+            <pc:docMk/>
+            <pc:sldMk cId="1698457326" sldId="390"/>
+            <ac:spMk id="4" creationId="{5B0A0C1C-5774-A9A8-DD65-32E9B97DE4D7}"/>
+          </ac:spMkLst>
+        </pc:spChg>
+        <pc:spChg chg="add del mod">
+          <ac:chgData name="pdcxs" userId="f53f700a-6709-4045-8975-3edaa594be1c" providerId="ADAL" clId="{173D37D8-2E42-4743-BA34-1372C81FB042}" dt="2024-04-10T03:58:33.111" v="722" actId="478"/>
+          <ac:spMkLst>
+            <pc:docMk/>
+            <pc:sldMk cId="1698457326" sldId="390"/>
+            <ac:spMk id="5" creationId="{6428E53F-CAAF-1B48-1630-2B0BD346B8FD}"/>
+          </ac:spMkLst>
+        </pc:spChg>
+        <pc:spChg chg="add mod">
+          <ac:chgData name="pdcxs" userId="f53f700a-6709-4045-8975-3edaa594be1c" providerId="ADAL" clId="{173D37D8-2E42-4743-BA34-1372C81FB042}" dt="2024-04-10T03:59:22.397" v="761" actId="14100"/>
+          <ac:spMkLst>
+            <pc:docMk/>
+            <pc:sldMk cId="1698457326" sldId="390"/>
+            <ac:spMk id="6" creationId="{F40EFE73-1154-1182-C784-E30E34D805A6}"/>
+          </ac:spMkLst>
+        </pc:spChg>
+        <pc:spChg chg="del">
+          <ac:chgData name="pdcxs" userId="f53f700a-6709-4045-8975-3edaa594be1c" providerId="ADAL" clId="{173D37D8-2E42-4743-BA34-1372C81FB042}" dt="2024-04-10T03:25:53.500" v="604" actId="478"/>
+          <ac:spMkLst>
+            <pc:docMk/>
+            <pc:sldMk cId="1698457326" sldId="390"/>
+            <ac:spMk id="7" creationId="{2D09B844-C8E4-0A7C-9E73-BCED5AAC1DAB}"/>
+          </ac:spMkLst>
+        </pc:spChg>
+      </pc:sldChg>
+    </pc:docChg>
+  </pc:docChgLst>
+  <pc:docChgLst>
+    <pc:chgData name="pdcxs" userId="f53f700a-6709-4045-8975-3edaa594be1c" providerId="ADAL" clId="{52F9C8DC-B2FF-4FF7-A8A6-0143A7818F59}"/>
+    <pc:docChg chg="modSld">
+      <pc:chgData name="pdcxs" userId="f53f700a-6709-4045-8975-3edaa594be1c" providerId="ADAL" clId="{52F9C8DC-B2FF-4FF7-A8A6-0143A7818F59}" dt="2023-03-09T01:55:48.791" v="8" actId="20577"/>
+      <pc:docMkLst>
+        <pc:docMk/>
+      </pc:docMkLst>
+      <pc:sldChg chg="modSp mod">
+        <pc:chgData name="pdcxs" userId="f53f700a-6709-4045-8975-3edaa594be1c" providerId="ADAL" clId="{52F9C8DC-B2FF-4FF7-A8A6-0143A7818F59}" dt="2023-03-09T01:55:48.791" v="8" actId="20577"/>
+        <pc:sldMkLst>
+          <pc:docMk/>
+          <pc:sldMk cId="753176371" sldId="306"/>
+        </pc:sldMkLst>
+        <pc:spChg chg="mod">
+          <ac:chgData name="pdcxs" userId="f53f700a-6709-4045-8975-3edaa594be1c" providerId="ADAL" clId="{52F9C8DC-B2FF-4FF7-A8A6-0143A7818F59}" dt="2023-03-09T01:55:48.791" v="8" actId="20577"/>
+          <ac:spMkLst>
+            <pc:docMk/>
+            <pc:sldMk cId="753176371" sldId="306"/>
+            <ac:spMk id="19" creationId="{00000000-0000-0000-0000-000000000000}"/>
+          </ac:spMkLst>
+        </pc:spChg>
+      </pc:sldChg>
+    </pc:docChg>
+  </pc:docChgLst>
   <pc:docChgLst>
     <pc:chgData name="pdcxs" userId="f53f700a-6709-4045-8975-3edaa594be1c" providerId="ADAL" clId="{9552B5FD-C471-4880-BB1B-9D53D7FAD853}"/>
     <pc:docChg chg="addSld delSld modSld">
@@ -237,24 +657,40 @@
     </pc:docChg>
   </pc:docChgLst>
   <pc:docChgLst>
-    <pc:chgData name="pdcxs" userId="f53f700a-6709-4045-8975-3edaa594be1c" providerId="ADAL" clId="{52F9C8DC-B2FF-4FF7-A8A6-0143A7818F59}"/>
-    <pc:docChg chg="modSld">
-      <pc:chgData name="pdcxs" userId="f53f700a-6709-4045-8975-3edaa594be1c" providerId="ADAL" clId="{52F9C8DC-B2FF-4FF7-A8A6-0143A7818F59}" dt="2023-03-09T01:55:48.791" v="8" actId="20577"/>
+    <pc:chgData name="pdcxs" userId="f53f700a-6709-4045-8975-3edaa594be1c" providerId="ADAL" clId="{E613CF74-FE65-4336-B81E-0351466CA028}"/>
+    <pc:docChg chg="custSel addSld modSld">
+      <pc:chgData name="pdcxs" userId="f53f700a-6709-4045-8975-3edaa594be1c" providerId="ADAL" clId="{E613CF74-FE65-4336-B81E-0351466CA028}" dt="2024-04-10T08:00:24.157" v="52" actId="20577"/>
       <pc:docMkLst>
         <pc:docMk/>
       </pc:docMkLst>
-      <pc:sldChg chg="modSp mod">
-        <pc:chgData name="pdcxs" userId="f53f700a-6709-4045-8975-3edaa594be1c" providerId="ADAL" clId="{52F9C8DC-B2FF-4FF7-A8A6-0143A7818F59}" dt="2023-03-09T01:55:48.791" v="8" actId="20577"/>
+      <pc:sldChg chg="delSp modSp add mod">
+        <pc:chgData name="pdcxs" userId="f53f700a-6709-4045-8975-3edaa594be1c" providerId="ADAL" clId="{E613CF74-FE65-4336-B81E-0351466CA028}" dt="2024-04-10T08:00:24.157" v="52" actId="20577"/>
         <pc:sldMkLst>
           <pc:docMk/>
-          <pc:sldMk cId="753176371" sldId="306"/>
+          <pc:sldMk cId="832671919" sldId="391"/>
         </pc:sldMkLst>
-        <pc:spChg chg="mod">
-          <ac:chgData name="pdcxs" userId="f53f700a-6709-4045-8975-3edaa594be1c" providerId="ADAL" clId="{52F9C8DC-B2FF-4FF7-A8A6-0143A7818F59}" dt="2023-03-09T01:55:48.791" v="8" actId="20577"/>
+        <pc:spChg chg="del mod">
+          <ac:chgData name="pdcxs" userId="f53f700a-6709-4045-8975-3edaa594be1c" providerId="ADAL" clId="{E613CF74-FE65-4336-B81E-0351466CA028}" dt="2024-04-10T07:59:55.070" v="10" actId="478"/>
           <ac:spMkLst>
             <pc:docMk/>
-            <pc:sldMk cId="753176371" sldId="306"/>
-            <ac:spMk id="19" creationId="{00000000-0000-0000-0000-000000000000}"/>
+            <pc:sldMk cId="832671919" sldId="391"/>
+            <ac:spMk id="3" creationId="{BD521F2F-33D5-55E0-7DFA-A840A2CADB2D}"/>
+          </ac:spMkLst>
+        </pc:spChg>
+        <pc:spChg chg="mod">
+          <ac:chgData name="pdcxs" userId="f53f700a-6709-4045-8975-3edaa594be1c" providerId="ADAL" clId="{E613CF74-FE65-4336-B81E-0351466CA028}" dt="2024-04-10T08:00:24.157" v="52" actId="20577"/>
+          <ac:spMkLst>
+            <pc:docMk/>
+            <pc:sldMk cId="832671919" sldId="391"/>
+            <ac:spMk id="6" creationId="{F40EFE73-1154-1182-C784-E30E34D805A6}"/>
+          </ac:spMkLst>
+        </pc:spChg>
+        <pc:spChg chg="mod">
+          <ac:chgData name="pdcxs" userId="f53f700a-6709-4045-8975-3edaa594be1c" providerId="ADAL" clId="{E613CF74-FE65-4336-B81E-0351466CA028}" dt="2024-04-10T07:59:45.371" v="7" actId="20577"/>
+          <ac:spMkLst>
+            <pc:docMk/>
+            <pc:sldMk cId="832671919" sldId="391"/>
+            <ac:spMk id="12" creationId="{FBAB8972-87CC-4170-AA59-C469F5151BAD}"/>
           </ac:spMkLst>
         </pc:spChg>
       </pc:sldChg>
@@ -372,7 +808,7 @@
               <a:pPr>
                 <a:defRPr/>
               </a:pPr>
-              <a:t>2024/2/28</a:t>
+              <a:t>2024/4/10</a:t>
             </a:fld>
             <a:endParaRPr lang="zh-CN" altLang="en-US"/>
           </a:p>
@@ -733,7 +1169,7 @@
           <a:bodyPr/>
           <a:lstStyle/>
           <a:p>
-            <a:endParaRPr lang="zh-CN" altLang="en-US"/>
+            <a:endParaRPr lang="zh-CN" altLang="en-US" dirty="0"/>
           </a:p>
         </p:txBody>
       </p:sp>
@@ -1237,7 +1673,7 @@
           <a:bodyPr/>
           <a:lstStyle/>
           <a:p>
-            <a:endParaRPr lang="zh-CN" altLang="en-US"/>
+            <a:endParaRPr lang="zh-CN" altLang="en-US" dirty="0"/>
           </a:p>
         </p:txBody>
       </p:sp>
@@ -1321,7 +1757,7 @@
           <a:bodyPr/>
           <a:lstStyle/>
           <a:p>
-            <a:endParaRPr lang="zh-CN" altLang="en-US"/>
+            <a:endParaRPr lang="zh-CN" altLang="en-US" dirty="0"/>
           </a:p>
         </p:txBody>
       </p:sp>
@@ -1489,7 +1925,7 @@
           <a:bodyPr/>
           <a:lstStyle/>
           <a:p>
-            <a:endParaRPr lang="zh-CN" altLang="en-US"/>
+            <a:endParaRPr lang="zh-CN" altLang="en-US" dirty="0"/>
           </a:p>
         </p:txBody>
       </p:sp>
@@ -1909,7 +2345,7 @@
           <a:bodyPr/>
           <a:lstStyle/>
           <a:p>
-            <a:endParaRPr lang="zh-CN" altLang="en-US"/>
+            <a:endParaRPr lang="zh-CN" altLang="en-US" dirty="0"/>
           </a:p>
         </p:txBody>
       </p:sp>
@@ -2245,7 +2681,7 @@
           <a:bodyPr/>
           <a:lstStyle/>
           <a:p>
-            <a:endParaRPr lang="zh-CN" altLang="en-US"/>
+            <a:endParaRPr lang="zh-CN" altLang="en-US" dirty="0"/>
           </a:p>
         </p:txBody>
       </p:sp>
@@ -2413,7 +2849,7 @@
           <a:bodyPr/>
           <a:lstStyle/>
           <a:p>
-            <a:endParaRPr lang="zh-CN" altLang="en-US"/>
+            <a:endParaRPr lang="zh-CN" altLang="en-US" dirty="0"/>
           </a:p>
         </p:txBody>
       </p:sp>
@@ -2497,7 +2933,7 @@
           <a:bodyPr/>
           <a:lstStyle/>
           <a:p>
-            <a:endParaRPr lang="zh-CN" altLang="en-US"/>
+            <a:endParaRPr lang="zh-CN" altLang="en-US" dirty="0"/>
           </a:p>
         </p:txBody>
       </p:sp>
@@ -2671,7 +3107,7 @@
           <a:bodyPr/>
           <a:lstStyle/>
           <a:p>
-            <a:endParaRPr lang="zh-CN" altLang="en-US"/>
+            <a:endParaRPr lang="zh-CN" altLang="en-US" dirty="0"/>
           </a:p>
         </p:txBody>
       </p:sp>
@@ -2690,6 +3126,342 @@
           <a:bodyPr/>
           <a:lstStyle/>
           <a:p>
+            <a:fld id="{74AC173A-3DA8-4893-B28A-1E15F55C330A}" type="slidenum">
+              <a:rPr lang="zh-CN" altLang="en-US" smtClean="0"/>
+              <a:t>30</a:t>
+            </a:fld>
+            <a:endParaRPr lang="zh-CN" altLang="en-US"/>
+          </a:p>
+        </p:txBody>
+      </p:sp>
+    </p:spTree>
+    <p:extLst>
+      <p:ext uri="{BB962C8B-B14F-4D97-AF65-F5344CB8AC3E}">
+        <p14:creationId xmlns:p14="http://schemas.microsoft.com/office/powerpoint/2010/main" val="1701416059"/>
+      </p:ext>
+    </p:extLst>
+  </p:cSld>
+  <p:clrMapOvr>
+    <a:masterClrMapping/>
+  </p:clrMapOvr>
+</p:notes>
+</file>
+
+<file path=ppt/notesSlides/notesSlide31.xml><?xml version="1.0" encoding="utf-8"?>
+<p:notes xmlns:a="http://schemas.openxmlformats.org/drawingml/2006/main" xmlns:r="http://schemas.openxmlformats.org/officeDocument/2006/relationships" xmlns:p="http://schemas.openxmlformats.org/presentationml/2006/main">
+  <p:cSld>
+    <p:spTree>
+      <p:nvGrpSpPr>
+        <p:cNvPr id="1" name=""/>
+        <p:cNvGrpSpPr/>
+        <p:nvPr/>
+      </p:nvGrpSpPr>
+      <p:grpSpPr>
+        <a:xfrm>
+          <a:off x="0" y="0"/>
+          <a:ext cx="0" cy="0"/>
+          <a:chOff x="0" y="0"/>
+          <a:chExt cx="0" cy="0"/>
+        </a:xfrm>
+      </p:grpSpPr>
+      <p:sp>
+        <p:nvSpPr>
+          <p:cNvPr id="2" name="幻灯片图像占位符 1"/>
+          <p:cNvSpPr>
+            <a:spLocks noGrp="1" noRot="1" noChangeAspect="1"/>
+          </p:cNvSpPr>
+          <p:nvPr>
+            <p:ph type="sldImg"/>
+          </p:nvPr>
+        </p:nvSpPr>
+        <p:spPr/>
+      </p:sp>
+      <p:sp>
+        <p:nvSpPr>
+          <p:cNvPr id="3" name="备注占位符 2"/>
+          <p:cNvSpPr>
+            <a:spLocks noGrp="1"/>
+          </p:cNvSpPr>
+          <p:nvPr>
+            <p:ph type="body" idx="1"/>
+          </p:nvPr>
+        </p:nvSpPr>
+        <p:spPr/>
+        <p:txBody>
+          <a:bodyPr/>
+          <a:lstStyle/>
+          <a:p>
+            <a:endParaRPr lang="zh-CN" altLang="en-US" dirty="0"/>
+          </a:p>
+        </p:txBody>
+      </p:sp>
+      <p:sp>
+        <p:nvSpPr>
+          <p:cNvPr id="4" name="灯片编号占位符 3"/>
+          <p:cNvSpPr>
+            <a:spLocks noGrp="1"/>
+          </p:cNvSpPr>
+          <p:nvPr>
+            <p:ph type="sldNum" sz="quarter" idx="10"/>
+          </p:nvPr>
+        </p:nvSpPr>
+        <p:spPr/>
+        <p:txBody>
+          <a:bodyPr/>
+          <a:lstStyle/>
+          <a:p>
+            <a:fld id="{74AC173A-3DA8-4893-B28A-1E15F55C330A}" type="slidenum">
+              <a:rPr lang="zh-CN" altLang="en-US" smtClean="0"/>
+              <a:t>31</a:t>
+            </a:fld>
+            <a:endParaRPr lang="zh-CN" altLang="en-US"/>
+          </a:p>
+        </p:txBody>
+      </p:sp>
+    </p:spTree>
+    <p:extLst>
+      <p:ext uri="{BB962C8B-B14F-4D97-AF65-F5344CB8AC3E}">
+        <p14:creationId xmlns:p14="http://schemas.microsoft.com/office/powerpoint/2010/main" val="2098358219"/>
+      </p:ext>
+    </p:extLst>
+  </p:cSld>
+  <p:clrMapOvr>
+    <a:masterClrMapping/>
+  </p:clrMapOvr>
+</p:notes>
+</file>
+
+<file path=ppt/notesSlides/notesSlide32.xml><?xml version="1.0" encoding="utf-8"?>
+<p:notes xmlns:a="http://schemas.openxmlformats.org/drawingml/2006/main" xmlns:r="http://schemas.openxmlformats.org/officeDocument/2006/relationships" xmlns:p="http://schemas.openxmlformats.org/presentationml/2006/main">
+  <p:cSld>
+    <p:spTree>
+      <p:nvGrpSpPr>
+        <p:cNvPr id="1" name=""/>
+        <p:cNvGrpSpPr/>
+        <p:nvPr/>
+      </p:nvGrpSpPr>
+      <p:grpSpPr>
+        <a:xfrm>
+          <a:off x="0" y="0"/>
+          <a:ext cx="0" cy="0"/>
+          <a:chOff x="0" y="0"/>
+          <a:chExt cx="0" cy="0"/>
+        </a:xfrm>
+      </p:grpSpPr>
+      <p:sp>
+        <p:nvSpPr>
+          <p:cNvPr id="2" name="幻灯片图像占位符 1"/>
+          <p:cNvSpPr>
+            <a:spLocks noGrp="1" noRot="1" noChangeAspect="1"/>
+          </p:cNvSpPr>
+          <p:nvPr>
+            <p:ph type="sldImg"/>
+          </p:nvPr>
+        </p:nvSpPr>
+        <p:spPr/>
+      </p:sp>
+      <p:sp>
+        <p:nvSpPr>
+          <p:cNvPr id="3" name="备注占位符 2"/>
+          <p:cNvSpPr>
+            <a:spLocks noGrp="1"/>
+          </p:cNvSpPr>
+          <p:nvPr>
+            <p:ph type="body" idx="1"/>
+          </p:nvPr>
+        </p:nvSpPr>
+        <p:spPr/>
+        <p:txBody>
+          <a:bodyPr/>
+          <a:lstStyle/>
+          <a:p>
+            <a:endParaRPr lang="zh-CN" altLang="en-US" dirty="0"/>
+          </a:p>
+        </p:txBody>
+      </p:sp>
+      <p:sp>
+        <p:nvSpPr>
+          <p:cNvPr id="4" name="灯片编号占位符 3"/>
+          <p:cNvSpPr>
+            <a:spLocks noGrp="1"/>
+          </p:cNvSpPr>
+          <p:nvPr>
+            <p:ph type="sldNum" sz="quarter" idx="10"/>
+          </p:nvPr>
+        </p:nvSpPr>
+        <p:spPr/>
+        <p:txBody>
+          <a:bodyPr/>
+          <a:lstStyle/>
+          <a:p>
+            <a:fld id="{74AC173A-3DA8-4893-B28A-1E15F55C330A}" type="slidenum">
+              <a:rPr lang="zh-CN" altLang="en-US" smtClean="0"/>
+              <a:t>32</a:t>
+            </a:fld>
+            <a:endParaRPr lang="zh-CN" altLang="en-US"/>
+          </a:p>
+        </p:txBody>
+      </p:sp>
+    </p:spTree>
+    <p:extLst>
+      <p:ext uri="{BB962C8B-B14F-4D97-AF65-F5344CB8AC3E}">
+        <p14:creationId xmlns:p14="http://schemas.microsoft.com/office/powerpoint/2010/main" val="3006708533"/>
+      </p:ext>
+    </p:extLst>
+  </p:cSld>
+  <p:clrMapOvr>
+    <a:masterClrMapping/>
+  </p:clrMapOvr>
+</p:notes>
+</file>
+
+<file path=ppt/notesSlides/notesSlide33.xml><?xml version="1.0" encoding="utf-8"?>
+<p:notes xmlns:a="http://schemas.openxmlformats.org/drawingml/2006/main" xmlns:r="http://schemas.openxmlformats.org/officeDocument/2006/relationships" xmlns:p="http://schemas.openxmlformats.org/presentationml/2006/main">
+  <p:cSld>
+    <p:spTree>
+      <p:nvGrpSpPr>
+        <p:cNvPr id="1" name=""/>
+        <p:cNvGrpSpPr/>
+        <p:nvPr/>
+      </p:nvGrpSpPr>
+      <p:grpSpPr>
+        <a:xfrm>
+          <a:off x="0" y="0"/>
+          <a:ext cx="0" cy="0"/>
+          <a:chOff x="0" y="0"/>
+          <a:chExt cx="0" cy="0"/>
+        </a:xfrm>
+      </p:grpSpPr>
+      <p:sp>
+        <p:nvSpPr>
+          <p:cNvPr id="2" name="幻灯片图像占位符 1"/>
+          <p:cNvSpPr>
+            <a:spLocks noGrp="1" noRot="1" noChangeAspect="1"/>
+          </p:cNvSpPr>
+          <p:nvPr>
+            <p:ph type="sldImg"/>
+          </p:nvPr>
+        </p:nvSpPr>
+        <p:spPr/>
+      </p:sp>
+      <p:sp>
+        <p:nvSpPr>
+          <p:cNvPr id="3" name="备注占位符 2"/>
+          <p:cNvSpPr>
+            <a:spLocks noGrp="1"/>
+          </p:cNvSpPr>
+          <p:nvPr>
+            <p:ph type="body" idx="1"/>
+          </p:nvPr>
+        </p:nvSpPr>
+        <p:spPr/>
+        <p:txBody>
+          <a:bodyPr/>
+          <a:lstStyle/>
+          <a:p>
+            <a:endParaRPr lang="zh-CN" altLang="en-US" dirty="0"/>
+          </a:p>
+        </p:txBody>
+      </p:sp>
+      <p:sp>
+        <p:nvSpPr>
+          <p:cNvPr id="4" name="灯片编号占位符 3"/>
+          <p:cNvSpPr>
+            <a:spLocks noGrp="1"/>
+          </p:cNvSpPr>
+          <p:nvPr>
+            <p:ph type="sldNum" sz="quarter" idx="10"/>
+          </p:nvPr>
+        </p:nvSpPr>
+        <p:spPr/>
+        <p:txBody>
+          <a:bodyPr/>
+          <a:lstStyle/>
+          <a:p>
+            <a:fld id="{74AC173A-3DA8-4893-B28A-1E15F55C330A}" type="slidenum">
+              <a:rPr lang="zh-CN" altLang="en-US" smtClean="0"/>
+              <a:t>33</a:t>
+            </a:fld>
+            <a:endParaRPr lang="zh-CN" altLang="en-US"/>
+          </a:p>
+        </p:txBody>
+      </p:sp>
+    </p:spTree>
+    <p:extLst>
+      <p:ext uri="{BB962C8B-B14F-4D97-AF65-F5344CB8AC3E}">
+        <p14:creationId xmlns:p14="http://schemas.microsoft.com/office/powerpoint/2010/main" val="1727310062"/>
+      </p:ext>
+    </p:extLst>
+  </p:cSld>
+  <p:clrMapOvr>
+    <a:masterClrMapping/>
+  </p:clrMapOvr>
+</p:notes>
+</file>
+
+<file path=ppt/notesSlides/notesSlide34.xml><?xml version="1.0" encoding="utf-8"?>
+<p:notes xmlns:a="http://schemas.openxmlformats.org/drawingml/2006/main" xmlns:r="http://schemas.openxmlformats.org/officeDocument/2006/relationships" xmlns:p="http://schemas.openxmlformats.org/presentationml/2006/main">
+  <p:cSld>
+    <p:spTree>
+      <p:nvGrpSpPr>
+        <p:cNvPr id="1" name=""/>
+        <p:cNvGrpSpPr/>
+        <p:nvPr/>
+      </p:nvGrpSpPr>
+      <p:grpSpPr>
+        <a:xfrm>
+          <a:off x="0" y="0"/>
+          <a:ext cx="0" cy="0"/>
+          <a:chOff x="0" y="0"/>
+          <a:chExt cx="0" cy="0"/>
+        </a:xfrm>
+      </p:grpSpPr>
+      <p:sp>
+        <p:nvSpPr>
+          <p:cNvPr id="2" name="幻灯片图像占位符 1"/>
+          <p:cNvSpPr>
+            <a:spLocks noGrp="1" noRot="1" noChangeAspect="1"/>
+          </p:cNvSpPr>
+          <p:nvPr>
+            <p:ph type="sldImg"/>
+          </p:nvPr>
+        </p:nvSpPr>
+        <p:spPr/>
+      </p:sp>
+      <p:sp>
+        <p:nvSpPr>
+          <p:cNvPr id="3" name="备注占位符 2"/>
+          <p:cNvSpPr>
+            <a:spLocks noGrp="1"/>
+          </p:cNvSpPr>
+          <p:nvPr>
+            <p:ph type="body" idx="1"/>
+          </p:nvPr>
+        </p:nvSpPr>
+        <p:spPr/>
+        <p:txBody>
+          <a:bodyPr/>
+          <a:lstStyle/>
+          <a:p>
+            <a:endParaRPr lang="zh-CN" altLang="en-US" dirty="0"/>
+          </a:p>
+        </p:txBody>
+      </p:sp>
+      <p:sp>
+        <p:nvSpPr>
+          <p:cNvPr id="4" name="灯片编号占位符 3"/>
+          <p:cNvSpPr>
+            <a:spLocks noGrp="1"/>
+          </p:cNvSpPr>
+          <p:nvPr>
+            <p:ph type="sldNum" sz="quarter" idx="10"/>
+          </p:nvPr>
+        </p:nvSpPr>
+        <p:spPr/>
+        <p:txBody>
+          <a:bodyPr/>
+          <a:lstStyle/>
+          <a:p>
             <a:pPr>
               <a:defRPr/>
             </a:pPr>
@@ -2698,7 +3470,7 @@
               <a:pPr>
                 <a:defRPr/>
               </a:pPr>
-              <a:t>30</a:t>
+              <a:t>34</a:t>
             </a:fld>
             <a:endParaRPr lang="zh-CN" altLang="en-US"/>
           </a:p>
@@ -3556,7 +4328,7 @@
               <a:pPr>
                 <a:defRPr/>
               </a:pPr>
-              <a:t>2024/2/28</a:t>
+              <a:t>2024/4/10</a:t>
             </a:fld>
             <a:endParaRPr lang="zh-CN" altLang="en-US"/>
           </a:p>
@@ -3897,7 +4669,7 @@
               <a:pPr>
                 <a:defRPr/>
               </a:pPr>
-              <a:t>2024/2/28</a:t>
+              <a:t>2024/4/10</a:t>
             </a:fld>
             <a:endParaRPr lang="zh-CN" altLang="en-US"/>
           </a:p>
@@ -4160,7 +4932,7 @@
               <a:pPr>
                 <a:defRPr/>
               </a:pPr>
-              <a:t>2024/2/28</a:t>
+              <a:t>2024/4/10</a:t>
             </a:fld>
             <a:endParaRPr lang="zh-CN" altLang="en-US"/>
           </a:p>
@@ -4423,7 +5195,7 @@
               <a:pPr>
                 <a:defRPr/>
               </a:pPr>
-              <a:t>2024/2/28</a:t>
+              <a:t>2024/4/10</a:t>
             </a:fld>
             <a:endParaRPr lang="zh-CN" altLang="en-US"/>
           </a:p>
@@ -4731,7 +5503,7 @@
           <a:p>
             <a:fld id="{727B9DD9-119C-4B8D-B3AB-3CFC6AE69930}" type="datetimeFigureOut">
               <a:rPr lang="zh-CN" altLang="en-US" smtClean="0"/>
-              <a:t>2024/2/28</a:t>
+              <a:t>2024/4/10</a:t>
             </a:fld>
             <a:endParaRPr lang="zh-CN" altLang="en-US"/>
           </a:p>
@@ -4811,7 +5583,7 @@
         <p:random/>
       </p:transition>
     </mc:Choice>
-    <mc:Fallback xmlns:p15="http://schemas.microsoft.com/office/powerpoint/2012/main" xmlns="">
+    <mc:Fallback xmlns="" xmlns:p15="http://schemas.microsoft.com/office/powerpoint/2012/main">
       <p:transition spd="slow" advClick="0">
         <p:random/>
       </p:transition>
@@ -6093,7 +6865,7 @@
               <a:pPr>
                 <a:defRPr/>
               </a:pPr>
-              <a:t>2024/2/28</a:t>
+              <a:t>2024/4/10</a:t>
             </a:fld>
             <a:endParaRPr lang="zh-CN" altLang="en-US"/>
           </a:p>
@@ -6611,7 +7383,7 @@
               <a:pPr>
                 <a:defRPr/>
               </a:pPr>
-              <a:t>2024/2/28</a:t>
+              <a:t>2024/4/10</a:t>
             </a:fld>
             <a:endParaRPr lang="zh-CN" altLang="en-US"/>
           </a:p>
@@ -6815,7 +7587,7 @@
               <a:pPr>
                 <a:defRPr/>
               </a:pPr>
-              <a:t>2024/2/28</a:t>
+              <a:t>2024/4/10</a:t>
             </a:fld>
             <a:endParaRPr lang="zh-CN" altLang="en-US"/>
           </a:p>
@@ -6989,7 +7761,7 @@
               <a:pPr>
                 <a:defRPr/>
               </a:pPr>
-              <a:t>2024/2/28</a:t>
+              <a:t>2024/4/10</a:t>
             </a:fld>
             <a:endParaRPr lang="zh-CN" altLang="en-US"/>
           </a:p>
@@ -7849,7 +8621,7 @@
         <p:blinds dir="vert"/>
       </p:transition>
     </mc:Choice>
-    <mc:Fallback xmlns:p15="http://schemas.microsoft.com/office/powerpoint/2012/main" xmlns="">
+    <mc:Fallback xmlns="" xmlns:p15="http://schemas.microsoft.com/office/powerpoint/2012/main">
       <p:transition spd="slow" advClick="0">
         <p:blinds dir="vert"/>
       </p:transition>
@@ -13997,7 +14769,21 @@
                 <a:latin typeface="微软雅黑" panose="020B0503020204020204" pitchFamily="34" charset="-122"/>
                 <a:ea typeface="微软雅黑" panose="020B0503020204020204" pitchFamily="34" charset="-122"/>
               </a:rPr>
-              <a:t>J7chapter12.App12_1.java</a:t>
+              <a:t>demo/reflect/</a:t>
+            </a:r>
+            <a:r>
+              <a:rPr lang="en-US" altLang="zh-CN" sz="2800" dirty="0" err="1">
+                <a:latin typeface="微软雅黑" panose="020B0503020204020204" pitchFamily="34" charset="-122"/>
+                <a:ea typeface="微软雅黑" panose="020B0503020204020204" pitchFamily="34" charset="-122"/>
+              </a:rPr>
+              <a:t>src</a:t>
+            </a:r>
+            <a:r>
+              <a:rPr lang="en-US" altLang="zh-CN" sz="2800" dirty="0">
+                <a:latin typeface="微软雅黑" panose="020B0503020204020204" pitchFamily="34" charset="-122"/>
+                <a:ea typeface="微软雅黑" panose="020B0503020204020204" pitchFamily="34" charset="-122"/>
+              </a:rPr>
+              <a:t>/ReflectAndAnnotation.java</a:t>
             </a:r>
           </a:p>
         </p:txBody>
@@ -14782,8 +15568,8 @@
         </p:nvSpPr>
         <p:spPr>
           <a:xfrm>
-            <a:off x="4860032" y="4011910"/>
-            <a:ext cx="3816424" cy="523220"/>
+            <a:off x="523682" y="4465096"/>
+            <a:ext cx="8224781" cy="523220"/>
           </a:xfrm>
           <a:prstGeom prst="rect">
             <a:avLst/>
@@ -14814,7 +15600,21 @@
                 <a:latin typeface="微软雅黑" panose="020B0503020204020204" pitchFamily="34" charset="-122"/>
                 <a:ea typeface="微软雅黑" panose="020B0503020204020204" pitchFamily="34" charset="-122"/>
               </a:rPr>
-              <a:t>J7chapter12.Out.java</a:t>
+              <a:t>demo/reflect/</a:t>
+            </a:r>
+            <a:r>
+              <a:rPr lang="en-US" altLang="zh-CN" sz="2800" dirty="0" err="1">
+                <a:latin typeface="微软雅黑" panose="020B0503020204020204" pitchFamily="34" charset="-122"/>
+                <a:ea typeface="微软雅黑" panose="020B0503020204020204" pitchFamily="34" charset="-122"/>
+              </a:rPr>
+              <a:t>src</a:t>
+            </a:r>
+            <a:r>
+              <a:rPr lang="en-US" altLang="zh-CN" sz="2800" dirty="0">
+                <a:latin typeface="微软雅黑" panose="020B0503020204020204" pitchFamily="34" charset="-122"/>
+                <a:ea typeface="微软雅黑" panose="020B0503020204020204" pitchFamily="34" charset="-122"/>
+              </a:rPr>
+              <a:t>/Out.java</a:t>
             </a:r>
           </a:p>
         </p:txBody>
@@ -14833,7 +15633,7 @@
         </p:nvSpPr>
         <p:spPr>
           <a:xfrm>
-            <a:off x="4355976" y="3642578"/>
+            <a:off x="526357" y="4152759"/>
             <a:ext cx="2954655" cy="369332"/>
           </a:xfrm>
           <a:prstGeom prst="rect">
@@ -14876,7 +15676,7 @@
         <p:blinds dir="vert"/>
       </p:transition>
     </mc:Choice>
-    <mc:Fallback xmlns:p15="http://schemas.microsoft.com/office/powerpoint/2012/main" xmlns="">
+    <mc:Fallback xmlns="" xmlns:p15="http://schemas.microsoft.com/office/powerpoint/2012/main">
       <p:transition spd="slow" advClick="0">
         <p:blinds dir="vert"/>
       </p:transition>
@@ -15650,7 +16450,7 @@
         <p:blinds dir="vert"/>
       </p:transition>
     </mc:Choice>
-    <mc:Fallback xmlns:p15="http://schemas.microsoft.com/office/powerpoint/2012/main" xmlns="">
+    <mc:Fallback xmlns="" xmlns:p15="http://schemas.microsoft.com/office/powerpoint/2012/main">
       <p:transition spd="slow" advClick="0">
         <p:blinds dir="vert"/>
       </p:transition>
@@ -16451,7 +17251,21 @@
                 <a:latin typeface="微软雅黑" panose="020B0503020204020204" pitchFamily="34" charset="-122"/>
                 <a:ea typeface="微软雅黑" panose="020B0503020204020204" pitchFamily="34" charset="-122"/>
               </a:rPr>
-              <a:t>J7chapter12.MyOuter.java</a:t>
+              <a:t>demo/reflect/</a:t>
+            </a:r>
+            <a:r>
+              <a:rPr lang="en-US" altLang="zh-CN" sz="2800" dirty="0" err="1">
+                <a:latin typeface="微软雅黑" panose="020B0503020204020204" pitchFamily="34" charset="-122"/>
+                <a:ea typeface="微软雅黑" panose="020B0503020204020204" pitchFamily="34" charset="-122"/>
+              </a:rPr>
+              <a:t>src</a:t>
+            </a:r>
+            <a:r>
+              <a:rPr lang="en-US" altLang="zh-CN" sz="2800" dirty="0">
+                <a:latin typeface="微软雅黑" panose="020B0503020204020204" pitchFamily="34" charset="-122"/>
+                <a:ea typeface="微软雅黑" panose="020B0503020204020204" pitchFamily="34" charset="-122"/>
+              </a:rPr>
+              <a:t>/MyOuter.java</a:t>
             </a:r>
           </a:p>
         </p:txBody>
@@ -16513,7 +17327,7 @@
         <p:blinds dir="vert"/>
       </p:transition>
     </mc:Choice>
-    <mc:Fallback xmlns:p15="http://schemas.microsoft.com/office/powerpoint/2012/main" xmlns="">
+    <mc:Fallback xmlns="" xmlns:p15="http://schemas.microsoft.com/office/powerpoint/2012/main">
       <p:transition spd="slow" advClick="0">
         <p:blinds dir="vert"/>
       </p:transition>
@@ -17108,7 +17922,7 @@
         <p:blinds dir="vert"/>
       </p:transition>
     </mc:Choice>
-    <mc:Fallback xmlns:p15="http://schemas.microsoft.com/office/powerpoint/2012/main" xmlns="">
+    <mc:Fallback xmlns="" xmlns:p15="http://schemas.microsoft.com/office/powerpoint/2012/main">
       <p:transition spd="slow" advClick="0">
         <p:blinds dir="vert"/>
       </p:transition>
@@ -19977,7 +20791,7 @@
         <p14:prism/>
       </p:transition>
     </mc:Choice>
-    <mc:Fallback xmlns:p15="http://schemas.microsoft.com/office/powerpoint/2012/main" xmlns="">
+    <mc:Fallback xmlns="" xmlns:p15="http://schemas.microsoft.com/office/powerpoint/2012/main">
       <p:transition spd="slow" advClick="0">
         <p:fade/>
       </p:transition>
@@ -20917,7 +21731,7 @@
         <p:blinds dir="vert"/>
       </p:transition>
     </mc:Choice>
-    <mc:Fallback xmlns="" xmlns:p15="http://schemas.microsoft.com/office/powerpoint/2012/main">
+    <mc:Fallback xmlns:p15="http://schemas.microsoft.com/office/powerpoint/2012/main" xmlns="">
       <p:transition spd="slow" advClick="0">
         <p:blinds dir="vert"/>
       </p:transition>
@@ -22093,7 +22907,21 @@
                 <a:latin typeface="微软雅黑" panose="020B0503020204020204" pitchFamily="34" charset="-122"/>
                 <a:ea typeface="微软雅黑" panose="020B0503020204020204" pitchFamily="34" charset="-122"/>
               </a:rPr>
-              <a:t>J7chapter12.App12_4.java</a:t>
+              <a:t>demo/reflect/</a:t>
+            </a:r>
+            <a:r>
+              <a:rPr lang="en-US" altLang="zh-CN" sz="2800" dirty="0" err="1">
+                <a:latin typeface="微软雅黑" panose="020B0503020204020204" pitchFamily="34" charset="-122"/>
+                <a:ea typeface="微软雅黑" panose="020B0503020204020204" pitchFamily="34" charset="-122"/>
+              </a:rPr>
+              <a:t>src</a:t>
+            </a:r>
+            <a:r>
+              <a:rPr lang="en-US" altLang="zh-CN" sz="2800" dirty="0">
+                <a:latin typeface="微软雅黑" panose="020B0503020204020204" pitchFamily="34" charset="-122"/>
+                <a:ea typeface="微软雅黑" panose="020B0503020204020204" pitchFamily="34" charset="-122"/>
+              </a:rPr>
+              <a:t>/AnonymousClass.java</a:t>
             </a:r>
           </a:p>
         </p:txBody>
@@ -22186,7 +23014,27 @@
                 <a:latin typeface="微软雅黑" panose="020B0503020204020204" pitchFamily="34" charset="-122"/>
                 <a:ea typeface="微软雅黑" panose="020B0503020204020204" pitchFamily="34" charset="-122"/>
               </a:rPr>
-              <a:t>J7chapter12.App12_5.java</a:t>
+              <a:t>demo/reflect/</a:t>
+            </a:r>
+            <a:r>
+              <a:rPr lang="en-US" altLang="zh-CN" sz="2800" dirty="0" err="1">
+                <a:solidFill>
+                  <a:schemeClr val="bg1"/>
+                </a:solidFill>
+                <a:latin typeface="微软雅黑" panose="020B0503020204020204" pitchFamily="34" charset="-122"/>
+                <a:ea typeface="微软雅黑" panose="020B0503020204020204" pitchFamily="34" charset="-122"/>
+              </a:rPr>
+              <a:t>src</a:t>
+            </a:r>
+            <a:r>
+              <a:rPr lang="en-US" altLang="zh-CN" sz="2800" dirty="0">
+                <a:solidFill>
+                  <a:schemeClr val="bg1"/>
+                </a:solidFill>
+                <a:latin typeface="微软雅黑" panose="020B0503020204020204" pitchFamily="34" charset="-122"/>
+                <a:ea typeface="微软雅黑" panose="020B0503020204020204" pitchFamily="34" charset="-122"/>
+              </a:rPr>
+              <a:t>/AnonymousInterface.java</a:t>
             </a:r>
           </a:p>
         </p:txBody>
@@ -23686,7 +24534,7 @@
         <p:blinds dir="vert"/>
       </p:transition>
     </mc:Choice>
-    <mc:Fallback xmlns="" xmlns:p15="http://schemas.microsoft.com/office/powerpoint/2012/main">
+    <mc:Fallback xmlns:p15="http://schemas.microsoft.com/office/powerpoint/2012/main" xmlns="">
       <p:transition spd="slow" advClick="0">
         <p:blinds dir="vert"/>
       </p:transition>
@@ -24409,7 +25257,7 @@
         <p:blinds dir="vert"/>
       </p:transition>
     </mc:Choice>
-    <mc:Fallback xmlns="" xmlns:p15="http://schemas.microsoft.com/office/powerpoint/2012/main">
+    <mc:Fallback xmlns:p15="http://schemas.microsoft.com/office/powerpoint/2012/main" xmlns="">
       <p:transition spd="slow" advClick="0">
         <p:blinds dir="vert"/>
       </p:transition>
@@ -24803,7 +25651,21 @@
                 <a:latin typeface="微软雅黑" panose="020B0503020204020204" pitchFamily="34" charset="-122"/>
                 <a:ea typeface="微软雅黑" panose="020B0503020204020204" pitchFamily="34" charset="-122"/>
               </a:rPr>
-              <a:t>J7chapter12.App12_6.java</a:t>
+              <a:t>demo/lambda/</a:t>
+            </a:r>
+            <a:r>
+              <a:rPr lang="en-US" altLang="zh-CN" sz="2800" dirty="0" err="1">
+                <a:latin typeface="微软雅黑" panose="020B0503020204020204" pitchFamily="34" charset="-122"/>
+                <a:ea typeface="微软雅黑" panose="020B0503020204020204" pitchFamily="34" charset="-122"/>
+              </a:rPr>
+              <a:t>src</a:t>
+            </a:r>
+            <a:r>
+              <a:rPr lang="en-US" altLang="zh-CN" sz="2800" dirty="0">
+                <a:latin typeface="微软雅黑" panose="020B0503020204020204" pitchFamily="34" charset="-122"/>
+                <a:ea typeface="微软雅黑" panose="020B0503020204020204" pitchFamily="34" charset="-122"/>
+              </a:rPr>
+              <a:t>/BasicFunction.java</a:t>
             </a:r>
           </a:p>
         </p:txBody>
@@ -24896,7 +25758,27 @@
                 <a:latin typeface="微软雅黑" panose="020B0503020204020204" pitchFamily="34" charset="-122"/>
                 <a:ea typeface="微软雅黑" panose="020B0503020204020204" pitchFamily="34" charset="-122"/>
               </a:rPr>
-              <a:t>J7chapter12.App12_7.java</a:t>
+              <a:t>demo/lambda/</a:t>
+            </a:r>
+            <a:r>
+              <a:rPr lang="en-US" altLang="zh-CN" sz="2800" dirty="0" err="1">
+                <a:solidFill>
+                  <a:schemeClr val="bg1"/>
+                </a:solidFill>
+                <a:latin typeface="微软雅黑" panose="020B0503020204020204" pitchFamily="34" charset="-122"/>
+                <a:ea typeface="微软雅黑" panose="020B0503020204020204" pitchFamily="34" charset="-122"/>
+              </a:rPr>
+              <a:t>src</a:t>
+            </a:r>
+            <a:r>
+              <a:rPr lang="en-US" altLang="zh-CN" sz="2800" dirty="0">
+                <a:solidFill>
+                  <a:schemeClr val="bg1"/>
+                </a:solidFill>
+                <a:latin typeface="微软雅黑" panose="020B0503020204020204" pitchFamily="34" charset="-122"/>
+                <a:ea typeface="微软雅黑" panose="020B0503020204020204" pitchFamily="34" charset="-122"/>
+              </a:rPr>
+              <a:t>/FunctionalAnnotation.java</a:t>
             </a:r>
           </a:p>
         </p:txBody>
@@ -25004,7 +25886,21 @@
                 <a:latin typeface="微软雅黑" panose="020B0503020204020204" pitchFamily="34" charset="-122"/>
                 <a:ea typeface="微软雅黑" panose="020B0503020204020204" pitchFamily="34" charset="-122"/>
               </a:rPr>
-              <a:t>J7chapter12.App12_8.java</a:t>
+              <a:t>demo/lambda/</a:t>
+            </a:r>
+            <a:r>
+              <a:rPr lang="en-US" altLang="zh-CN" sz="2800" dirty="0" err="1">
+                <a:latin typeface="微软雅黑" panose="020B0503020204020204" pitchFamily="34" charset="-122"/>
+                <a:ea typeface="微软雅黑" panose="020B0503020204020204" pitchFamily="34" charset="-122"/>
+              </a:rPr>
+              <a:t>src</a:t>
+            </a:r>
+            <a:r>
+              <a:rPr lang="en-US" altLang="zh-CN" sz="2800" dirty="0">
+                <a:latin typeface="微软雅黑" panose="020B0503020204020204" pitchFamily="34" charset="-122"/>
+                <a:ea typeface="微软雅黑" panose="020B0503020204020204" pitchFamily="34" charset="-122"/>
+              </a:rPr>
+              <a:t>/ForEach.java</a:t>
             </a:r>
           </a:p>
         </p:txBody>
@@ -25113,7 +26009,27 @@
                 <a:latin typeface="微软雅黑" panose="020B0503020204020204" pitchFamily="34" charset="-122"/>
                 <a:ea typeface="微软雅黑" panose="020B0503020204020204" pitchFamily="34" charset="-122"/>
               </a:rPr>
-              <a:t>J7chapter12.App12_9.java</a:t>
+              <a:t>demo/lambda/</a:t>
+            </a:r>
+            <a:r>
+              <a:rPr lang="en-US" altLang="zh-CN" sz="2800" dirty="0" err="1">
+                <a:solidFill>
+                  <a:schemeClr val="bg1"/>
+                </a:solidFill>
+                <a:latin typeface="微软雅黑" panose="020B0503020204020204" pitchFamily="34" charset="-122"/>
+                <a:ea typeface="微软雅黑" panose="020B0503020204020204" pitchFamily="34" charset="-122"/>
+              </a:rPr>
+              <a:t>src</a:t>
+            </a:r>
+            <a:r>
+              <a:rPr lang="en-US" altLang="zh-CN" sz="2800" dirty="0">
+                <a:solidFill>
+                  <a:schemeClr val="bg1"/>
+                </a:solidFill>
+                <a:latin typeface="微软雅黑" panose="020B0503020204020204" pitchFamily="34" charset="-122"/>
+                <a:ea typeface="微软雅黑" panose="020B0503020204020204" pitchFamily="34" charset="-122"/>
+              </a:rPr>
+              <a:t>/NewtonMethod.java</a:t>
             </a:r>
           </a:p>
         </p:txBody>
@@ -25221,7 +26137,21 @@
                 <a:latin typeface="微软雅黑" panose="020B0503020204020204" pitchFamily="34" charset="-122"/>
                 <a:ea typeface="微软雅黑" panose="020B0503020204020204" pitchFamily="34" charset="-122"/>
               </a:rPr>
-              <a:t>J7chapter12.App12_10.java</a:t>
+              <a:t>demo/lambda/</a:t>
+            </a:r>
+            <a:r>
+              <a:rPr lang="en-US" altLang="zh-CN" sz="2800" dirty="0" err="1">
+                <a:latin typeface="微软雅黑" panose="020B0503020204020204" pitchFamily="34" charset="-122"/>
+                <a:ea typeface="微软雅黑" panose="020B0503020204020204" pitchFamily="34" charset="-122"/>
+              </a:rPr>
+              <a:t>src</a:t>
+            </a:r>
+            <a:r>
+              <a:rPr lang="en-US" altLang="zh-CN" sz="2800" dirty="0">
+                <a:latin typeface="微软雅黑" panose="020B0503020204020204" pitchFamily="34" charset="-122"/>
+                <a:ea typeface="微软雅黑" panose="020B0503020204020204" pitchFamily="34" charset="-122"/>
+              </a:rPr>
+              <a:t>/ThrowException.java</a:t>
             </a:r>
           </a:p>
         </p:txBody>
@@ -26050,7 +26980,7 @@
         <p:blinds dir="vert"/>
       </p:transition>
     </mc:Choice>
-    <mc:Fallback xmlns="" xmlns:p15="http://schemas.microsoft.com/office/powerpoint/2012/main">
+    <mc:Fallback xmlns:p15="http://schemas.microsoft.com/office/powerpoint/2012/main" xmlns="">
       <p:transition spd="slow" advClick="0">
         <p:blinds dir="vert"/>
       </p:transition>
@@ -26768,7 +27698,7 @@
                 <a:latin typeface="微软雅黑" panose="020B0503020204020204" pitchFamily="34" charset="-122"/>
                 <a:ea typeface="微软雅黑" panose="020B0503020204020204" pitchFamily="34" charset="-122"/>
               </a:rPr>
-              <a:t>4</a:t>
+              <a:t>3</a:t>
             </a:r>
             <a:r>
               <a:rPr lang="zh-CN" altLang="zh-CN" sz="2800" dirty="0">
@@ -26859,42 +27789,6 @@
                 <a:ea typeface="微软雅黑" panose="020B0503020204020204" pitchFamily="34" charset="-122"/>
               </a:rPr>
               <a:t>静态方法名</a:t>
-            </a:r>
-          </a:p>
-          <a:p>
-            <a:pPr marL="800100" indent="-457200">
-              <a:buFont typeface="微软雅黑" panose="020B0503020204020204" pitchFamily="34" charset="-122"/>
-              <a:buChar char="–"/>
-            </a:pPr>
-            <a:r>
-              <a:rPr lang="zh-CN" altLang="zh-CN" sz="2400" dirty="0">
-                <a:solidFill>
-                  <a:srgbClr val="FF0000"/>
-                </a:solidFill>
-                <a:latin typeface="微软雅黑" panose="020B0503020204020204" pitchFamily="34" charset="-122"/>
-                <a:ea typeface="微软雅黑" panose="020B0503020204020204" pitchFamily="34" charset="-122"/>
-              </a:rPr>
-              <a:t>类名</a:t>
-            </a:r>
-            <a:r>
-              <a:rPr lang="en-US" altLang="zh-CN" sz="2400" dirty="0">
-                <a:solidFill>
-                  <a:srgbClr val="FF0000"/>
-                </a:solidFill>
-                <a:latin typeface="微软雅黑" panose="020B0503020204020204" pitchFamily="34" charset="-122"/>
-                <a:ea typeface="微软雅黑" panose="020B0503020204020204" pitchFamily="34" charset="-122"/>
-              </a:rPr>
-              <a:t>::</a:t>
-            </a:r>
-            <a:r>
-              <a:rPr lang="zh-CN" altLang="zh-CN" sz="2400" dirty="0">
-                <a:solidFill>
-                  <a:srgbClr val="FF0000"/>
-                </a:solidFill>
-                <a:latin typeface="微软雅黑" panose="020B0503020204020204" pitchFamily="34" charset="-122"/>
-                <a:ea typeface="微软雅黑" panose="020B0503020204020204" pitchFamily="34" charset="-122"/>
-              </a:rPr>
-              <a:t>实例方法名</a:t>
             </a:r>
           </a:p>
           <a:p>
@@ -27389,7 +28283,27 @@
                 <a:latin typeface="微软雅黑" panose="020B0503020204020204" pitchFamily="34" charset="-122"/>
                 <a:ea typeface="微软雅黑" panose="020B0503020204020204" pitchFamily="34" charset="-122"/>
               </a:rPr>
-              <a:t>J7chapter12.App12_11.java</a:t>
+              <a:t>demo/lambda/</a:t>
+            </a:r>
+            <a:r>
+              <a:rPr lang="en-US" altLang="zh-CN" sz="2800" dirty="0" err="1">
+                <a:solidFill>
+                  <a:schemeClr val="bg1"/>
+                </a:solidFill>
+                <a:latin typeface="微软雅黑" panose="020B0503020204020204" pitchFamily="34" charset="-122"/>
+                <a:ea typeface="微软雅黑" panose="020B0503020204020204" pitchFamily="34" charset="-122"/>
+              </a:rPr>
+              <a:t>src</a:t>
+            </a:r>
+            <a:r>
+              <a:rPr lang="en-US" altLang="zh-CN" sz="2800" dirty="0">
+                <a:solidFill>
+                  <a:schemeClr val="bg1"/>
+                </a:solidFill>
+                <a:latin typeface="微软雅黑" panose="020B0503020204020204" pitchFamily="34" charset="-122"/>
+                <a:ea typeface="微软雅黑" panose="020B0503020204020204" pitchFamily="34" charset="-122"/>
+              </a:rPr>
+              <a:t>/MethodCall.java</a:t>
             </a:r>
           </a:p>
         </p:txBody>
@@ -27497,7 +28411,21 @@
                 <a:latin typeface="微软雅黑" panose="020B0503020204020204" pitchFamily="34" charset="-122"/>
                 <a:ea typeface="微软雅黑" panose="020B0503020204020204" pitchFamily="34" charset="-122"/>
               </a:rPr>
-              <a:t>J7chapter12.App12_12.java</a:t>
+              <a:t>demo/lambda/</a:t>
+            </a:r>
+            <a:r>
+              <a:rPr lang="en-US" altLang="zh-CN" sz="2800" dirty="0" err="1">
+                <a:latin typeface="微软雅黑" panose="020B0503020204020204" pitchFamily="34" charset="-122"/>
+                <a:ea typeface="微软雅黑" panose="020B0503020204020204" pitchFamily="34" charset="-122"/>
+              </a:rPr>
+              <a:t>src</a:t>
+            </a:r>
+            <a:r>
+              <a:rPr lang="en-US" altLang="zh-CN" sz="2800" dirty="0">
+                <a:latin typeface="微软雅黑" panose="020B0503020204020204" pitchFamily="34" charset="-122"/>
+                <a:ea typeface="微软雅黑" panose="020B0503020204020204" pitchFamily="34" charset="-122"/>
+              </a:rPr>
+              <a:t>/StaticMap.java</a:t>
             </a:r>
           </a:p>
         </p:txBody>
@@ -27606,7 +28534,27 @@
                 <a:latin typeface="微软雅黑" panose="020B0503020204020204" pitchFamily="34" charset="-122"/>
                 <a:ea typeface="微软雅黑" panose="020B0503020204020204" pitchFamily="34" charset="-122"/>
               </a:rPr>
-              <a:t>J7chapter12.App12_13.java</a:t>
+              <a:t>demo/lambda/</a:t>
+            </a:r>
+            <a:r>
+              <a:rPr lang="en-US" altLang="zh-CN" sz="2800" dirty="0" err="1">
+                <a:solidFill>
+                  <a:schemeClr val="bg1"/>
+                </a:solidFill>
+                <a:latin typeface="微软雅黑" panose="020B0503020204020204" pitchFamily="34" charset="-122"/>
+                <a:ea typeface="微软雅黑" panose="020B0503020204020204" pitchFamily="34" charset="-122"/>
+              </a:rPr>
+              <a:t>src</a:t>
+            </a:r>
+            <a:r>
+              <a:rPr lang="en-US" altLang="zh-CN" sz="2800" dirty="0">
+                <a:solidFill>
+                  <a:schemeClr val="bg1"/>
+                </a:solidFill>
+                <a:latin typeface="微软雅黑" panose="020B0503020204020204" pitchFamily="34" charset="-122"/>
+                <a:ea typeface="微软雅黑" panose="020B0503020204020204" pitchFamily="34" charset="-122"/>
+              </a:rPr>
+              <a:t>/Factory.java</a:t>
             </a:r>
           </a:p>
         </p:txBody>
@@ -29129,6 +30077,2659 @@
 </file>
 
 <file path=ppt/slides/slide30.xml><?xml version="1.0" encoding="utf-8"?>
+<p:sld xmlns:a="http://schemas.openxmlformats.org/drawingml/2006/main" xmlns:r="http://schemas.openxmlformats.org/officeDocument/2006/relationships" xmlns:p="http://schemas.openxmlformats.org/presentationml/2006/main">
+  <p:cSld>
+    <p:spTree>
+      <p:nvGrpSpPr>
+        <p:cNvPr id="1" name=""/>
+        <p:cNvGrpSpPr/>
+        <p:nvPr/>
+      </p:nvGrpSpPr>
+      <p:grpSpPr>
+        <a:xfrm>
+          <a:off x="0" y="0"/>
+          <a:ext cx="0" cy="0"/>
+          <a:chOff x="0" y="0"/>
+          <a:chExt cx="0" cy="0"/>
+        </a:xfrm>
+      </p:grpSpPr>
+      <p:sp>
+        <p:nvSpPr>
+          <p:cNvPr id="14" name="矩形 13"/>
+          <p:cNvSpPr/>
+          <p:nvPr/>
+        </p:nvSpPr>
+        <p:spPr>
+          <a:xfrm>
+            <a:off x="107504" y="123478"/>
+            <a:ext cx="8928992" cy="4896544"/>
+          </a:xfrm>
+          <a:prstGeom prst="rect">
+            <a:avLst/>
+          </a:prstGeom>
+          <a:noFill/>
+          <a:ln>
+            <a:solidFill>
+              <a:srgbClr val="253C8E"/>
+            </a:solidFill>
+          </a:ln>
+        </p:spPr>
+        <p:style>
+          <a:lnRef idx="2">
+            <a:schemeClr val="accent1">
+              <a:shade val="50000"/>
+            </a:schemeClr>
+          </a:lnRef>
+          <a:fillRef idx="1">
+            <a:schemeClr val="accent1"/>
+          </a:fillRef>
+          <a:effectRef idx="0">
+            <a:schemeClr val="accent1"/>
+          </a:effectRef>
+          <a:fontRef idx="minor">
+            <a:schemeClr val="lt1"/>
+          </a:fontRef>
+        </p:style>
+        <p:txBody>
+          <a:bodyPr rtlCol="0" anchor="ctr"/>
+          <a:lstStyle/>
+          <a:p>
+            <a:pPr algn="ctr"/>
+            <a:endParaRPr lang="zh-CN" altLang="en-US"/>
+          </a:p>
+        </p:txBody>
+      </p:sp>
+      <p:grpSp>
+        <p:nvGrpSpPr>
+          <p:cNvPr id="2" name="组合 1">
+            <a:extLst>
+              <a:ext uri="{FF2B5EF4-FFF2-40B4-BE49-F238E27FC236}">
+                <a16:creationId xmlns:a16="http://schemas.microsoft.com/office/drawing/2014/main" id="{905773CA-A78A-4C08-9AC2-FFA830C1D95D}"/>
+              </a:ext>
+            </a:extLst>
+          </p:cNvPr>
+          <p:cNvGrpSpPr/>
+          <p:nvPr/>
+        </p:nvGrpSpPr>
+        <p:grpSpPr>
+          <a:xfrm>
+            <a:off x="264586" y="255969"/>
+            <a:ext cx="1979221" cy="415370"/>
+            <a:chOff x="264586" y="255969"/>
+            <a:chExt cx="1979221" cy="415370"/>
+          </a:xfrm>
+        </p:grpSpPr>
+        <p:grpSp>
+          <p:nvGrpSpPr>
+            <p:cNvPr id="8" name="组合 11">
+              <a:extLst>
+                <a:ext uri="{FF2B5EF4-FFF2-40B4-BE49-F238E27FC236}">
+                  <a16:creationId xmlns:a16="http://schemas.microsoft.com/office/drawing/2014/main" id="{8E0DB7D6-E787-4DE5-8F66-87F63391B656}"/>
+                </a:ext>
+              </a:extLst>
+            </p:cNvPr>
+            <p:cNvGrpSpPr/>
+            <p:nvPr/>
+          </p:nvGrpSpPr>
+          <p:grpSpPr>
+            <a:xfrm>
+              <a:off x="264586" y="344024"/>
+              <a:ext cx="369008" cy="239261"/>
+              <a:chOff x="3017520" y="601990"/>
+              <a:chExt cx="491490" cy="414010"/>
+            </a:xfrm>
+            <a:solidFill>
+              <a:srgbClr val="253C8E"/>
+            </a:solidFill>
+          </p:grpSpPr>
+          <p:sp>
+            <p:nvSpPr>
+              <p:cNvPr id="9" name="燕尾形 42">
+                <a:extLst>
+                  <a:ext uri="{FF2B5EF4-FFF2-40B4-BE49-F238E27FC236}">
+                    <a16:creationId xmlns:a16="http://schemas.microsoft.com/office/drawing/2014/main" id="{E287A70D-FC83-4168-A2A7-58AA4B2DACF8}"/>
+                  </a:ext>
+                </a:extLst>
+              </p:cNvPr>
+              <p:cNvSpPr/>
+              <p:nvPr/>
+            </p:nvSpPr>
+            <p:spPr>
+              <a:xfrm>
+                <a:off x="3017520" y="601990"/>
+                <a:ext cx="198181" cy="414010"/>
+              </a:xfrm>
+              <a:prstGeom prst="chevron">
+                <a:avLst/>
+              </a:prstGeom>
+              <a:grpFill/>
+              <a:ln>
+                <a:noFill/>
+              </a:ln>
+            </p:spPr>
+            <p:style>
+              <a:lnRef idx="2">
+                <a:schemeClr val="accent1">
+                  <a:shade val="50000"/>
+                </a:schemeClr>
+              </a:lnRef>
+              <a:fillRef idx="1">
+                <a:schemeClr val="accent1"/>
+              </a:fillRef>
+              <a:effectRef idx="0">
+                <a:schemeClr val="accent1"/>
+              </a:effectRef>
+              <a:fontRef idx="minor">
+                <a:schemeClr val="lt1"/>
+              </a:fontRef>
+            </p:style>
+            <p:txBody>
+              <a:bodyPr anchor="ctr"/>
+              <a:lstStyle/>
+              <a:p>
+                <a:pPr algn="ctr">
+                  <a:defRPr/>
+                </a:pPr>
+                <a:endParaRPr lang="zh-CN" altLang="en-US">
+                  <a:solidFill>
+                    <a:schemeClr val="tx1"/>
+                  </a:solidFill>
+                </a:endParaRPr>
+              </a:p>
+            </p:txBody>
+          </p:sp>
+          <p:sp>
+            <p:nvSpPr>
+              <p:cNvPr id="10" name="燕尾形 43">
+                <a:extLst>
+                  <a:ext uri="{FF2B5EF4-FFF2-40B4-BE49-F238E27FC236}">
+                    <a16:creationId xmlns:a16="http://schemas.microsoft.com/office/drawing/2014/main" id="{18B8E8BB-59D0-45B9-98C5-57EFCB7EF9F9}"/>
+                  </a:ext>
+                </a:extLst>
+              </p:cNvPr>
+              <p:cNvSpPr/>
+              <p:nvPr/>
+            </p:nvSpPr>
+            <p:spPr>
+              <a:xfrm>
+                <a:off x="3164967" y="601990"/>
+                <a:ext cx="196596" cy="414010"/>
+              </a:xfrm>
+              <a:prstGeom prst="chevron">
+                <a:avLst/>
+              </a:prstGeom>
+              <a:grpFill/>
+              <a:ln>
+                <a:noFill/>
+              </a:ln>
+            </p:spPr>
+            <p:style>
+              <a:lnRef idx="2">
+                <a:schemeClr val="accent1">
+                  <a:shade val="50000"/>
+                </a:schemeClr>
+              </a:lnRef>
+              <a:fillRef idx="1">
+                <a:schemeClr val="accent1"/>
+              </a:fillRef>
+              <a:effectRef idx="0">
+                <a:schemeClr val="accent1"/>
+              </a:effectRef>
+              <a:fontRef idx="minor">
+                <a:schemeClr val="lt1"/>
+              </a:fontRef>
+            </p:style>
+            <p:txBody>
+              <a:bodyPr anchor="ctr"/>
+              <a:lstStyle/>
+              <a:p>
+                <a:pPr algn="ctr">
+                  <a:defRPr/>
+                </a:pPr>
+                <a:endParaRPr lang="zh-CN" altLang="en-US">
+                  <a:solidFill>
+                    <a:schemeClr val="tx1"/>
+                  </a:solidFill>
+                </a:endParaRPr>
+              </a:p>
+            </p:txBody>
+          </p:sp>
+          <p:sp>
+            <p:nvSpPr>
+              <p:cNvPr id="11" name="燕尾形 44">
+                <a:extLst>
+                  <a:ext uri="{FF2B5EF4-FFF2-40B4-BE49-F238E27FC236}">
+                    <a16:creationId xmlns:a16="http://schemas.microsoft.com/office/drawing/2014/main" id="{A5FE0AC5-0014-4B20-853F-F6883F49A13A}"/>
+                  </a:ext>
+                </a:extLst>
+              </p:cNvPr>
+              <p:cNvSpPr/>
+              <p:nvPr/>
+            </p:nvSpPr>
+            <p:spPr>
+              <a:xfrm>
+                <a:off x="3310828" y="601990"/>
+                <a:ext cx="198182" cy="414010"/>
+              </a:xfrm>
+              <a:prstGeom prst="chevron">
+                <a:avLst/>
+              </a:prstGeom>
+              <a:grpFill/>
+              <a:ln>
+                <a:noFill/>
+              </a:ln>
+            </p:spPr>
+            <p:style>
+              <a:lnRef idx="2">
+                <a:schemeClr val="accent1">
+                  <a:shade val="50000"/>
+                </a:schemeClr>
+              </a:lnRef>
+              <a:fillRef idx="1">
+                <a:schemeClr val="accent1"/>
+              </a:fillRef>
+              <a:effectRef idx="0">
+                <a:schemeClr val="accent1"/>
+              </a:effectRef>
+              <a:fontRef idx="minor">
+                <a:schemeClr val="lt1"/>
+              </a:fontRef>
+            </p:style>
+            <p:txBody>
+              <a:bodyPr anchor="ctr"/>
+              <a:lstStyle/>
+              <a:p>
+                <a:pPr algn="ctr">
+                  <a:defRPr/>
+                </a:pPr>
+                <a:endParaRPr lang="zh-CN" altLang="en-US">
+                  <a:solidFill>
+                    <a:schemeClr val="tx1"/>
+                  </a:solidFill>
+                </a:endParaRPr>
+              </a:p>
+            </p:txBody>
+          </p:sp>
+        </p:grpSp>
+        <p:sp>
+          <p:nvSpPr>
+            <p:cNvPr id="12" name="文本框 5">
+              <a:extLst>
+                <a:ext uri="{FF2B5EF4-FFF2-40B4-BE49-F238E27FC236}">
+                  <a16:creationId xmlns:a16="http://schemas.microsoft.com/office/drawing/2014/main" id="{FBAB8972-87CC-4170-AA59-C469F5151BAD}"/>
+                </a:ext>
+              </a:extLst>
+            </p:cNvPr>
+            <p:cNvSpPr txBox="1">
+              <a:spLocks noChangeArrowheads="1"/>
+            </p:cNvSpPr>
+            <p:nvPr/>
+          </p:nvSpPr>
+          <p:spPr bwMode="auto">
+            <a:xfrm>
+              <a:off x="668696" y="255969"/>
+              <a:ext cx="1575111" cy="415370"/>
+            </a:xfrm>
+            <a:prstGeom prst="rect">
+              <a:avLst/>
+            </a:prstGeom>
+            <a:noFill/>
+            <a:ln>
+              <a:noFill/>
+            </a:ln>
+          </p:spPr>
+          <p:txBody>
+            <a:bodyPr wrap="none">
+              <a:spAutoFit/>
+            </a:bodyPr>
+            <a:lstStyle/>
+            <a:p>
+              <a:r>
+                <a:rPr lang="en-US" altLang="zh-CN" sz="2099" dirty="0">
+                  <a:solidFill>
+                    <a:srgbClr val="253C8E"/>
+                  </a:solidFill>
+                  <a:latin typeface="微软雅黑 Light" panose="020B0502040204020203" pitchFamily="34" charset="-122"/>
+                  <a:ea typeface="微软雅黑 Light" panose="020B0502040204020203" pitchFamily="34" charset="-122"/>
+                </a:rPr>
+                <a:t>Stream</a:t>
+              </a:r>
+              <a:r>
+                <a:rPr lang="zh-CN" altLang="en-US" sz="2099" dirty="0">
+                  <a:solidFill>
+                    <a:srgbClr val="253C8E"/>
+                  </a:solidFill>
+                  <a:latin typeface="微软雅黑 Light" panose="020B0502040204020203" pitchFamily="34" charset="-122"/>
+                  <a:ea typeface="微软雅黑 Light" panose="020B0502040204020203" pitchFamily="34" charset="-122"/>
+                </a:rPr>
+                <a:t>实例</a:t>
+              </a:r>
+              <a:endParaRPr lang="en-US" altLang="zh-CN" sz="2099" dirty="0">
+                <a:solidFill>
+                  <a:srgbClr val="253C8E"/>
+                </a:solidFill>
+                <a:latin typeface="微软雅黑 Light" panose="020B0502040204020203" pitchFamily="34" charset="-122"/>
+                <a:ea typeface="微软雅黑 Light" panose="020B0502040204020203" pitchFamily="34" charset="-122"/>
+              </a:endParaRPr>
+            </a:p>
+          </p:txBody>
+        </p:sp>
+      </p:grpSp>
+      <p:sp>
+        <p:nvSpPr>
+          <p:cNvPr id="3" name="文本框 2">
+            <a:extLst>
+              <a:ext uri="{FF2B5EF4-FFF2-40B4-BE49-F238E27FC236}">
+                <a16:creationId xmlns:a16="http://schemas.microsoft.com/office/drawing/2014/main" id="{BD521F2F-33D5-55E0-7DFA-A840A2CADB2D}"/>
+              </a:ext>
+            </a:extLst>
+          </p:cNvPr>
+          <p:cNvSpPr txBox="1"/>
+          <p:nvPr/>
+        </p:nvSpPr>
+        <p:spPr>
+          <a:xfrm>
+            <a:off x="296293" y="891885"/>
+            <a:ext cx="1569660" cy="369332"/>
+          </a:xfrm>
+          <a:prstGeom prst="rect">
+            <a:avLst/>
+          </a:prstGeom>
+          <a:noFill/>
+        </p:spPr>
+        <p:txBody>
+          <a:bodyPr wrap="none" rtlCol="0">
+            <a:spAutoFit/>
+          </a:bodyPr>
+          <a:lstStyle/>
+          <a:p>
+            <a:r>
+              <a:rPr lang="zh-CN" altLang="en-US" dirty="0"/>
+              <a:t>最小未出现数</a:t>
+            </a:r>
+          </a:p>
+        </p:txBody>
+      </p:sp>
+      <p:sp>
+        <p:nvSpPr>
+          <p:cNvPr id="4" name="文本框 3">
+            <a:extLst>
+              <a:ext uri="{FF2B5EF4-FFF2-40B4-BE49-F238E27FC236}">
+                <a16:creationId xmlns:a16="http://schemas.microsoft.com/office/drawing/2014/main" id="{5B0A0C1C-5774-A9A8-DD65-32E9B97DE4D7}"/>
+              </a:ext>
+            </a:extLst>
+          </p:cNvPr>
+          <p:cNvSpPr txBox="1"/>
+          <p:nvPr/>
+        </p:nvSpPr>
+        <p:spPr>
+          <a:xfrm>
+            <a:off x="296293" y="1386293"/>
+            <a:ext cx="7948115" cy="1754326"/>
+          </a:xfrm>
+          <a:prstGeom prst="rect">
+            <a:avLst/>
+          </a:prstGeom>
+          <a:noFill/>
+        </p:spPr>
+        <p:txBody>
+          <a:bodyPr wrap="square" rtlCol="0">
+            <a:spAutoFit/>
+          </a:bodyPr>
+          <a:lstStyle/>
+          <a:p>
+            <a:r>
+              <a:rPr lang="en-US" altLang="zh-CN" dirty="0">
+                <a:latin typeface="Consolas" panose="020B0609020204030204" pitchFamily="49" charset="0"/>
+              </a:rPr>
+              <a:t>List&lt;Integer&gt; </a:t>
+            </a:r>
+            <a:r>
+              <a:rPr lang="en-US" altLang="zh-CN" dirty="0" err="1">
+                <a:latin typeface="Consolas" panose="020B0609020204030204" pitchFamily="49" charset="0"/>
+              </a:rPr>
+              <a:t>xs</a:t>
+            </a:r>
+            <a:r>
+              <a:rPr lang="en-US" altLang="zh-CN" dirty="0">
+                <a:latin typeface="Consolas" panose="020B0609020204030204" pitchFamily="49" charset="0"/>
+              </a:rPr>
+              <a:t> = </a:t>
+            </a:r>
+            <a:r>
+              <a:rPr lang="en-US" altLang="zh-CN" dirty="0" err="1">
+                <a:latin typeface="Consolas" panose="020B0609020204030204" pitchFamily="49" charset="0"/>
+              </a:rPr>
+              <a:t>Arrays.asList</a:t>
+            </a:r>
+            <a:r>
+              <a:rPr lang="en-US" altLang="zh-CN" dirty="0">
+                <a:latin typeface="Consolas" panose="020B0609020204030204" pitchFamily="49" charset="0"/>
+              </a:rPr>
+              <a:t>(5, 2, 0, 1, 6);</a:t>
+            </a:r>
+          </a:p>
+          <a:p>
+            <a:endParaRPr lang="en-US" altLang="zh-CN" dirty="0">
+              <a:latin typeface="Consolas" panose="020B0609020204030204" pitchFamily="49" charset="0"/>
+            </a:endParaRPr>
+          </a:p>
+          <a:p>
+            <a:r>
+              <a:rPr lang="en-US" altLang="zh-CN" dirty="0" err="1">
+                <a:latin typeface="Consolas" panose="020B0609020204030204" pitchFamily="49" charset="0"/>
+              </a:rPr>
+              <a:t>Stream.iterate</a:t>
+            </a:r>
+            <a:r>
+              <a:rPr lang="en-US" altLang="zh-CN" dirty="0">
+                <a:latin typeface="Consolas" panose="020B0609020204030204" pitchFamily="49" charset="0"/>
+              </a:rPr>
+              <a:t>(0, </a:t>
+            </a:r>
+            <a:r>
+              <a:rPr lang="en-US" altLang="zh-CN" dirty="0" err="1">
+                <a:latin typeface="Consolas" panose="020B0609020204030204" pitchFamily="49" charset="0"/>
+              </a:rPr>
+              <a:t>i</a:t>
+            </a:r>
+            <a:r>
+              <a:rPr lang="en-US" altLang="zh-CN" dirty="0">
+                <a:latin typeface="Consolas" panose="020B0609020204030204" pitchFamily="49" charset="0"/>
+              </a:rPr>
+              <a:t> -&gt; </a:t>
+            </a:r>
+            <a:r>
+              <a:rPr lang="en-US" altLang="zh-CN" dirty="0" err="1">
+                <a:latin typeface="Consolas" panose="020B0609020204030204" pitchFamily="49" charset="0"/>
+              </a:rPr>
+              <a:t>i</a:t>
+            </a:r>
+            <a:r>
+              <a:rPr lang="en-US" altLang="zh-CN" dirty="0">
+                <a:latin typeface="Consolas" panose="020B0609020204030204" pitchFamily="49" charset="0"/>
+              </a:rPr>
+              <a:t> + 1) </a:t>
+            </a:r>
+            <a:r>
+              <a:rPr lang="en-US" altLang="zh-CN" dirty="0">
+                <a:solidFill>
+                  <a:schemeClr val="accent4">
+                    <a:lumMod val="75000"/>
+                  </a:schemeClr>
+                </a:solidFill>
+                <a:latin typeface="Consolas" panose="020B0609020204030204" pitchFamily="49" charset="0"/>
+              </a:rPr>
+              <a:t>// All natural numbers</a:t>
+            </a:r>
+          </a:p>
+          <a:p>
+            <a:r>
+              <a:rPr lang="en-US" altLang="zh-CN" dirty="0">
+                <a:latin typeface="Consolas" panose="020B0609020204030204" pitchFamily="49" charset="0"/>
+              </a:rPr>
+              <a:t>         .filter(e -&gt; !</a:t>
+            </a:r>
+            <a:r>
+              <a:rPr lang="en-US" altLang="zh-CN" dirty="0" err="1">
+                <a:latin typeface="Consolas" panose="020B0609020204030204" pitchFamily="49" charset="0"/>
+              </a:rPr>
+              <a:t>xs.contains</a:t>
+            </a:r>
+            <a:r>
+              <a:rPr lang="en-US" altLang="zh-CN" dirty="0">
+                <a:latin typeface="Consolas" panose="020B0609020204030204" pitchFamily="49" charset="0"/>
+              </a:rPr>
+              <a:t>(e)) </a:t>
+            </a:r>
+            <a:r>
+              <a:rPr lang="en-US" altLang="zh-CN" dirty="0">
+                <a:solidFill>
+                  <a:schemeClr val="accent4">
+                    <a:lumMod val="75000"/>
+                  </a:schemeClr>
+                </a:solidFill>
+                <a:latin typeface="Consolas" panose="020B0609020204030204" pitchFamily="49" charset="0"/>
+              </a:rPr>
+              <a:t>// Not in </a:t>
+            </a:r>
+            <a:r>
+              <a:rPr lang="en-US" altLang="zh-CN" dirty="0" err="1">
+                <a:solidFill>
+                  <a:schemeClr val="accent4">
+                    <a:lumMod val="75000"/>
+                  </a:schemeClr>
+                </a:solidFill>
+                <a:latin typeface="Consolas" panose="020B0609020204030204" pitchFamily="49" charset="0"/>
+              </a:rPr>
+              <a:t>xs</a:t>
+            </a:r>
+            <a:endParaRPr lang="en-US" altLang="zh-CN" dirty="0">
+              <a:solidFill>
+                <a:schemeClr val="accent4">
+                  <a:lumMod val="75000"/>
+                </a:schemeClr>
+              </a:solidFill>
+              <a:latin typeface="Consolas" panose="020B0609020204030204" pitchFamily="49" charset="0"/>
+            </a:endParaRPr>
+          </a:p>
+          <a:p>
+            <a:r>
+              <a:rPr lang="en-US" altLang="zh-CN" dirty="0">
+                <a:latin typeface="Consolas" panose="020B0609020204030204" pitchFamily="49" charset="0"/>
+              </a:rPr>
+              <a:t>         .</a:t>
+            </a:r>
+            <a:r>
+              <a:rPr lang="en-US" altLang="zh-CN" dirty="0" err="1">
+                <a:latin typeface="Consolas" panose="020B0609020204030204" pitchFamily="49" charset="0"/>
+              </a:rPr>
+              <a:t>findFirst</a:t>
+            </a:r>
+            <a:r>
+              <a:rPr lang="en-US" altLang="zh-CN" dirty="0">
+                <a:latin typeface="Consolas" panose="020B0609020204030204" pitchFamily="49" charset="0"/>
+              </a:rPr>
+              <a:t>() </a:t>
+            </a:r>
+            <a:r>
+              <a:rPr lang="en-US" altLang="zh-CN" dirty="0">
+                <a:solidFill>
+                  <a:schemeClr val="accent4">
+                    <a:lumMod val="75000"/>
+                  </a:schemeClr>
+                </a:solidFill>
+                <a:latin typeface="Consolas" panose="020B0609020204030204" pitchFamily="49" charset="0"/>
+              </a:rPr>
+              <a:t>// First number (minimum number)</a:t>
+            </a:r>
+          </a:p>
+          <a:p>
+            <a:r>
+              <a:rPr lang="en-US" altLang="zh-CN" dirty="0">
+                <a:latin typeface="Consolas" panose="020B0609020204030204" pitchFamily="49" charset="0"/>
+              </a:rPr>
+              <a:t>         .get() </a:t>
+            </a:r>
+            <a:r>
+              <a:rPr lang="en-US" altLang="zh-CN" dirty="0">
+                <a:solidFill>
+                  <a:schemeClr val="accent4">
+                    <a:lumMod val="75000"/>
+                  </a:schemeClr>
+                </a:solidFill>
+                <a:latin typeface="Consolas" panose="020B0609020204030204" pitchFamily="49" charset="0"/>
+              </a:rPr>
+              <a:t>// Get number but not Optional&lt;Integer&gt;</a:t>
+            </a:r>
+          </a:p>
+        </p:txBody>
+      </p:sp>
+      <p:sp>
+        <p:nvSpPr>
+          <p:cNvPr id="5" name="文本框 4">
+            <a:extLst>
+              <a:ext uri="{FF2B5EF4-FFF2-40B4-BE49-F238E27FC236}">
+                <a16:creationId xmlns:a16="http://schemas.microsoft.com/office/drawing/2014/main" id="{15CEDB97-051C-C77B-EAE5-7AA43959DA58}"/>
+              </a:ext>
+            </a:extLst>
+          </p:cNvPr>
+          <p:cNvSpPr txBox="1"/>
+          <p:nvPr/>
+        </p:nvSpPr>
+        <p:spPr>
+          <a:xfrm>
+            <a:off x="338982" y="3526322"/>
+            <a:ext cx="2954655" cy="369332"/>
+          </a:xfrm>
+          <a:prstGeom prst="rect">
+            <a:avLst/>
+          </a:prstGeom>
+          <a:solidFill>
+            <a:srgbClr val="846700"/>
+          </a:solidFill>
+        </p:spPr>
+        <p:txBody>
+          <a:bodyPr wrap="none" rtlCol="0">
+            <a:spAutoFit/>
+          </a:bodyPr>
+          <a:lstStyle>
+            <a:defPPr>
+              <a:defRPr lang="zh-CN"/>
+            </a:defPPr>
+            <a:lvl1pPr>
+              <a:defRPr>
+                <a:solidFill>
+                  <a:schemeClr val="bg1"/>
+                </a:solidFill>
+              </a:defRPr>
+            </a:lvl1pPr>
+          </a:lstStyle>
+          <a:p>
+            <a:r>
+              <a:rPr lang="zh-CN" altLang="en-US" dirty="0"/>
+              <a:t>时间复杂度？空间复杂度？</a:t>
+            </a:r>
+          </a:p>
+        </p:txBody>
+      </p:sp>
+    </p:spTree>
+    <p:extLst>
+      <p:ext uri="{BB962C8B-B14F-4D97-AF65-F5344CB8AC3E}">
+        <p14:creationId xmlns:p14="http://schemas.microsoft.com/office/powerpoint/2010/main" val="1071384862"/>
+      </p:ext>
+    </p:extLst>
+  </p:cSld>
+  <p:clrMapOvr>
+    <a:masterClrMapping/>
+  </p:clrMapOvr>
+  <mc:AlternateContent xmlns:mc="http://schemas.openxmlformats.org/markup-compatibility/2006" xmlns:p14="http://schemas.microsoft.com/office/powerpoint/2010/main">
+    <mc:Choice Requires="p14">
+      <p:transition spd="slow" p14:dur="1600" advClick="0">
+        <p:blinds dir="vert"/>
+      </p:transition>
+    </mc:Choice>
+    <mc:Fallback xmlns="">
+      <p:transition spd="slow" advClick="0">
+        <p:blinds dir="vert"/>
+      </p:transition>
+    </mc:Fallback>
+  </mc:AlternateContent>
+  <p:timing>
+    <p:tnLst>
+      <p:par>
+        <p:cTn id="1" dur="indefinite" restart="never" nodeType="tmRoot">
+          <p:childTnLst>
+            <p:seq concurrent="1" nextAc="seek">
+              <p:cTn id="2" dur="indefinite" nodeType="mainSeq">
+                <p:childTnLst>
+                  <p:par>
+                    <p:cTn id="3" fill="hold">
+                      <p:stCondLst>
+                        <p:cond delay="indefinite"/>
+                      </p:stCondLst>
+                      <p:childTnLst>
+                        <p:par>
+                          <p:cTn id="4" fill="hold">
+                            <p:stCondLst>
+                              <p:cond delay="0"/>
+                            </p:stCondLst>
+                            <p:childTnLst>
+                              <p:par>
+                                <p:cTn id="5" presetID="1" presetClass="entr" presetSubtype="0" fill="hold" grpId="0" nodeType="clickEffect">
+                                  <p:stCondLst>
+                                    <p:cond delay="0"/>
+                                  </p:stCondLst>
+                                  <p:iterate type="lt">
+                                    <p:tmAbs val="100"/>
+                                  </p:iterate>
+                                  <p:childTnLst>
+                                    <p:set>
+                                      <p:cBhvr>
+                                        <p:cTn id="6" dur="1" fill="hold">
+                                          <p:stCondLst>
+                                            <p:cond delay="0"/>
+                                          </p:stCondLst>
+                                        </p:cTn>
+                                        <p:tgtEl>
+                                          <p:spTgt spid="4"/>
+                                        </p:tgtEl>
+                                        <p:attrNameLst>
+                                          <p:attrName>style.visibility</p:attrName>
+                                        </p:attrNameLst>
+                                      </p:cBhvr>
+                                      <p:to>
+                                        <p:strVal val="visible"/>
+                                      </p:to>
+                                    </p:set>
+                                  </p:childTnLst>
+                                </p:cTn>
+                              </p:par>
+                            </p:childTnLst>
+                          </p:cTn>
+                        </p:par>
+                      </p:childTnLst>
+                    </p:cTn>
+                  </p:par>
+                  <p:par>
+                    <p:cTn id="7" fill="hold">
+                      <p:stCondLst>
+                        <p:cond delay="indefinite"/>
+                      </p:stCondLst>
+                      <p:childTnLst>
+                        <p:par>
+                          <p:cTn id="8" fill="hold">
+                            <p:stCondLst>
+                              <p:cond delay="0"/>
+                            </p:stCondLst>
+                            <p:childTnLst>
+                              <p:par>
+                                <p:cTn id="9" presetID="1" presetClass="entr" presetSubtype="0" fill="hold" grpId="0" nodeType="clickEffect">
+                                  <p:stCondLst>
+                                    <p:cond delay="0"/>
+                                  </p:stCondLst>
+                                  <p:childTnLst>
+                                    <p:set>
+                                      <p:cBhvr>
+                                        <p:cTn id="10" dur="1" fill="hold">
+                                          <p:stCondLst>
+                                            <p:cond delay="0"/>
+                                          </p:stCondLst>
+                                        </p:cTn>
+                                        <p:tgtEl>
+                                          <p:spTgt spid="5"/>
+                                        </p:tgtEl>
+                                        <p:attrNameLst>
+                                          <p:attrName>style.visibility</p:attrName>
+                                        </p:attrNameLst>
+                                      </p:cBhvr>
+                                      <p:to>
+                                        <p:strVal val="visible"/>
+                                      </p:to>
+                                    </p:set>
+                                  </p:childTnLst>
+                                </p:cTn>
+                              </p:par>
+                            </p:childTnLst>
+                          </p:cTn>
+                        </p:par>
+                      </p:childTnLst>
+                    </p:cTn>
+                  </p:par>
+                </p:childTnLst>
+              </p:cTn>
+              <p:prevCondLst>
+                <p:cond evt="onPrev" delay="0">
+                  <p:tgtEl>
+                    <p:sldTgt/>
+                  </p:tgtEl>
+                </p:cond>
+              </p:prevCondLst>
+              <p:nextCondLst>
+                <p:cond evt="onNext" delay="0">
+                  <p:tgtEl>
+                    <p:sldTgt/>
+                  </p:tgtEl>
+                </p:cond>
+              </p:nextCondLst>
+            </p:seq>
+          </p:childTnLst>
+        </p:cTn>
+      </p:par>
+    </p:tnLst>
+    <p:bldLst>
+      <p:bldP spid="4" grpId="0"/>
+      <p:bldP spid="5" grpId="0" animBg="1"/>
+    </p:bldLst>
+  </p:timing>
+</p:sld>
+</file>
+
+<file path=ppt/slides/slide31.xml><?xml version="1.0" encoding="utf-8"?>
+<p:sld xmlns:a="http://schemas.openxmlformats.org/drawingml/2006/main" xmlns:r="http://schemas.openxmlformats.org/officeDocument/2006/relationships" xmlns:p="http://schemas.openxmlformats.org/presentationml/2006/main">
+  <p:cSld>
+    <p:spTree>
+      <p:nvGrpSpPr>
+        <p:cNvPr id="1" name=""/>
+        <p:cNvGrpSpPr/>
+        <p:nvPr/>
+      </p:nvGrpSpPr>
+      <p:grpSpPr>
+        <a:xfrm>
+          <a:off x="0" y="0"/>
+          <a:ext cx="0" cy="0"/>
+          <a:chOff x="0" y="0"/>
+          <a:chExt cx="0" cy="0"/>
+        </a:xfrm>
+      </p:grpSpPr>
+      <p:sp>
+        <p:nvSpPr>
+          <p:cNvPr id="14" name="矩形 13"/>
+          <p:cNvSpPr/>
+          <p:nvPr/>
+        </p:nvSpPr>
+        <p:spPr>
+          <a:xfrm>
+            <a:off x="107504" y="123478"/>
+            <a:ext cx="8928992" cy="4896544"/>
+          </a:xfrm>
+          <a:prstGeom prst="rect">
+            <a:avLst/>
+          </a:prstGeom>
+          <a:noFill/>
+          <a:ln>
+            <a:solidFill>
+              <a:srgbClr val="253C8E"/>
+            </a:solidFill>
+          </a:ln>
+        </p:spPr>
+        <p:style>
+          <a:lnRef idx="2">
+            <a:schemeClr val="accent1">
+              <a:shade val="50000"/>
+            </a:schemeClr>
+          </a:lnRef>
+          <a:fillRef idx="1">
+            <a:schemeClr val="accent1"/>
+          </a:fillRef>
+          <a:effectRef idx="0">
+            <a:schemeClr val="accent1"/>
+          </a:effectRef>
+          <a:fontRef idx="minor">
+            <a:schemeClr val="lt1"/>
+          </a:fontRef>
+        </p:style>
+        <p:txBody>
+          <a:bodyPr rtlCol="0" anchor="ctr"/>
+          <a:lstStyle/>
+          <a:p>
+            <a:pPr algn="ctr"/>
+            <a:endParaRPr lang="zh-CN" altLang="en-US"/>
+          </a:p>
+        </p:txBody>
+      </p:sp>
+      <p:grpSp>
+        <p:nvGrpSpPr>
+          <p:cNvPr id="2" name="组合 1">
+            <a:extLst>
+              <a:ext uri="{FF2B5EF4-FFF2-40B4-BE49-F238E27FC236}">
+                <a16:creationId xmlns:a16="http://schemas.microsoft.com/office/drawing/2014/main" id="{905773CA-A78A-4C08-9AC2-FFA830C1D95D}"/>
+              </a:ext>
+            </a:extLst>
+          </p:cNvPr>
+          <p:cNvGrpSpPr/>
+          <p:nvPr/>
+        </p:nvGrpSpPr>
+        <p:grpSpPr>
+          <a:xfrm>
+            <a:off x="264586" y="255969"/>
+            <a:ext cx="1979221" cy="415370"/>
+            <a:chOff x="264586" y="255969"/>
+            <a:chExt cx="1979221" cy="415370"/>
+          </a:xfrm>
+        </p:grpSpPr>
+        <p:grpSp>
+          <p:nvGrpSpPr>
+            <p:cNvPr id="8" name="组合 11">
+              <a:extLst>
+                <a:ext uri="{FF2B5EF4-FFF2-40B4-BE49-F238E27FC236}">
+                  <a16:creationId xmlns:a16="http://schemas.microsoft.com/office/drawing/2014/main" id="{8E0DB7D6-E787-4DE5-8F66-87F63391B656}"/>
+                </a:ext>
+              </a:extLst>
+            </p:cNvPr>
+            <p:cNvGrpSpPr/>
+            <p:nvPr/>
+          </p:nvGrpSpPr>
+          <p:grpSpPr>
+            <a:xfrm>
+              <a:off x="264586" y="344024"/>
+              <a:ext cx="369008" cy="239261"/>
+              <a:chOff x="3017520" y="601990"/>
+              <a:chExt cx="491490" cy="414010"/>
+            </a:xfrm>
+            <a:solidFill>
+              <a:srgbClr val="253C8E"/>
+            </a:solidFill>
+          </p:grpSpPr>
+          <p:sp>
+            <p:nvSpPr>
+              <p:cNvPr id="9" name="燕尾形 42">
+                <a:extLst>
+                  <a:ext uri="{FF2B5EF4-FFF2-40B4-BE49-F238E27FC236}">
+                    <a16:creationId xmlns:a16="http://schemas.microsoft.com/office/drawing/2014/main" id="{E287A70D-FC83-4168-A2A7-58AA4B2DACF8}"/>
+                  </a:ext>
+                </a:extLst>
+              </p:cNvPr>
+              <p:cNvSpPr/>
+              <p:nvPr/>
+            </p:nvSpPr>
+            <p:spPr>
+              <a:xfrm>
+                <a:off x="3017520" y="601990"/>
+                <a:ext cx="198181" cy="414010"/>
+              </a:xfrm>
+              <a:prstGeom prst="chevron">
+                <a:avLst/>
+              </a:prstGeom>
+              <a:grpFill/>
+              <a:ln>
+                <a:noFill/>
+              </a:ln>
+            </p:spPr>
+            <p:style>
+              <a:lnRef idx="2">
+                <a:schemeClr val="accent1">
+                  <a:shade val="50000"/>
+                </a:schemeClr>
+              </a:lnRef>
+              <a:fillRef idx="1">
+                <a:schemeClr val="accent1"/>
+              </a:fillRef>
+              <a:effectRef idx="0">
+                <a:schemeClr val="accent1"/>
+              </a:effectRef>
+              <a:fontRef idx="minor">
+                <a:schemeClr val="lt1"/>
+              </a:fontRef>
+            </p:style>
+            <p:txBody>
+              <a:bodyPr anchor="ctr"/>
+              <a:lstStyle/>
+              <a:p>
+                <a:pPr algn="ctr">
+                  <a:defRPr/>
+                </a:pPr>
+                <a:endParaRPr lang="zh-CN" altLang="en-US">
+                  <a:solidFill>
+                    <a:schemeClr val="tx1"/>
+                  </a:solidFill>
+                </a:endParaRPr>
+              </a:p>
+            </p:txBody>
+          </p:sp>
+          <p:sp>
+            <p:nvSpPr>
+              <p:cNvPr id="10" name="燕尾形 43">
+                <a:extLst>
+                  <a:ext uri="{FF2B5EF4-FFF2-40B4-BE49-F238E27FC236}">
+                    <a16:creationId xmlns:a16="http://schemas.microsoft.com/office/drawing/2014/main" id="{18B8E8BB-59D0-45B9-98C5-57EFCB7EF9F9}"/>
+                  </a:ext>
+                </a:extLst>
+              </p:cNvPr>
+              <p:cNvSpPr/>
+              <p:nvPr/>
+            </p:nvSpPr>
+            <p:spPr>
+              <a:xfrm>
+                <a:off x="3164967" y="601990"/>
+                <a:ext cx="196596" cy="414010"/>
+              </a:xfrm>
+              <a:prstGeom prst="chevron">
+                <a:avLst/>
+              </a:prstGeom>
+              <a:grpFill/>
+              <a:ln>
+                <a:noFill/>
+              </a:ln>
+            </p:spPr>
+            <p:style>
+              <a:lnRef idx="2">
+                <a:schemeClr val="accent1">
+                  <a:shade val="50000"/>
+                </a:schemeClr>
+              </a:lnRef>
+              <a:fillRef idx="1">
+                <a:schemeClr val="accent1"/>
+              </a:fillRef>
+              <a:effectRef idx="0">
+                <a:schemeClr val="accent1"/>
+              </a:effectRef>
+              <a:fontRef idx="minor">
+                <a:schemeClr val="lt1"/>
+              </a:fontRef>
+            </p:style>
+            <p:txBody>
+              <a:bodyPr anchor="ctr"/>
+              <a:lstStyle/>
+              <a:p>
+                <a:pPr algn="ctr">
+                  <a:defRPr/>
+                </a:pPr>
+                <a:endParaRPr lang="zh-CN" altLang="en-US">
+                  <a:solidFill>
+                    <a:schemeClr val="tx1"/>
+                  </a:solidFill>
+                </a:endParaRPr>
+              </a:p>
+            </p:txBody>
+          </p:sp>
+          <p:sp>
+            <p:nvSpPr>
+              <p:cNvPr id="11" name="燕尾形 44">
+                <a:extLst>
+                  <a:ext uri="{FF2B5EF4-FFF2-40B4-BE49-F238E27FC236}">
+                    <a16:creationId xmlns:a16="http://schemas.microsoft.com/office/drawing/2014/main" id="{A5FE0AC5-0014-4B20-853F-F6883F49A13A}"/>
+                  </a:ext>
+                </a:extLst>
+              </p:cNvPr>
+              <p:cNvSpPr/>
+              <p:nvPr/>
+            </p:nvSpPr>
+            <p:spPr>
+              <a:xfrm>
+                <a:off x="3310828" y="601990"/>
+                <a:ext cx="198182" cy="414010"/>
+              </a:xfrm>
+              <a:prstGeom prst="chevron">
+                <a:avLst/>
+              </a:prstGeom>
+              <a:grpFill/>
+              <a:ln>
+                <a:noFill/>
+              </a:ln>
+            </p:spPr>
+            <p:style>
+              <a:lnRef idx="2">
+                <a:schemeClr val="accent1">
+                  <a:shade val="50000"/>
+                </a:schemeClr>
+              </a:lnRef>
+              <a:fillRef idx="1">
+                <a:schemeClr val="accent1"/>
+              </a:fillRef>
+              <a:effectRef idx="0">
+                <a:schemeClr val="accent1"/>
+              </a:effectRef>
+              <a:fontRef idx="minor">
+                <a:schemeClr val="lt1"/>
+              </a:fontRef>
+            </p:style>
+            <p:txBody>
+              <a:bodyPr anchor="ctr"/>
+              <a:lstStyle/>
+              <a:p>
+                <a:pPr algn="ctr">
+                  <a:defRPr/>
+                </a:pPr>
+                <a:endParaRPr lang="zh-CN" altLang="en-US">
+                  <a:solidFill>
+                    <a:schemeClr val="tx1"/>
+                  </a:solidFill>
+                </a:endParaRPr>
+              </a:p>
+            </p:txBody>
+          </p:sp>
+        </p:grpSp>
+        <p:sp>
+          <p:nvSpPr>
+            <p:cNvPr id="12" name="文本框 5">
+              <a:extLst>
+                <a:ext uri="{FF2B5EF4-FFF2-40B4-BE49-F238E27FC236}">
+                  <a16:creationId xmlns:a16="http://schemas.microsoft.com/office/drawing/2014/main" id="{FBAB8972-87CC-4170-AA59-C469F5151BAD}"/>
+                </a:ext>
+              </a:extLst>
+            </p:cNvPr>
+            <p:cNvSpPr txBox="1">
+              <a:spLocks noChangeArrowheads="1"/>
+            </p:cNvSpPr>
+            <p:nvPr/>
+          </p:nvSpPr>
+          <p:spPr bwMode="auto">
+            <a:xfrm>
+              <a:off x="668696" y="255969"/>
+              <a:ext cx="1575111" cy="415370"/>
+            </a:xfrm>
+            <a:prstGeom prst="rect">
+              <a:avLst/>
+            </a:prstGeom>
+            <a:noFill/>
+            <a:ln>
+              <a:noFill/>
+            </a:ln>
+          </p:spPr>
+          <p:txBody>
+            <a:bodyPr wrap="none">
+              <a:spAutoFit/>
+            </a:bodyPr>
+            <a:lstStyle/>
+            <a:p>
+              <a:r>
+                <a:rPr lang="en-US" altLang="zh-CN" sz="2099" dirty="0">
+                  <a:solidFill>
+                    <a:srgbClr val="253C8E"/>
+                  </a:solidFill>
+                  <a:latin typeface="微软雅黑 Light" panose="020B0502040204020203" pitchFamily="34" charset="-122"/>
+                  <a:ea typeface="微软雅黑 Light" panose="020B0502040204020203" pitchFamily="34" charset="-122"/>
+                </a:rPr>
+                <a:t>Stream</a:t>
+              </a:r>
+              <a:r>
+                <a:rPr lang="zh-CN" altLang="en-US" sz="2099" dirty="0">
+                  <a:solidFill>
+                    <a:srgbClr val="253C8E"/>
+                  </a:solidFill>
+                  <a:latin typeface="微软雅黑 Light" panose="020B0502040204020203" pitchFamily="34" charset="-122"/>
+                  <a:ea typeface="微软雅黑 Light" panose="020B0502040204020203" pitchFamily="34" charset="-122"/>
+                </a:rPr>
+                <a:t>实例</a:t>
+              </a:r>
+              <a:endParaRPr lang="en-US" altLang="zh-CN" sz="2099" dirty="0">
+                <a:solidFill>
+                  <a:srgbClr val="253C8E"/>
+                </a:solidFill>
+                <a:latin typeface="微软雅黑 Light" panose="020B0502040204020203" pitchFamily="34" charset="-122"/>
+                <a:ea typeface="微软雅黑 Light" panose="020B0502040204020203" pitchFamily="34" charset="-122"/>
+              </a:endParaRPr>
+            </a:p>
+          </p:txBody>
+        </p:sp>
+      </p:grpSp>
+      <p:sp>
+        <p:nvSpPr>
+          <p:cNvPr id="3" name="文本框 2">
+            <a:extLst>
+              <a:ext uri="{FF2B5EF4-FFF2-40B4-BE49-F238E27FC236}">
+                <a16:creationId xmlns:a16="http://schemas.microsoft.com/office/drawing/2014/main" id="{BD521F2F-33D5-55E0-7DFA-A840A2CADB2D}"/>
+              </a:ext>
+            </a:extLst>
+          </p:cNvPr>
+          <p:cNvSpPr txBox="1"/>
+          <p:nvPr/>
+        </p:nvSpPr>
+        <p:spPr>
+          <a:xfrm>
+            <a:off x="296293" y="737585"/>
+            <a:ext cx="4108817" cy="369332"/>
+          </a:xfrm>
+          <a:prstGeom prst="rect">
+            <a:avLst/>
+          </a:prstGeom>
+          <a:noFill/>
+        </p:spPr>
+        <p:txBody>
+          <a:bodyPr wrap="none" rtlCol="0">
+            <a:spAutoFit/>
+          </a:bodyPr>
+          <a:lstStyle/>
+          <a:p>
+            <a:r>
+              <a:rPr lang="zh-CN" altLang="en-US" dirty="0"/>
+              <a:t>思考：有没有时间复杂度更低的方案？</a:t>
+            </a:r>
+          </a:p>
+        </p:txBody>
+      </p:sp>
+      <p:sp>
+        <p:nvSpPr>
+          <p:cNvPr id="4" name="文本框 3">
+            <a:extLst>
+              <a:ext uri="{FF2B5EF4-FFF2-40B4-BE49-F238E27FC236}">
+                <a16:creationId xmlns:a16="http://schemas.microsoft.com/office/drawing/2014/main" id="{5B0A0C1C-5774-A9A8-DD65-32E9B97DE4D7}"/>
+              </a:ext>
+            </a:extLst>
+          </p:cNvPr>
+          <p:cNvSpPr txBox="1"/>
+          <p:nvPr/>
+        </p:nvSpPr>
+        <p:spPr>
+          <a:xfrm>
+            <a:off x="296293" y="1135381"/>
+            <a:ext cx="7948115" cy="1754326"/>
+          </a:xfrm>
+          <a:prstGeom prst="rect">
+            <a:avLst/>
+          </a:prstGeom>
+          <a:noFill/>
+        </p:spPr>
+        <p:txBody>
+          <a:bodyPr wrap="square" rtlCol="0">
+            <a:spAutoFit/>
+          </a:bodyPr>
+          <a:lstStyle/>
+          <a:p>
+            <a:r>
+              <a:rPr lang="en-US" altLang="zh-CN" dirty="0">
+                <a:latin typeface="Consolas" panose="020B0609020204030204" pitchFamily="49" charset="0"/>
+              </a:rPr>
+              <a:t>List&lt;Integer&gt; </a:t>
+            </a:r>
+            <a:r>
+              <a:rPr lang="en-US" altLang="zh-CN" dirty="0" err="1">
+                <a:latin typeface="Consolas" panose="020B0609020204030204" pitchFamily="49" charset="0"/>
+              </a:rPr>
+              <a:t>xs</a:t>
+            </a:r>
+            <a:r>
+              <a:rPr lang="en-US" altLang="zh-CN" dirty="0">
+                <a:latin typeface="Consolas" panose="020B0609020204030204" pitchFamily="49" charset="0"/>
+              </a:rPr>
+              <a:t> = </a:t>
+            </a:r>
+            <a:r>
+              <a:rPr lang="en-US" altLang="zh-CN" dirty="0" err="1">
+                <a:latin typeface="Consolas" panose="020B0609020204030204" pitchFamily="49" charset="0"/>
+              </a:rPr>
+              <a:t>Arrays.asList</a:t>
+            </a:r>
+            <a:r>
+              <a:rPr lang="en-US" altLang="zh-CN" dirty="0">
+                <a:latin typeface="Consolas" panose="020B0609020204030204" pitchFamily="49" charset="0"/>
+              </a:rPr>
+              <a:t>(5, 2, 0, 1, 6);</a:t>
+            </a:r>
+          </a:p>
+          <a:p>
+            <a:endParaRPr lang="en-US" altLang="zh-CN" dirty="0">
+              <a:latin typeface="Consolas" panose="020B0609020204030204" pitchFamily="49" charset="0"/>
+            </a:endParaRPr>
+          </a:p>
+          <a:p>
+            <a:r>
+              <a:rPr lang="en-US" altLang="zh-CN" dirty="0" err="1">
+                <a:latin typeface="Consolas" panose="020B0609020204030204" pitchFamily="49" charset="0"/>
+              </a:rPr>
+              <a:t>Stream.iterate</a:t>
+            </a:r>
+            <a:r>
+              <a:rPr lang="en-US" altLang="zh-CN" dirty="0">
+                <a:latin typeface="Consolas" panose="020B0609020204030204" pitchFamily="49" charset="0"/>
+              </a:rPr>
+              <a:t>(0, </a:t>
+            </a:r>
+            <a:r>
+              <a:rPr lang="en-US" altLang="zh-CN" dirty="0" err="1">
+                <a:latin typeface="Consolas" panose="020B0609020204030204" pitchFamily="49" charset="0"/>
+              </a:rPr>
+              <a:t>i</a:t>
+            </a:r>
+            <a:r>
+              <a:rPr lang="en-US" altLang="zh-CN" dirty="0">
+                <a:latin typeface="Consolas" panose="020B0609020204030204" pitchFamily="49" charset="0"/>
+              </a:rPr>
+              <a:t> -&gt; </a:t>
+            </a:r>
+            <a:r>
+              <a:rPr lang="en-US" altLang="zh-CN" dirty="0" err="1">
+                <a:latin typeface="Consolas" panose="020B0609020204030204" pitchFamily="49" charset="0"/>
+              </a:rPr>
+              <a:t>i</a:t>
+            </a:r>
+            <a:r>
+              <a:rPr lang="en-US" altLang="zh-CN" dirty="0">
+                <a:latin typeface="Consolas" panose="020B0609020204030204" pitchFamily="49" charset="0"/>
+              </a:rPr>
+              <a:t> + 1) </a:t>
+            </a:r>
+            <a:r>
+              <a:rPr lang="en-US" altLang="zh-CN" dirty="0">
+                <a:solidFill>
+                  <a:schemeClr val="accent4">
+                    <a:lumMod val="75000"/>
+                  </a:schemeClr>
+                </a:solidFill>
+                <a:latin typeface="Consolas" panose="020B0609020204030204" pitchFamily="49" charset="0"/>
+              </a:rPr>
+              <a:t>// All natural numbers</a:t>
+            </a:r>
+          </a:p>
+          <a:p>
+            <a:r>
+              <a:rPr lang="en-US" altLang="zh-CN" dirty="0">
+                <a:latin typeface="Consolas" panose="020B0609020204030204" pitchFamily="49" charset="0"/>
+              </a:rPr>
+              <a:t>         .filter(e -&gt; !</a:t>
+            </a:r>
+            <a:r>
+              <a:rPr lang="en-US" altLang="zh-CN" dirty="0" err="1">
+                <a:latin typeface="Consolas" panose="020B0609020204030204" pitchFamily="49" charset="0"/>
+              </a:rPr>
+              <a:t>xs.contains</a:t>
+            </a:r>
+            <a:r>
+              <a:rPr lang="en-US" altLang="zh-CN" dirty="0">
+                <a:latin typeface="Consolas" panose="020B0609020204030204" pitchFamily="49" charset="0"/>
+              </a:rPr>
+              <a:t>(e)) </a:t>
+            </a:r>
+            <a:r>
+              <a:rPr lang="en-US" altLang="zh-CN" dirty="0">
+                <a:solidFill>
+                  <a:schemeClr val="accent4">
+                    <a:lumMod val="75000"/>
+                  </a:schemeClr>
+                </a:solidFill>
+                <a:latin typeface="Consolas" panose="020B0609020204030204" pitchFamily="49" charset="0"/>
+              </a:rPr>
+              <a:t>// Not in </a:t>
+            </a:r>
+            <a:r>
+              <a:rPr lang="en-US" altLang="zh-CN" dirty="0" err="1">
+                <a:solidFill>
+                  <a:schemeClr val="accent4">
+                    <a:lumMod val="75000"/>
+                  </a:schemeClr>
+                </a:solidFill>
+                <a:latin typeface="Consolas" panose="020B0609020204030204" pitchFamily="49" charset="0"/>
+              </a:rPr>
+              <a:t>xs</a:t>
+            </a:r>
+            <a:endParaRPr lang="en-US" altLang="zh-CN" dirty="0">
+              <a:solidFill>
+                <a:schemeClr val="accent4">
+                  <a:lumMod val="75000"/>
+                </a:schemeClr>
+              </a:solidFill>
+              <a:latin typeface="Consolas" panose="020B0609020204030204" pitchFamily="49" charset="0"/>
+            </a:endParaRPr>
+          </a:p>
+          <a:p>
+            <a:r>
+              <a:rPr lang="en-US" altLang="zh-CN" dirty="0">
+                <a:latin typeface="Consolas" panose="020B0609020204030204" pitchFamily="49" charset="0"/>
+              </a:rPr>
+              <a:t>         .</a:t>
+            </a:r>
+            <a:r>
+              <a:rPr lang="en-US" altLang="zh-CN" dirty="0" err="1">
+                <a:latin typeface="Consolas" panose="020B0609020204030204" pitchFamily="49" charset="0"/>
+              </a:rPr>
+              <a:t>findFirst</a:t>
+            </a:r>
+            <a:r>
+              <a:rPr lang="en-US" altLang="zh-CN" dirty="0">
+                <a:latin typeface="Consolas" panose="020B0609020204030204" pitchFamily="49" charset="0"/>
+              </a:rPr>
+              <a:t>() </a:t>
+            </a:r>
+            <a:r>
+              <a:rPr lang="en-US" altLang="zh-CN" dirty="0">
+                <a:solidFill>
+                  <a:schemeClr val="accent4">
+                    <a:lumMod val="75000"/>
+                  </a:schemeClr>
+                </a:solidFill>
+                <a:latin typeface="Consolas" panose="020B0609020204030204" pitchFamily="49" charset="0"/>
+              </a:rPr>
+              <a:t>// First number (minimum number)</a:t>
+            </a:r>
+          </a:p>
+          <a:p>
+            <a:r>
+              <a:rPr lang="en-US" altLang="zh-CN" dirty="0">
+                <a:latin typeface="Consolas" panose="020B0609020204030204" pitchFamily="49" charset="0"/>
+              </a:rPr>
+              <a:t>         .get() </a:t>
+            </a:r>
+            <a:r>
+              <a:rPr lang="en-US" altLang="zh-CN" dirty="0">
+                <a:solidFill>
+                  <a:schemeClr val="accent4">
+                    <a:lumMod val="75000"/>
+                  </a:schemeClr>
+                </a:solidFill>
+                <a:latin typeface="Consolas" panose="020B0609020204030204" pitchFamily="49" charset="0"/>
+              </a:rPr>
+              <a:t>// Get number but not Optional&lt;Integer&gt;</a:t>
+            </a:r>
+          </a:p>
+        </p:txBody>
+      </p:sp>
+      <p:sp>
+        <p:nvSpPr>
+          <p:cNvPr id="7" name="文本框 6">
+            <a:extLst>
+              <a:ext uri="{FF2B5EF4-FFF2-40B4-BE49-F238E27FC236}">
+                <a16:creationId xmlns:a16="http://schemas.microsoft.com/office/drawing/2014/main" id="{2D09B844-C8E4-0A7C-9E73-BCED5AAC1DAB}"/>
+              </a:ext>
+            </a:extLst>
+          </p:cNvPr>
+          <p:cNvSpPr txBox="1"/>
+          <p:nvPr/>
+        </p:nvSpPr>
+        <p:spPr>
+          <a:xfrm>
+            <a:off x="338982" y="2988697"/>
+            <a:ext cx="8795998" cy="2031325"/>
+          </a:xfrm>
+          <a:prstGeom prst="rect">
+            <a:avLst/>
+          </a:prstGeom>
+          <a:noFill/>
+        </p:spPr>
+        <p:txBody>
+          <a:bodyPr wrap="none" rtlCol="0">
+            <a:spAutoFit/>
+          </a:bodyPr>
+          <a:lstStyle/>
+          <a:p>
+            <a:r>
+              <a:rPr lang="en-US" altLang="zh-CN" dirty="0">
+                <a:solidFill>
+                  <a:schemeClr val="accent4">
+                    <a:lumMod val="75000"/>
+                  </a:schemeClr>
+                </a:solidFill>
+                <a:latin typeface="Consolas" panose="020B0609020204030204" pitchFamily="49" charset="0"/>
+              </a:rPr>
+              <a:t>// HashSet O(1) access complexity</a:t>
+            </a:r>
+          </a:p>
+          <a:p>
+            <a:r>
+              <a:rPr lang="en-US" altLang="zh-CN" dirty="0">
+                <a:latin typeface="Consolas" panose="020B0609020204030204" pitchFamily="49" charset="0"/>
+              </a:rPr>
+              <a:t>Set&lt;Integer&gt; record = new HashSet&lt;&gt;();</a:t>
+            </a:r>
+          </a:p>
+          <a:p>
+            <a:r>
+              <a:rPr lang="en-US" altLang="zh-CN" dirty="0">
+                <a:latin typeface="Consolas" panose="020B0609020204030204" pitchFamily="49" charset="0"/>
+              </a:rPr>
+              <a:t>for (Integer x : </a:t>
+            </a:r>
+            <a:r>
+              <a:rPr lang="en-US" altLang="zh-CN" dirty="0" err="1">
+                <a:latin typeface="Consolas" panose="020B0609020204030204" pitchFamily="49" charset="0"/>
+              </a:rPr>
+              <a:t>xs</a:t>
+            </a:r>
+            <a:r>
+              <a:rPr lang="en-US" altLang="zh-CN" dirty="0">
+                <a:latin typeface="Consolas" panose="020B0609020204030204" pitchFamily="49" charset="0"/>
+              </a:rPr>
+              <a:t>) </a:t>
+            </a:r>
+            <a:r>
+              <a:rPr lang="en-US" altLang="zh-CN" dirty="0" err="1">
+                <a:latin typeface="Consolas" panose="020B0609020204030204" pitchFamily="49" charset="0"/>
+              </a:rPr>
+              <a:t>record.add</a:t>
+            </a:r>
+            <a:r>
+              <a:rPr lang="en-US" altLang="zh-CN" dirty="0">
+                <a:latin typeface="Consolas" panose="020B0609020204030204" pitchFamily="49" charset="0"/>
+              </a:rPr>
+              <a:t>(x); </a:t>
+            </a:r>
+            <a:r>
+              <a:rPr lang="en-US" altLang="zh-CN" dirty="0">
+                <a:solidFill>
+                  <a:schemeClr val="accent4">
+                    <a:lumMod val="75000"/>
+                  </a:schemeClr>
+                </a:solidFill>
+                <a:latin typeface="Consolas" panose="020B0609020204030204" pitchFamily="49" charset="0"/>
+              </a:rPr>
+              <a:t>// O(n)</a:t>
+            </a:r>
+          </a:p>
+          <a:p>
+            <a:r>
+              <a:rPr lang="en-US" altLang="zh-CN" dirty="0">
+                <a:solidFill>
+                  <a:schemeClr val="accent4">
+                    <a:lumMod val="75000"/>
+                  </a:schemeClr>
+                </a:solidFill>
+                <a:latin typeface="Consolas" panose="020B0609020204030204" pitchFamily="49" charset="0"/>
+              </a:rPr>
+              <a:t>// Minimum number must in [0, n]</a:t>
+            </a:r>
+          </a:p>
+          <a:p>
+            <a:r>
+              <a:rPr lang="en-US" altLang="zh-CN" dirty="0">
+                <a:latin typeface="Consolas" panose="020B0609020204030204" pitchFamily="49" charset="0"/>
+              </a:rPr>
+              <a:t>long result = </a:t>
+            </a:r>
+            <a:r>
+              <a:rPr lang="en-US" altLang="zh-CN" dirty="0" err="1">
+                <a:latin typeface="Consolas" panose="020B0609020204030204" pitchFamily="49" charset="0"/>
+              </a:rPr>
+              <a:t>IntStream.range</a:t>
+            </a:r>
+            <a:r>
+              <a:rPr lang="en-US" altLang="zh-CN" dirty="0">
+                <a:latin typeface="Consolas" panose="020B0609020204030204" pitchFamily="49" charset="0"/>
+              </a:rPr>
+              <a:t>(0, </a:t>
+            </a:r>
+            <a:r>
+              <a:rPr lang="en-US" altLang="zh-CN" dirty="0" err="1">
+                <a:latin typeface="Consolas" panose="020B0609020204030204" pitchFamily="49" charset="0"/>
+              </a:rPr>
+              <a:t>xs.size</a:t>
+            </a:r>
+            <a:r>
+              <a:rPr lang="en-US" altLang="zh-CN" dirty="0">
+                <a:latin typeface="Consolas" panose="020B0609020204030204" pitchFamily="49" charset="0"/>
+              </a:rPr>
+              <a:t>()) </a:t>
+            </a:r>
+            <a:r>
+              <a:rPr lang="en-US" altLang="zh-CN" dirty="0">
+                <a:solidFill>
+                  <a:schemeClr val="accent4">
+                    <a:lumMod val="75000"/>
+                  </a:schemeClr>
+                </a:solidFill>
+                <a:latin typeface="Consolas" panose="020B0609020204030204" pitchFamily="49" charset="0"/>
+              </a:rPr>
+              <a:t>// range or </a:t>
+            </a:r>
+            <a:r>
+              <a:rPr lang="en-US" altLang="zh-CN" dirty="0" err="1">
+                <a:solidFill>
+                  <a:schemeClr val="accent4">
+                    <a:lumMod val="75000"/>
+                  </a:schemeClr>
+                </a:solidFill>
+                <a:latin typeface="Consolas" panose="020B0609020204030204" pitchFamily="49" charset="0"/>
+              </a:rPr>
+              <a:t>rangeClosed</a:t>
+            </a:r>
+            <a:r>
+              <a:rPr lang="en-US" altLang="zh-CN" dirty="0">
+                <a:solidFill>
+                  <a:schemeClr val="accent4">
+                    <a:lumMod val="75000"/>
+                  </a:schemeClr>
+                </a:solidFill>
+                <a:latin typeface="Consolas" panose="020B0609020204030204" pitchFamily="49" charset="0"/>
+              </a:rPr>
+              <a:t>?</a:t>
+            </a:r>
+          </a:p>
+          <a:p>
+            <a:r>
+              <a:rPr lang="en-US" altLang="zh-CN" dirty="0">
+                <a:latin typeface="Consolas" panose="020B0609020204030204" pitchFamily="49" charset="0"/>
+              </a:rPr>
+              <a:t>                  .</a:t>
+            </a:r>
+            <a:r>
+              <a:rPr lang="en-US" altLang="zh-CN" dirty="0" err="1">
+                <a:latin typeface="Consolas" panose="020B0609020204030204" pitchFamily="49" charset="0"/>
+              </a:rPr>
+              <a:t>takeWhile</a:t>
+            </a:r>
+            <a:r>
+              <a:rPr lang="en-US" altLang="zh-CN" dirty="0">
+                <a:latin typeface="Consolas" panose="020B0609020204030204" pitchFamily="49" charset="0"/>
+              </a:rPr>
+              <a:t>(</a:t>
+            </a:r>
+            <a:r>
+              <a:rPr lang="en-US" altLang="zh-CN" dirty="0" err="1">
+                <a:latin typeface="Consolas" panose="020B0609020204030204" pitchFamily="49" charset="0"/>
+              </a:rPr>
+              <a:t>i</a:t>
+            </a:r>
+            <a:r>
+              <a:rPr lang="en-US" altLang="zh-CN" dirty="0">
+                <a:latin typeface="Consolas" panose="020B0609020204030204" pitchFamily="49" charset="0"/>
+              </a:rPr>
+              <a:t> -&gt; </a:t>
+            </a:r>
+            <a:r>
+              <a:rPr lang="en-US" altLang="zh-CN" dirty="0" err="1">
+                <a:latin typeface="Consolas" panose="020B0609020204030204" pitchFamily="49" charset="0"/>
+              </a:rPr>
+              <a:t>record.contains</a:t>
+            </a:r>
+            <a:r>
+              <a:rPr lang="en-US" altLang="zh-CN" dirty="0">
+                <a:latin typeface="Consolas" panose="020B0609020204030204" pitchFamily="49" charset="0"/>
+              </a:rPr>
+              <a:t>(</a:t>
+            </a:r>
+            <a:r>
+              <a:rPr lang="en-US" altLang="zh-CN" dirty="0" err="1">
+                <a:latin typeface="Consolas" panose="020B0609020204030204" pitchFamily="49" charset="0"/>
+              </a:rPr>
+              <a:t>i</a:t>
+            </a:r>
+            <a:r>
+              <a:rPr lang="en-US" altLang="zh-CN" dirty="0">
+                <a:latin typeface="Consolas" panose="020B0609020204030204" pitchFamily="49" charset="0"/>
+              </a:rPr>
+              <a:t>))</a:t>
+            </a:r>
+          </a:p>
+          <a:p>
+            <a:r>
+              <a:rPr lang="en-US" altLang="zh-CN" dirty="0">
+                <a:latin typeface="Consolas" panose="020B0609020204030204" pitchFamily="49" charset="0"/>
+              </a:rPr>
+              <a:t>                  .count(); </a:t>
+            </a:r>
+            <a:r>
+              <a:rPr lang="en-US" altLang="zh-CN" dirty="0">
+                <a:solidFill>
+                  <a:schemeClr val="accent4">
+                    <a:lumMod val="75000"/>
+                  </a:schemeClr>
+                </a:solidFill>
+                <a:latin typeface="Consolas" panose="020B0609020204030204" pitchFamily="49" charset="0"/>
+              </a:rPr>
+              <a:t>// How many numbers?</a:t>
+            </a:r>
+            <a:endParaRPr lang="zh-CN" altLang="en-US" dirty="0">
+              <a:solidFill>
+                <a:schemeClr val="accent4">
+                  <a:lumMod val="75000"/>
+                </a:schemeClr>
+              </a:solidFill>
+              <a:latin typeface="Consolas" panose="020B0609020204030204" pitchFamily="49" charset="0"/>
+            </a:endParaRPr>
+          </a:p>
+        </p:txBody>
+      </p:sp>
+    </p:spTree>
+    <p:extLst>
+      <p:ext uri="{BB962C8B-B14F-4D97-AF65-F5344CB8AC3E}">
+        <p14:creationId xmlns:p14="http://schemas.microsoft.com/office/powerpoint/2010/main" val="3886473474"/>
+      </p:ext>
+    </p:extLst>
+  </p:cSld>
+  <p:clrMapOvr>
+    <a:masterClrMapping/>
+  </p:clrMapOvr>
+  <mc:AlternateContent xmlns:mc="http://schemas.openxmlformats.org/markup-compatibility/2006" xmlns:p159="http://schemas.microsoft.com/office/powerpoint/2015/09/main">
+    <mc:Choice Requires="p159">
+      <p:transition xmlns:p14="http://schemas.microsoft.com/office/powerpoint/2010/main" spd="slow" p14:dur="2000" advClick="0">
+        <p159:morph option="byObject"/>
+      </p:transition>
+    </mc:Choice>
+    <mc:Fallback xmlns="">
+      <p:transition spd="slow" advClick="0">
+        <p:fade/>
+      </p:transition>
+    </mc:Fallback>
+  </mc:AlternateContent>
+  <p:timing>
+    <p:tnLst>
+      <p:par>
+        <p:cTn id="1" dur="indefinite" restart="never" nodeType="tmRoot">
+          <p:childTnLst>
+            <p:seq concurrent="1" nextAc="seek">
+              <p:cTn id="2" dur="indefinite" nodeType="mainSeq">
+                <p:childTnLst>
+                  <p:par>
+                    <p:cTn id="3" fill="hold">
+                      <p:stCondLst>
+                        <p:cond delay="indefinite"/>
+                      </p:stCondLst>
+                      <p:childTnLst>
+                        <p:par>
+                          <p:cTn id="4" fill="hold">
+                            <p:stCondLst>
+                              <p:cond delay="0"/>
+                            </p:stCondLst>
+                            <p:childTnLst>
+                              <p:par>
+                                <p:cTn id="5" presetID="1" presetClass="entr" presetSubtype="0" fill="hold" grpId="0" nodeType="clickEffect">
+                                  <p:stCondLst>
+                                    <p:cond delay="0"/>
+                                  </p:stCondLst>
+                                  <p:iterate type="lt">
+                                    <p:tmAbs val="100"/>
+                                  </p:iterate>
+                                  <p:childTnLst>
+                                    <p:set>
+                                      <p:cBhvr>
+                                        <p:cTn id="6" dur="1" fill="hold">
+                                          <p:stCondLst>
+                                            <p:cond delay="0"/>
+                                          </p:stCondLst>
+                                        </p:cTn>
+                                        <p:tgtEl>
+                                          <p:spTgt spid="7"/>
+                                        </p:tgtEl>
+                                        <p:attrNameLst>
+                                          <p:attrName>style.visibility</p:attrName>
+                                        </p:attrNameLst>
+                                      </p:cBhvr>
+                                      <p:to>
+                                        <p:strVal val="visible"/>
+                                      </p:to>
+                                    </p:set>
+                                  </p:childTnLst>
+                                </p:cTn>
+                              </p:par>
+                            </p:childTnLst>
+                          </p:cTn>
+                        </p:par>
+                      </p:childTnLst>
+                    </p:cTn>
+                  </p:par>
+                </p:childTnLst>
+              </p:cTn>
+              <p:prevCondLst>
+                <p:cond evt="onPrev" delay="0">
+                  <p:tgtEl>
+                    <p:sldTgt/>
+                  </p:tgtEl>
+                </p:cond>
+              </p:prevCondLst>
+              <p:nextCondLst>
+                <p:cond evt="onNext" delay="0">
+                  <p:tgtEl>
+                    <p:sldTgt/>
+                  </p:tgtEl>
+                </p:cond>
+              </p:nextCondLst>
+            </p:seq>
+          </p:childTnLst>
+        </p:cTn>
+      </p:par>
+    </p:tnLst>
+    <p:bldLst>
+      <p:bldP spid="7" grpId="0"/>
+    </p:bldLst>
+  </p:timing>
+</p:sld>
+</file>
+
+<file path=ppt/slides/slide32.xml><?xml version="1.0" encoding="utf-8"?>
+<p:sld xmlns:a="http://schemas.openxmlformats.org/drawingml/2006/main" xmlns:r="http://schemas.openxmlformats.org/officeDocument/2006/relationships" xmlns:p="http://schemas.openxmlformats.org/presentationml/2006/main">
+  <p:cSld>
+    <p:spTree>
+      <p:nvGrpSpPr>
+        <p:cNvPr id="1" name=""/>
+        <p:cNvGrpSpPr/>
+        <p:nvPr/>
+      </p:nvGrpSpPr>
+      <p:grpSpPr>
+        <a:xfrm>
+          <a:off x="0" y="0"/>
+          <a:ext cx="0" cy="0"/>
+          <a:chOff x="0" y="0"/>
+          <a:chExt cx="0" cy="0"/>
+        </a:xfrm>
+      </p:grpSpPr>
+      <p:sp>
+        <p:nvSpPr>
+          <p:cNvPr id="14" name="矩形 13"/>
+          <p:cNvSpPr/>
+          <p:nvPr/>
+        </p:nvSpPr>
+        <p:spPr>
+          <a:xfrm>
+            <a:off x="107504" y="123478"/>
+            <a:ext cx="8928992" cy="4896544"/>
+          </a:xfrm>
+          <a:prstGeom prst="rect">
+            <a:avLst/>
+          </a:prstGeom>
+          <a:noFill/>
+          <a:ln>
+            <a:solidFill>
+              <a:srgbClr val="253C8E"/>
+            </a:solidFill>
+          </a:ln>
+        </p:spPr>
+        <p:style>
+          <a:lnRef idx="2">
+            <a:schemeClr val="accent1">
+              <a:shade val="50000"/>
+            </a:schemeClr>
+          </a:lnRef>
+          <a:fillRef idx="1">
+            <a:schemeClr val="accent1"/>
+          </a:fillRef>
+          <a:effectRef idx="0">
+            <a:schemeClr val="accent1"/>
+          </a:effectRef>
+          <a:fontRef idx="minor">
+            <a:schemeClr val="lt1"/>
+          </a:fontRef>
+        </p:style>
+        <p:txBody>
+          <a:bodyPr rtlCol="0" anchor="ctr"/>
+          <a:lstStyle/>
+          <a:p>
+            <a:pPr algn="ctr"/>
+            <a:endParaRPr lang="zh-CN" altLang="en-US"/>
+          </a:p>
+        </p:txBody>
+      </p:sp>
+      <p:grpSp>
+        <p:nvGrpSpPr>
+          <p:cNvPr id="2" name="组合 1">
+            <a:extLst>
+              <a:ext uri="{FF2B5EF4-FFF2-40B4-BE49-F238E27FC236}">
+                <a16:creationId xmlns:a16="http://schemas.microsoft.com/office/drawing/2014/main" id="{905773CA-A78A-4C08-9AC2-FFA830C1D95D}"/>
+              </a:ext>
+            </a:extLst>
+          </p:cNvPr>
+          <p:cNvGrpSpPr/>
+          <p:nvPr/>
+        </p:nvGrpSpPr>
+        <p:grpSpPr>
+          <a:xfrm>
+            <a:off x="264586" y="255969"/>
+            <a:ext cx="1979221" cy="415370"/>
+            <a:chOff x="264586" y="255969"/>
+            <a:chExt cx="1979221" cy="415370"/>
+          </a:xfrm>
+        </p:grpSpPr>
+        <p:grpSp>
+          <p:nvGrpSpPr>
+            <p:cNvPr id="8" name="组合 11">
+              <a:extLst>
+                <a:ext uri="{FF2B5EF4-FFF2-40B4-BE49-F238E27FC236}">
+                  <a16:creationId xmlns:a16="http://schemas.microsoft.com/office/drawing/2014/main" id="{8E0DB7D6-E787-4DE5-8F66-87F63391B656}"/>
+                </a:ext>
+              </a:extLst>
+            </p:cNvPr>
+            <p:cNvGrpSpPr/>
+            <p:nvPr/>
+          </p:nvGrpSpPr>
+          <p:grpSpPr>
+            <a:xfrm>
+              <a:off x="264586" y="344024"/>
+              <a:ext cx="369008" cy="239261"/>
+              <a:chOff x="3017520" y="601990"/>
+              <a:chExt cx="491490" cy="414010"/>
+            </a:xfrm>
+            <a:solidFill>
+              <a:srgbClr val="253C8E"/>
+            </a:solidFill>
+          </p:grpSpPr>
+          <p:sp>
+            <p:nvSpPr>
+              <p:cNvPr id="9" name="燕尾形 42">
+                <a:extLst>
+                  <a:ext uri="{FF2B5EF4-FFF2-40B4-BE49-F238E27FC236}">
+                    <a16:creationId xmlns:a16="http://schemas.microsoft.com/office/drawing/2014/main" id="{E287A70D-FC83-4168-A2A7-58AA4B2DACF8}"/>
+                  </a:ext>
+                </a:extLst>
+              </p:cNvPr>
+              <p:cNvSpPr/>
+              <p:nvPr/>
+            </p:nvSpPr>
+            <p:spPr>
+              <a:xfrm>
+                <a:off x="3017520" y="601990"/>
+                <a:ext cx="198181" cy="414010"/>
+              </a:xfrm>
+              <a:prstGeom prst="chevron">
+                <a:avLst/>
+              </a:prstGeom>
+              <a:grpFill/>
+              <a:ln>
+                <a:noFill/>
+              </a:ln>
+            </p:spPr>
+            <p:style>
+              <a:lnRef idx="2">
+                <a:schemeClr val="accent1">
+                  <a:shade val="50000"/>
+                </a:schemeClr>
+              </a:lnRef>
+              <a:fillRef idx="1">
+                <a:schemeClr val="accent1"/>
+              </a:fillRef>
+              <a:effectRef idx="0">
+                <a:schemeClr val="accent1"/>
+              </a:effectRef>
+              <a:fontRef idx="minor">
+                <a:schemeClr val="lt1"/>
+              </a:fontRef>
+            </p:style>
+            <p:txBody>
+              <a:bodyPr anchor="ctr"/>
+              <a:lstStyle/>
+              <a:p>
+                <a:pPr algn="ctr">
+                  <a:defRPr/>
+                </a:pPr>
+                <a:endParaRPr lang="zh-CN" altLang="en-US">
+                  <a:solidFill>
+                    <a:schemeClr val="tx1"/>
+                  </a:solidFill>
+                </a:endParaRPr>
+              </a:p>
+            </p:txBody>
+          </p:sp>
+          <p:sp>
+            <p:nvSpPr>
+              <p:cNvPr id="10" name="燕尾形 43">
+                <a:extLst>
+                  <a:ext uri="{FF2B5EF4-FFF2-40B4-BE49-F238E27FC236}">
+                    <a16:creationId xmlns:a16="http://schemas.microsoft.com/office/drawing/2014/main" id="{18B8E8BB-59D0-45B9-98C5-57EFCB7EF9F9}"/>
+                  </a:ext>
+                </a:extLst>
+              </p:cNvPr>
+              <p:cNvSpPr/>
+              <p:nvPr/>
+            </p:nvSpPr>
+            <p:spPr>
+              <a:xfrm>
+                <a:off x="3164967" y="601990"/>
+                <a:ext cx="196596" cy="414010"/>
+              </a:xfrm>
+              <a:prstGeom prst="chevron">
+                <a:avLst/>
+              </a:prstGeom>
+              <a:grpFill/>
+              <a:ln>
+                <a:noFill/>
+              </a:ln>
+            </p:spPr>
+            <p:style>
+              <a:lnRef idx="2">
+                <a:schemeClr val="accent1">
+                  <a:shade val="50000"/>
+                </a:schemeClr>
+              </a:lnRef>
+              <a:fillRef idx="1">
+                <a:schemeClr val="accent1"/>
+              </a:fillRef>
+              <a:effectRef idx="0">
+                <a:schemeClr val="accent1"/>
+              </a:effectRef>
+              <a:fontRef idx="minor">
+                <a:schemeClr val="lt1"/>
+              </a:fontRef>
+            </p:style>
+            <p:txBody>
+              <a:bodyPr anchor="ctr"/>
+              <a:lstStyle/>
+              <a:p>
+                <a:pPr algn="ctr">
+                  <a:defRPr/>
+                </a:pPr>
+                <a:endParaRPr lang="zh-CN" altLang="en-US">
+                  <a:solidFill>
+                    <a:schemeClr val="tx1"/>
+                  </a:solidFill>
+                </a:endParaRPr>
+              </a:p>
+            </p:txBody>
+          </p:sp>
+          <p:sp>
+            <p:nvSpPr>
+              <p:cNvPr id="11" name="燕尾形 44">
+                <a:extLst>
+                  <a:ext uri="{FF2B5EF4-FFF2-40B4-BE49-F238E27FC236}">
+                    <a16:creationId xmlns:a16="http://schemas.microsoft.com/office/drawing/2014/main" id="{A5FE0AC5-0014-4B20-853F-F6883F49A13A}"/>
+                  </a:ext>
+                </a:extLst>
+              </p:cNvPr>
+              <p:cNvSpPr/>
+              <p:nvPr/>
+            </p:nvSpPr>
+            <p:spPr>
+              <a:xfrm>
+                <a:off x="3310828" y="601990"/>
+                <a:ext cx="198182" cy="414010"/>
+              </a:xfrm>
+              <a:prstGeom prst="chevron">
+                <a:avLst/>
+              </a:prstGeom>
+              <a:grpFill/>
+              <a:ln>
+                <a:noFill/>
+              </a:ln>
+            </p:spPr>
+            <p:style>
+              <a:lnRef idx="2">
+                <a:schemeClr val="accent1">
+                  <a:shade val="50000"/>
+                </a:schemeClr>
+              </a:lnRef>
+              <a:fillRef idx="1">
+                <a:schemeClr val="accent1"/>
+              </a:fillRef>
+              <a:effectRef idx="0">
+                <a:schemeClr val="accent1"/>
+              </a:effectRef>
+              <a:fontRef idx="minor">
+                <a:schemeClr val="lt1"/>
+              </a:fontRef>
+            </p:style>
+            <p:txBody>
+              <a:bodyPr anchor="ctr"/>
+              <a:lstStyle/>
+              <a:p>
+                <a:pPr algn="ctr">
+                  <a:defRPr/>
+                </a:pPr>
+                <a:endParaRPr lang="zh-CN" altLang="en-US">
+                  <a:solidFill>
+                    <a:schemeClr val="tx1"/>
+                  </a:solidFill>
+                </a:endParaRPr>
+              </a:p>
+            </p:txBody>
+          </p:sp>
+        </p:grpSp>
+        <p:sp>
+          <p:nvSpPr>
+            <p:cNvPr id="12" name="文本框 5">
+              <a:extLst>
+                <a:ext uri="{FF2B5EF4-FFF2-40B4-BE49-F238E27FC236}">
+                  <a16:creationId xmlns:a16="http://schemas.microsoft.com/office/drawing/2014/main" id="{FBAB8972-87CC-4170-AA59-C469F5151BAD}"/>
+                </a:ext>
+              </a:extLst>
+            </p:cNvPr>
+            <p:cNvSpPr txBox="1">
+              <a:spLocks noChangeArrowheads="1"/>
+            </p:cNvSpPr>
+            <p:nvPr/>
+          </p:nvSpPr>
+          <p:spPr bwMode="auto">
+            <a:xfrm>
+              <a:off x="668696" y="255969"/>
+              <a:ext cx="1575111" cy="415370"/>
+            </a:xfrm>
+            <a:prstGeom prst="rect">
+              <a:avLst/>
+            </a:prstGeom>
+            <a:noFill/>
+            <a:ln>
+              <a:noFill/>
+            </a:ln>
+          </p:spPr>
+          <p:txBody>
+            <a:bodyPr wrap="none">
+              <a:spAutoFit/>
+            </a:bodyPr>
+            <a:lstStyle/>
+            <a:p>
+              <a:r>
+                <a:rPr lang="en-US" altLang="zh-CN" sz="2099" dirty="0">
+                  <a:solidFill>
+                    <a:srgbClr val="253C8E"/>
+                  </a:solidFill>
+                  <a:latin typeface="微软雅黑 Light" panose="020B0502040204020203" pitchFamily="34" charset="-122"/>
+                  <a:ea typeface="微软雅黑 Light" panose="020B0502040204020203" pitchFamily="34" charset="-122"/>
+                </a:rPr>
+                <a:t>Stream</a:t>
+              </a:r>
+              <a:r>
+                <a:rPr lang="zh-CN" altLang="en-US" sz="2099" dirty="0">
+                  <a:solidFill>
+                    <a:srgbClr val="253C8E"/>
+                  </a:solidFill>
+                  <a:latin typeface="微软雅黑 Light" panose="020B0502040204020203" pitchFamily="34" charset="-122"/>
+                  <a:ea typeface="微软雅黑 Light" panose="020B0502040204020203" pitchFamily="34" charset="-122"/>
+                </a:rPr>
+                <a:t>实例</a:t>
+              </a:r>
+              <a:endParaRPr lang="en-US" altLang="zh-CN" sz="2099" dirty="0">
+                <a:solidFill>
+                  <a:srgbClr val="253C8E"/>
+                </a:solidFill>
+                <a:latin typeface="微软雅黑 Light" panose="020B0502040204020203" pitchFamily="34" charset="-122"/>
+                <a:ea typeface="微软雅黑 Light" panose="020B0502040204020203" pitchFamily="34" charset="-122"/>
+              </a:endParaRPr>
+            </a:p>
+          </p:txBody>
+        </p:sp>
+      </p:grpSp>
+      <p:sp>
+        <p:nvSpPr>
+          <p:cNvPr id="3" name="文本框 2">
+            <a:extLst>
+              <a:ext uri="{FF2B5EF4-FFF2-40B4-BE49-F238E27FC236}">
+                <a16:creationId xmlns:a16="http://schemas.microsoft.com/office/drawing/2014/main" id="{BD521F2F-33D5-55E0-7DFA-A840A2CADB2D}"/>
+              </a:ext>
+            </a:extLst>
+          </p:cNvPr>
+          <p:cNvSpPr txBox="1"/>
+          <p:nvPr/>
+        </p:nvSpPr>
+        <p:spPr>
+          <a:xfrm>
+            <a:off x="296293" y="2327270"/>
+            <a:ext cx="1800493" cy="369332"/>
+          </a:xfrm>
+          <a:prstGeom prst="rect">
+            <a:avLst/>
+          </a:prstGeom>
+          <a:solidFill>
+            <a:srgbClr val="FFEA9C"/>
+          </a:solidFill>
+        </p:spPr>
+        <p:txBody>
+          <a:bodyPr wrap="none" rtlCol="0">
+            <a:spAutoFit/>
+          </a:bodyPr>
+          <a:lstStyle>
+            <a:defPPr>
+              <a:defRPr lang="zh-CN"/>
+            </a:defPPr>
+            <a:lvl1pPr>
+              <a:defRPr>
+                <a:solidFill>
+                  <a:srgbClr val="FF0000"/>
+                </a:solidFill>
+              </a:defRPr>
+            </a:lvl1pPr>
+          </a:lstStyle>
+          <a:p>
+            <a:r>
+              <a:rPr lang="zh-CN" altLang="en-US" dirty="0"/>
+              <a:t>欧拉筛法求素数</a:t>
+            </a:r>
+          </a:p>
+        </p:txBody>
+      </p:sp>
+      <p:sp>
+        <p:nvSpPr>
+          <p:cNvPr id="6" name="文本框 2">
+            <a:extLst>
+              <a:ext uri="{FF2B5EF4-FFF2-40B4-BE49-F238E27FC236}">
+                <a16:creationId xmlns:a16="http://schemas.microsoft.com/office/drawing/2014/main" id="{F40EFE73-1154-1182-C784-E30E34D805A6}"/>
+              </a:ext>
+            </a:extLst>
+          </p:cNvPr>
+          <p:cNvSpPr txBox="1"/>
+          <p:nvPr/>
+        </p:nvSpPr>
+        <p:spPr>
+          <a:xfrm>
+            <a:off x="296293" y="2696602"/>
+            <a:ext cx="8380163" cy="523220"/>
+          </a:xfrm>
+          <a:prstGeom prst="rect">
+            <a:avLst/>
+          </a:prstGeom>
+          <a:solidFill>
+            <a:schemeClr val="accent1">
+              <a:lumMod val="40000"/>
+              <a:lumOff val="60000"/>
+            </a:schemeClr>
+          </a:solidFill>
+          <a:ln>
+            <a:solidFill>
+              <a:schemeClr val="accent1">
+                <a:lumMod val="40000"/>
+                <a:lumOff val="60000"/>
+              </a:schemeClr>
+            </a:solidFill>
+          </a:ln>
+        </p:spPr>
+        <p:txBody>
+          <a:bodyPr wrap="square" rtlCol="0">
+            <a:spAutoFit/>
+          </a:bodyPr>
+          <a:lstStyle>
+            <a:defPPr>
+              <a:defRPr lang="zh-CN"/>
+            </a:defPPr>
+            <a:lvl1pPr>
+              <a:defRPr sz="2800">
+                <a:latin typeface="微软雅黑" panose="020B0503020204020204" pitchFamily="34" charset="-122"/>
+                <a:ea typeface="微软雅黑" panose="020B0503020204020204" pitchFamily="34" charset="-122"/>
+              </a:defRPr>
+            </a:lvl1pPr>
+          </a:lstStyle>
+          <a:p>
+            <a:r>
+              <a:rPr lang="en-US" altLang="zh-CN" dirty="0"/>
+              <a:t>demo/</a:t>
+            </a:r>
+            <a:r>
+              <a:rPr lang="en-US" altLang="zh-CN"/>
+              <a:t>lambda/src/Primes.</a:t>
+            </a:r>
+            <a:r>
+              <a:rPr lang="en-US" altLang="zh-CN" dirty="0"/>
+              <a:t>java</a:t>
+            </a:r>
+          </a:p>
+        </p:txBody>
+      </p:sp>
+    </p:spTree>
+    <p:extLst>
+      <p:ext uri="{BB962C8B-B14F-4D97-AF65-F5344CB8AC3E}">
+        <p14:creationId xmlns:p14="http://schemas.microsoft.com/office/powerpoint/2010/main" val="1698457326"/>
+      </p:ext>
+    </p:extLst>
+  </p:cSld>
+  <p:clrMapOvr>
+    <a:masterClrMapping/>
+  </p:clrMapOvr>
+  <mc:AlternateContent xmlns:mc="http://schemas.openxmlformats.org/markup-compatibility/2006" xmlns:p159="http://schemas.microsoft.com/office/powerpoint/2015/09/main">
+    <mc:Choice Requires="p159">
+      <p:transition xmlns:p14="http://schemas.microsoft.com/office/powerpoint/2010/main" spd="slow" p14:dur="2000" advClick="0">
+        <p159:morph option="byObject"/>
+      </p:transition>
+    </mc:Choice>
+    <mc:Fallback xmlns="">
+      <p:transition spd="slow" advClick="0">
+        <p:fade/>
+      </p:transition>
+    </mc:Fallback>
+  </mc:AlternateContent>
+</p:sld>
+</file>
+
+<file path=ppt/slides/slide33.xml><?xml version="1.0" encoding="utf-8"?>
+<p:sld xmlns:a="http://schemas.openxmlformats.org/drawingml/2006/main" xmlns:r="http://schemas.openxmlformats.org/officeDocument/2006/relationships" xmlns:p="http://schemas.openxmlformats.org/presentationml/2006/main">
+  <p:cSld>
+    <p:spTree>
+      <p:nvGrpSpPr>
+        <p:cNvPr id="1" name=""/>
+        <p:cNvGrpSpPr/>
+        <p:nvPr/>
+      </p:nvGrpSpPr>
+      <p:grpSpPr>
+        <a:xfrm>
+          <a:off x="0" y="0"/>
+          <a:ext cx="0" cy="0"/>
+          <a:chOff x="0" y="0"/>
+          <a:chExt cx="0" cy="0"/>
+        </a:xfrm>
+      </p:grpSpPr>
+      <p:sp>
+        <p:nvSpPr>
+          <p:cNvPr id="14" name="矩形 13"/>
+          <p:cNvSpPr/>
+          <p:nvPr/>
+        </p:nvSpPr>
+        <p:spPr>
+          <a:xfrm>
+            <a:off x="107504" y="123478"/>
+            <a:ext cx="8928992" cy="4896544"/>
+          </a:xfrm>
+          <a:prstGeom prst="rect">
+            <a:avLst/>
+          </a:prstGeom>
+          <a:noFill/>
+          <a:ln>
+            <a:solidFill>
+              <a:srgbClr val="253C8E"/>
+            </a:solidFill>
+          </a:ln>
+        </p:spPr>
+        <p:style>
+          <a:lnRef idx="2">
+            <a:schemeClr val="accent1">
+              <a:shade val="50000"/>
+            </a:schemeClr>
+          </a:lnRef>
+          <a:fillRef idx="1">
+            <a:schemeClr val="accent1"/>
+          </a:fillRef>
+          <a:effectRef idx="0">
+            <a:schemeClr val="accent1"/>
+          </a:effectRef>
+          <a:fontRef idx="minor">
+            <a:schemeClr val="lt1"/>
+          </a:fontRef>
+        </p:style>
+        <p:txBody>
+          <a:bodyPr rtlCol="0" anchor="ctr"/>
+          <a:lstStyle/>
+          <a:p>
+            <a:pPr algn="ctr"/>
+            <a:endParaRPr lang="zh-CN" altLang="en-US"/>
+          </a:p>
+        </p:txBody>
+      </p:sp>
+      <p:grpSp>
+        <p:nvGrpSpPr>
+          <p:cNvPr id="2" name="组合 1">
+            <a:extLst>
+              <a:ext uri="{FF2B5EF4-FFF2-40B4-BE49-F238E27FC236}">
+                <a16:creationId xmlns:a16="http://schemas.microsoft.com/office/drawing/2014/main" id="{905773CA-A78A-4C08-9AC2-FFA830C1D95D}"/>
+              </a:ext>
+            </a:extLst>
+          </p:cNvPr>
+          <p:cNvGrpSpPr/>
+          <p:nvPr/>
+        </p:nvGrpSpPr>
+        <p:grpSpPr>
+          <a:xfrm>
+            <a:off x="264586" y="255969"/>
+            <a:ext cx="1127385" cy="415370"/>
+            <a:chOff x="264586" y="255969"/>
+            <a:chExt cx="1127385" cy="415370"/>
+          </a:xfrm>
+        </p:grpSpPr>
+        <p:grpSp>
+          <p:nvGrpSpPr>
+            <p:cNvPr id="8" name="组合 11">
+              <a:extLst>
+                <a:ext uri="{FF2B5EF4-FFF2-40B4-BE49-F238E27FC236}">
+                  <a16:creationId xmlns:a16="http://schemas.microsoft.com/office/drawing/2014/main" id="{8E0DB7D6-E787-4DE5-8F66-87F63391B656}"/>
+                </a:ext>
+              </a:extLst>
+            </p:cNvPr>
+            <p:cNvGrpSpPr/>
+            <p:nvPr/>
+          </p:nvGrpSpPr>
+          <p:grpSpPr>
+            <a:xfrm>
+              <a:off x="264586" y="344024"/>
+              <a:ext cx="369008" cy="239261"/>
+              <a:chOff x="3017520" y="601990"/>
+              <a:chExt cx="491490" cy="414010"/>
+            </a:xfrm>
+            <a:solidFill>
+              <a:srgbClr val="253C8E"/>
+            </a:solidFill>
+          </p:grpSpPr>
+          <p:sp>
+            <p:nvSpPr>
+              <p:cNvPr id="9" name="燕尾形 42">
+                <a:extLst>
+                  <a:ext uri="{FF2B5EF4-FFF2-40B4-BE49-F238E27FC236}">
+                    <a16:creationId xmlns:a16="http://schemas.microsoft.com/office/drawing/2014/main" id="{E287A70D-FC83-4168-A2A7-58AA4B2DACF8}"/>
+                  </a:ext>
+                </a:extLst>
+              </p:cNvPr>
+              <p:cNvSpPr/>
+              <p:nvPr/>
+            </p:nvSpPr>
+            <p:spPr>
+              <a:xfrm>
+                <a:off x="3017520" y="601990"/>
+                <a:ext cx="198181" cy="414010"/>
+              </a:xfrm>
+              <a:prstGeom prst="chevron">
+                <a:avLst/>
+              </a:prstGeom>
+              <a:grpFill/>
+              <a:ln>
+                <a:noFill/>
+              </a:ln>
+            </p:spPr>
+            <p:style>
+              <a:lnRef idx="2">
+                <a:schemeClr val="accent1">
+                  <a:shade val="50000"/>
+                </a:schemeClr>
+              </a:lnRef>
+              <a:fillRef idx="1">
+                <a:schemeClr val="accent1"/>
+              </a:fillRef>
+              <a:effectRef idx="0">
+                <a:schemeClr val="accent1"/>
+              </a:effectRef>
+              <a:fontRef idx="minor">
+                <a:schemeClr val="lt1"/>
+              </a:fontRef>
+            </p:style>
+            <p:txBody>
+              <a:bodyPr anchor="ctr"/>
+              <a:lstStyle/>
+              <a:p>
+                <a:pPr algn="ctr">
+                  <a:defRPr/>
+                </a:pPr>
+                <a:endParaRPr lang="zh-CN" altLang="en-US">
+                  <a:solidFill>
+                    <a:schemeClr val="tx1"/>
+                  </a:solidFill>
+                </a:endParaRPr>
+              </a:p>
+            </p:txBody>
+          </p:sp>
+          <p:sp>
+            <p:nvSpPr>
+              <p:cNvPr id="10" name="燕尾形 43">
+                <a:extLst>
+                  <a:ext uri="{FF2B5EF4-FFF2-40B4-BE49-F238E27FC236}">
+                    <a16:creationId xmlns:a16="http://schemas.microsoft.com/office/drawing/2014/main" id="{18B8E8BB-59D0-45B9-98C5-57EFCB7EF9F9}"/>
+                  </a:ext>
+                </a:extLst>
+              </p:cNvPr>
+              <p:cNvSpPr/>
+              <p:nvPr/>
+            </p:nvSpPr>
+            <p:spPr>
+              <a:xfrm>
+                <a:off x="3164967" y="601990"/>
+                <a:ext cx="196596" cy="414010"/>
+              </a:xfrm>
+              <a:prstGeom prst="chevron">
+                <a:avLst/>
+              </a:prstGeom>
+              <a:grpFill/>
+              <a:ln>
+                <a:noFill/>
+              </a:ln>
+            </p:spPr>
+            <p:style>
+              <a:lnRef idx="2">
+                <a:schemeClr val="accent1">
+                  <a:shade val="50000"/>
+                </a:schemeClr>
+              </a:lnRef>
+              <a:fillRef idx="1">
+                <a:schemeClr val="accent1"/>
+              </a:fillRef>
+              <a:effectRef idx="0">
+                <a:schemeClr val="accent1"/>
+              </a:effectRef>
+              <a:fontRef idx="minor">
+                <a:schemeClr val="lt1"/>
+              </a:fontRef>
+            </p:style>
+            <p:txBody>
+              <a:bodyPr anchor="ctr"/>
+              <a:lstStyle/>
+              <a:p>
+                <a:pPr algn="ctr">
+                  <a:defRPr/>
+                </a:pPr>
+                <a:endParaRPr lang="zh-CN" altLang="en-US">
+                  <a:solidFill>
+                    <a:schemeClr val="tx1"/>
+                  </a:solidFill>
+                </a:endParaRPr>
+              </a:p>
+            </p:txBody>
+          </p:sp>
+          <p:sp>
+            <p:nvSpPr>
+              <p:cNvPr id="11" name="燕尾形 44">
+                <a:extLst>
+                  <a:ext uri="{FF2B5EF4-FFF2-40B4-BE49-F238E27FC236}">
+                    <a16:creationId xmlns:a16="http://schemas.microsoft.com/office/drawing/2014/main" id="{A5FE0AC5-0014-4B20-853F-F6883F49A13A}"/>
+                  </a:ext>
+                </a:extLst>
+              </p:cNvPr>
+              <p:cNvSpPr/>
+              <p:nvPr/>
+            </p:nvSpPr>
+            <p:spPr>
+              <a:xfrm>
+                <a:off x="3310828" y="601990"/>
+                <a:ext cx="198182" cy="414010"/>
+              </a:xfrm>
+              <a:prstGeom prst="chevron">
+                <a:avLst/>
+              </a:prstGeom>
+              <a:grpFill/>
+              <a:ln>
+                <a:noFill/>
+              </a:ln>
+            </p:spPr>
+            <p:style>
+              <a:lnRef idx="2">
+                <a:schemeClr val="accent1">
+                  <a:shade val="50000"/>
+                </a:schemeClr>
+              </a:lnRef>
+              <a:fillRef idx="1">
+                <a:schemeClr val="accent1"/>
+              </a:fillRef>
+              <a:effectRef idx="0">
+                <a:schemeClr val="accent1"/>
+              </a:effectRef>
+              <a:fontRef idx="minor">
+                <a:schemeClr val="lt1"/>
+              </a:fontRef>
+            </p:style>
+            <p:txBody>
+              <a:bodyPr anchor="ctr"/>
+              <a:lstStyle/>
+              <a:p>
+                <a:pPr algn="ctr">
+                  <a:defRPr/>
+                </a:pPr>
+                <a:endParaRPr lang="zh-CN" altLang="en-US">
+                  <a:solidFill>
+                    <a:schemeClr val="tx1"/>
+                  </a:solidFill>
+                </a:endParaRPr>
+              </a:p>
+            </p:txBody>
+          </p:sp>
+        </p:grpSp>
+        <p:sp>
+          <p:nvSpPr>
+            <p:cNvPr id="12" name="文本框 5">
+              <a:extLst>
+                <a:ext uri="{FF2B5EF4-FFF2-40B4-BE49-F238E27FC236}">
+                  <a16:creationId xmlns:a16="http://schemas.microsoft.com/office/drawing/2014/main" id="{FBAB8972-87CC-4170-AA59-C469F5151BAD}"/>
+                </a:ext>
+              </a:extLst>
+            </p:cNvPr>
+            <p:cNvSpPr txBox="1">
+              <a:spLocks noChangeArrowheads="1"/>
+            </p:cNvSpPr>
+            <p:nvPr/>
+          </p:nvSpPr>
+          <p:spPr bwMode="auto">
+            <a:xfrm>
+              <a:off x="668696" y="255969"/>
+              <a:ext cx="723275" cy="415370"/>
+            </a:xfrm>
+            <a:prstGeom prst="rect">
+              <a:avLst/>
+            </a:prstGeom>
+            <a:noFill/>
+            <a:ln>
+              <a:noFill/>
+            </a:ln>
+          </p:spPr>
+          <p:txBody>
+            <a:bodyPr wrap="none">
+              <a:spAutoFit/>
+            </a:bodyPr>
+            <a:lstStyle/>
+            <a:p>
+              <a:r>
+                <a:rPr lang="zh-CN" altLang="en-US" sz="2099" dirty="0">
+                  <a:solidFill>
+                    <a:srgbClr val="253C8E"/>
+                  </a:solidFill>
+                  <a:latin typeface="微软雅黑 Light" panose="020B0502040204020203" pitchFamily="34" charset="-122"/>
+                  <a:ea typeface="微软雅黑 Light" panose="020B0502040204020203" pitchFamily="34" charset="-122"/>
+                </a:rPr>
+                <a:t>作业</a:t>
+              </a:r>
+              <a:endParaRPr lang="en-US" altLang="zh-CN" sz="2099" dirty="0">
+                <a:solidFill>
+                  <a:srgbClr val="253C8E"/>
+                </a:solidFill>
+                <a:latin typeface="微软雅黑 Light" panose="020B0502040204020203" pitchFamily="34" charset="-122"/>
+                <a:ea typeface="微软雅黑 Light" panose="020B0502040204020203" pitchFamily="34" charset="-122"/>
+              </a:endParaRPr>
+            </a:p>
+          </p:txBody>
+        </p:sp>
+      </p:grpSp>
+      <p:sp>
+        <p:nvSpPr>
+          <p:cNvPr id="6" name="文本框 2">
+            <a:extLst>
+              <a:ext uri="{FF2B5EF4-FFF2-40B4-BE49-F238E27FC236}">
+                <a16:creationId xmlns:a16="http://schemas.microsoft.com/office/drawing/2014/main" id="{F40EFE73-1154-1182-C784-E30E34D805A6}"/>
+              </a:ext>
+            </a:extLst>
+          </p:cNvPr>
+          <p:cNvSpPr txBox="1"/>
+          <p:nvPr/>
+        </p:nvSpPr>
+        <p:spPr>
+          <a:xfrm>
+            <a:off x="296293" y="2696602"/>
+            <a:ext cx="8380163" cy="523220"/>
+          </a:xfrm>
+          <a:prstGeom prst="rect">
+            <a:avLst/>
+          </a:prstGeom>
+          <a:solidFill>
+            <a:schemeClr val="accent1">
+              <a:lumMod val="40000"/>
+              <a:lumOff val="60000"/>
+            </a:schemeClr>
+          </a:solidFill>
+          <a:ln>
+            <a:solidFill>
+              <a:schemeClr val="accent1">
+                <a:lumMod val="40000"/>
+                <a:lumOff val="60000"/>
+              </a:schemeClr>
+            </a:solidFill>
+          </a:ln>
+        </p:spPr>
+        <p:txBody>
+          <a:bodyPr wrap="square" rtlCol="0">
+            <a:spAutoFit/>
+          </a:bodyPr>
+          <a:lstStyle>
+            <a:defPPr>
+              <a:defRPr lang="zh-CN"/>
+            </a:defPPr>
+            <a:lvl1pPr>
+              <a:defRPr sz="2800">
+                <a:latin typeface="微软雅黑" panose="020B0503020204020204" pitchFamily="34" charset="-122"/>
+                <a:ea typeface="微软雅黑" panose="020B0503020204020204" pitchFamily="34" charset="-122"/>
+              </a:defRPr>
+            </a:lvl1pPr>
+          </a:lstStyle>
+          <a:p>
+            <a:r>
+              <a:rPr lang="zh-CN" altLang="en-US" dirty="0"/>
+              <a:t>在作业</a:t>
+            </a:r>
+            <a:r>
+              <a:rPr lang="en-US" altLang="zh-CN" dirty="0"/>
+              <a:t>2</a:t>
+            </a:r>
+            <a:r>
+              <a:rPr lang="zh-CN" altLang="en-US" dirty="0"/>
+              <a:t>的基础上实现</a:t>
+            </a:r>
+            <a:r>
+              <a:rPr lang="en-US" altLang="zh-CN" dirty="0"/>
+              <a:t>List</a:t>
+            </a:r>
+            <a:r>
+              <a:rPr lang="zh-CN" altLang="en-US" dirty="0"/>
+              <a:t>的</a:t>
+            </a:r>
+            <a:r>
+              <a:rPr lang="en-US" altLang="zh-CN" dirty="0" err="1"/>
+              <a:t>forEach</a:t>
+            </a:r>
+            <a:r>
+              <a:rPr lang="zh-CN" altLang="en-US" dirty="0"/>
+              <a:t>方法</a:t>
+            </a:r>
+            <a:endParaRPr lang="en-US" altLang="zh-CN" dirty="0"/>
+          </a:p>
+        </p:txBody>
+      </p:sp>
+    </p:spTree>
+    <p:extLst>
+      <p:ext uri="{BB962C8B-B14F-4D97-AF65-F5344CB8AC3E}">
+        <p14:creationId xmlns:p14="http://schemas.microsoft.com/office/powerpoint/2010/main" val="832671919"/>
+      </p:ext>
+    </p:extLst>
+  </p:cSld>
+  <p:clrMapOvr>
+    <a:masterClrMapping/>
+  </p:clrMapOvr>
+  <mc:AlternateContent xmlns:mc="http://schemas.openxmlformats.org/markup-compatibility/2006" xmlns:p159="http://schemas.microsoft.com/office/powerpoint/2015/09/main">
+    <mc:Choice Requires="p159">
+      <p:transition xmlns:p14="http://schemas.microsoft.com/office/powerpoint/2010/main" spd="slow" p14:dur="2000" advClick="0">
+        <p159:morph option="byObject"/>
+      </p:transition>
+    </mc:Choice>
+    <mc:Fallback xmlns="">
+      <p:transition spd="slow" advClick="0">
+        <p:fade/>
+      </p:transition>
+    </mc:Fallback>
+  </mc:AlternateContent>
+</p:sld>
+</file>
+
+<file path=ppt/slides/slide34.xml><?xml version="1.0" encoding="utf-8"?>
 <p:sld xmlns:a="http://schemas.openxmlformats.org/drawingml/2006/main" xmlns:r="http://schemas.openxmlformats.org/officeDocument/2006/relationships" xmlns:p="http://schemas.openxmlformats.org/presentationml/2006/main" showMasterSp="0">
   <p:cSld>
     <p:spTree>
@@ -29410,7 +33011,7 @@
     <mc:Choice Requires="p14">
       <p:transition spd="slow" p14:dur="2000" advClick="0"/>
     </mc:Choice>
-    <mc:Fallback xmlns:p15="http://schemas.microsoft.com/office/powerpoint/2012/main" xmlns="">
+    <mc:Fallback xmlns="" xmlns:p15="http://schemas.microsoft.com/office/powerpoint/2012/main">
       <p:transition spd="slow" advClick="0"/>
     </mc:Fallback>
   </mc:AlternateContent>
@@ -30542,7 +34143,7 @@
         <p:blinds dir="vert"/>
       </p:transition>
     </mc:Choice>
-    <mc:Fallback xmlns:p15="http://schemas.microsoft.com/office/powerpoint/2012/main" xmlns="">
+    <mc:Fallback xmlns="" xmlns:p15="http://schemas.microsoft.com/office/powerpoint/2012/main">
       <p:transition spd="slow" advClick="0">
         <p:blinds dir="vert"/>
       </p:transition>
@@ -31123,7 +34724,7 @@
         <p:blinds dir="vert"/>
       </p:transition>
     </mc:Choice>
-    <mc:Fallback xmlns:p15="http://schemas.microsoft.com/office/powerpoint/2012/main" xmlns="">
+    <mc:Fallback xmlns="" xmlns:p15="http://schemas.microsoft.com/office/powerpoint/2012/main">
       <p:transition spd="slow" advClick="0">
         <p:blinds dir="vert"/>
       </p:transition>

--- a/slides/08-Java面向对象编程-注解-反射-内部类-匿名内部类与Lambda表达式.pptx
+++ b/slides/08-Java面向对象编程-注解-反射-内部类-匿名内部类与Lambda表达式.pptx
@@ -207,15 +207,6 @@
 </p:cmAuthorLst>
 </file>
 
-<file path=ppt/revisionInfo.xml><?xml version="1.0" encoding="utf-8"?>
-<p1510:revInfo xmlns:a="http://schemas.openxmlformats.org/drawingml/2006/main" xmlns:r="http://schemas.openxmlformats.org/officeDocument/2006/relationships" xmlns:p1510="http://schemas.microsoft.com/office/powerpoint/2015/10/main">
-  <p1510:revLst>
-    <p1510:client id="{173D37D8-2E42-4743-BA34-1372C81FB042}" v="303" dt="2024-04-10T03:58:46.826"/>
-    <p1510:client id="{E613CF74-FE65-4336-B81E-0351466CA028}" v="1" dt="2024-04-10T07:59:35.178"/>
-  </p1510:revLst>
-</p1510:revInfo>
-</file>
-
 <file path=ppt/changesInfos/changesInfo1.xml><?xml version="1.0" encoding="utf-8"?>
 <pc:chgInfo xmlns:a="http://schemas.openxmlformats.org/drawingml/2006/main" xmlns:r="http://schemas.openxmlformats.org/officeDocument/2006/relationships" xmlns:ac="http://schemas.microsoft.com/office/drawing/2013/main/command" xmlns:pc="http://schemas.microsoft.com/office/powerpoint/2013/main/command">
   <pc:docChgLst>
@@ -231,22 +222,6 @@
           <pc:docMk/>
           <pc:sldMk cId="1043992905" sldId="330"/>
         </pc:sldMkLst>
-        <pc:spChg chg="mod">
-          <ac:chgData name="pdcxs" userId="f53f700a-6709-4045-8975-3edaa594be1c" providerId="ADAL" clId="{837C11F6-554B-4724-9660-B96FC6B33ADF}" dt="2024-04-08T06:01:04.059" v="71" actId="20577"/>
-          <ac:spMkLst>
-            <pc:docMk/>
-            <pc:sldMk cId="1043992905" sldId="330"/>
-            <ac:spMk id="15" creationId="{21F966F9-D303-4863-B7C0-8BCE37FF1F35}"/>
-          </ac:spMkLst>
-        </pc:spChg>
-        <pc:spChg chg="mod">
-          <ac:chgData name="pdcxs" userId="f53f700a-6709-4045-8975-3edaa594be1c" providerId="ADAL" clId="{837C11F6-554B-4724-9660-B96FC6B33ADF}" dt="2024-04-08T06:00:51.502" v="49" actId="1076"/>
-          <ac:spMkLst>
-            <pc:docMk/>
-            <pc:sldMk cId="1043992905" sldId="330"/>
-            <ac:spMk id="16" creationId="{E11D9ACC-C426-42AA-8BD3-84A43A9AF5A0}"/>
-          </ac:spMkLst>
-        </pc:spChg>
       </pc:sldChg>
       <pc:sldChg chg="modSp mod">
         <pc:chgData name="pdcxs" userId="f53f700a-6709-4045-8975-3edaa594be1c" providerId="ADAL" clId="{837C11F6-554B-4724-9660-B96FC6B33ADF}" dt="2024-04-08T06:04:25.430" v="91" actId="20577"/>
@@ -254,14 +229,6 @@
           <pc:docMk/>
           <pc:sldMk cId="999735041" sldId="333"/>
         </pc:sldMkLst>
-        <pc:spChg chg="mod">
-          <ac:chgData name="pdcxs" userId="f53f700a-6709-4045-8975-3edaa594be1c" providerId="ADAL" clId="{837C11F6-554B-4724-9660-B96FC6B33ADF}" dt="2024-04-08T06:04:25.430" v="91" actId="20577"/>
-          <ac:spMkLst>
-            <pc:docMk/>
-            <pc:sldMk cId="999735041" sldId="333"/>
-            <ac:spMk id="13" creationId="{2F9088B2-3C04-4962-8A13-2700F98F0E94}"/>
-          </ac:spMkLst>
-        </pc:spChg>
       </pc:sldChg>
       <pc:sldChg chg="modSp mod">
         <pc:chgData name="pdcxs" userId="f53f700a-6709-4045-8975-3edaa594be1c" providerId="ADAL" clId="{837C11F6-554B-4724-9660-B96FC6B33ADF}" dt="2024-04-08T05:58:49.624" v="45" actId="20577"/>
@@ -269,14 +236,6 @@
           <pc:docMk/>
           <pc:sldMk cId="936547044" sldId="380"/>
         </pc:sldMkLst>
-        <pc:spChg chg="mod">
-          <ac:chgData name="pdcxs" userId="f53f700a-6709-4045-8975-3edaa594be1c" providerId="ADAL" clId="{837C11F6-554B-4724-9660-B96FC6B33ADF}" dt="2024-04-08T05:58:49.624" v="45" actId="20577"/>
-          <ac:spMkLst>
-            <pc:docMk/>
-            <pc:sldMk cId="936547044" sldId="380"/>
-            <ac:spMk id="21" creationId="{EA566DED-1390-4592-858E-A632A0A664AA}"/>
-          </ac:spMkLst>
-        </pc:spChg>
       </pc:sldChg>
       <pc:sldChg chg="modSp mod">
         <pc:chgData name="pdcxs" userId="f53f700a-6709-4045-8975-3edaa594be1c" providerId="ADAL" clId="{837C11F6-554B-4724-9660-B96FC6B33ADF}" dt="2024-04-08T06:14:01.275" v="159" actId="20577"/>
@@ -284,22 +243,6 @@
           <pc:docMk/>
           <pc:sldMk cId="2887523537" sldId="381"/>
         </pc:sldMkLst>
-        <pc:spChg chg="mod">
-          <ac:chgData name="pdcxs" userId="f53f700a-6709-4045-8975-3edaa594be1c" providerId="ADAL" clId="{837C11F6-554B-4724-9660-B96FC6B33ADF}" dt="2024-04-08T06:08:24.269" v="122" actId="20577"/>
-          <ac:spMkLst>
-            <pc:docMk/>
-            <pc:sldMk cId="2887523537" sldId="381"/>
-            <ac:spMk id="15" creationId="{5A2387C7-E259-459D-8386-8B850975036E}"/>
-          </ac:spMkLst>
-        </pc:spChg>
-        <pc:spChg chg="mod">
-          <ac:chgData name="pdcxs" userId="f53f700a-6709-4045-8975-3edaa594be1c" providerId="ADAL" clId="{837C11F6-554B-4724-9660-B96FC6B33ADF}" dt="2024-04-08T06:14:01.275" v="159" actId="20577"/>
-          <ac:spMkLst>
-            <pc:docMk/>
-            <pc:sldMk cId="2887523537" sldId="381"/>
-            <ac:spMk id="17" creationId="{62A54208-B991-41C9-9DE5-D3B423B206F3}"/>
-          </ac:spMkLst>
-        </pc:spChg>
       </pc:sldChg>
       <pc:sldChg chg="modSp mod">
         <pc:chgData name="pdcxs" userId="f53f700a-6709-4045-8975-3edaa594be1c" providerId="ADAL" clId="{837C11F6-554B-4724-9660-B96FC6B33ADF}" dt="2024-04-08T06:44:24.782" v="324" actId="20577"/>
@@ -307,46 +250,6 @@
           <pc:docMk/>
           <pc:sldMk cId="631344445" sldId="384"/>
         </pc:sldMkLst>
-        <pc:spChg chg="mod">
-          <ac:chgData name="pdcxs" userId="f53f700a-6709-4045-8975-3edaa594be1c" providerId="ADAL" clId="{837C11F6-554B-4724-9660-B96FC6B33ADF}" dt="2024-04-08T06:22:19.433" v="207" actId="20577"/>
-          <ac:spMkLst>
-            <pc:docMk/>
-            <pc:sldMk cId="631344445" sldId="384"/>
-            <ac:spMk id="13" creationId="{8C383E5A-A19E-40E0-99C4-4F328940ECD7}"/>
-          </ac:spMkLst>
-        </pc:spChg>
-        <pc:spChg chg="mod">
-          <ac:chgData name="pdcxs" userId="f53f700a-6709-4045-8975-3edaa594be1c" providerId="ADAL" clId="{837C11F6-554B-4724-9660-B96FC6B33ADF}" dt="2024-04-08T06:22:28.774" v="243" actId="20577"/>
-          <ac:spMkLst>
-            <pc:docMk/>
-            <pc:sldMk cId="631344445" sldId="384"/>
-            <ac:spMk id="17" creationId="{AA715433-9C99-4CFE-A52F-9500D28637F0}"/>
-          </ac:spMkLst>
-        </pc:spChg>
-        <pc:spChg chg="mod">
-          <ac:chgData name="pdcxs" userId="f53f700a-6709-4045-8975-3edaa594be1c" providerId="ADAL" clId="{837C11F6-554B-4724-9660-B96FC6B33ADF}" dt="2024-04-08T06:29:26.445" v="266" actId="20577"/>
-          <ac:spMkLst>
-            <pc:docMk/>
-            <pc:sldMk cId="631344445" sldId="384"/>
-            <ac:spMk id="19" creationId="{CF0BFCDF-F267-4249-98DE-32CC863F2508}"/>
-          </ac:spMkLst>
-        </pc:spChg>
-        <pc:spChg chg="mod">
-          <ac:chgData name="pdcxs" userId="f53f700a-6709-4045-8975-3edaa594be1c" providerId="ADAL" clId="{837C11F6-554B-4724-9660-B96FC6B33ADF}" dt="2024-04-08T06:39:08.455" v="294" actId="20577"/>
-          <ac:spMkLst>
-            <pc:docMk/>
-            <pc:sldMk cId="631344445" sldId="384"/>
-            <ac:spMk id="21" creationId="{717D2E06-BA8E-4B3A-BB7F-25AF7E9276B9}"/>
-          </ac:spMkLst>
-        </pc:spChg>
-        <pc:spChg chg="mod">
-          <ac:chgData name="pdcxs" userId="f53f700a-6709-4045-8975-3edaa594be1c" providerId="ADAL" clId="{837C11F6-554B-4724-9660-B96FC6B33ADF}" dt="2024-04-08T06:44:24.782" v="324" actId="20577"/>
-          <ac:spMkLst>
-            <pc:docMk/>
-            <pc:sldMk cId="631344445" sldId="384"/>
-            <ac:spMk id="23" creationId="{E4F2E41F-B7A1-44BF-B11D-5A582C26318F}"/>
-          </ac:spMkLst>
-        </pc:spChg>
       </pc:sldChg>
       <pc:sldChg chg="modSp mod">
         <pc:chgData name="pdcxs" userId="f53f700a-6709-4045-8975-3edaa594be1c" providerId="ADAL" clId="{837C11F6-554B-4724-9660-B96FC6B33ADF}" dt="2024-04-08T06:57:10.200" v="406" actId="20577"/>
@@ -354,30 +257,6 @@
           <pc:docMk/>
           <pc:sldMk cId="498673683" sldId="385"/>
         </pc:sldMkLst>
-        <pc:spChg chg="mod">
-          <ac:chgData name="pdcxs" userId="f53f700a-6709-4045-8975-3edaa594be1c" providerId="ADAL" clId="{837C11F6-554B-4724-9660-B96FC6B33ADF}" dt="2024-04-08T06:50:58.616" v="358" actId="20577"/>
-          <ac:spMkLst>
-            <pc:docMk/>
-            <pc:sldMk cId="498673683" sldId="385"/>
-            <ac:spMk id="17" creationId="{AA715433-9C99-4CFE-A52F-9500D28637F0}"/>
-          </ac:spMkLst>
-        </pc:spChg>
-        <pc:spChg chg="mod">
-          <ac:chgData name="pdcxs" userId="f53f700a-6709-4045-8975-3edaa594be1c" providerId="ADAL" clId="{837C11F6-554B-4724-9660-B96FC6B33ADF}" dt="2024-04-08T06:54:19.038" v="383" actId="20577"/>
-          <ac:spMkLst>
-            <pc:docMk/>
-            <pc:sldMk cId="498673683" sldId="385"/>
-            <ac:spMk id="19" creationId="{CF0BFCDF-F267-4249-98DE-32CC863F2508}"/>
-          </ac:spMkLst>
-        </pc:spChg>
-        <pc:spChg chg="mod">
-          <ac:chgData name="pdcxs" userId="f53f700a-6709-4045-8975-3edaa594be1c" providerId="ADAL" clId="{837C11F6-554B-4724-9660-B96FC6B33ADF}" dt="2024-04-08T06:57:10.200" v="406" actId="20577"/>
-          <ac:spMkLst>
-            <pc:docMk/>
-            <pc:sldMk cId="498673683" sldId="385"/>
-            <ac:spMk id="21" creationId="{717D2E06-BA8E-4B3A-BB7F-25AF7E9276B9}"/>
-          </ac:spMkLst>
-        </pc:spChg>
       </pc:sldChg>
       <pc:sldChg chg="modSp mod">
         <pc:chgData name="pdcxs" userId="f53f700a-6709-4045-8975-3edaa594be1c" providerId="ADAL" clId="{837C11F6-554B-4724-9660-B96FC6B33ADF}" dt="2024-04-08T06:50:32.406" v="328" actId="20577"/>
@@ -385,14 +264,6 @@
           <pc:docMk/>
           <pc:sldMk cId="618295153" sldId="386"/>
         </pc:sldMkLst>
-        <pc:spChg chg="mod">
-          <ac:chgData name="pdcxs" userId="f53f700a-6709-4045-8975-3edaa594be1c" providerId="ADAL" clId="{837C11F6-554B-4724-9660-B96FC6B33ADF}" dt="2024-04-08T06:50:32.406" v="328" actId="20577"/>
-          <ac:spMkLst>
-            <pc:docMk/>
-            <pc:sldMk cId="618295153" sldId="386"/>
-            <ac:spMk id="13" creationId="{9CFD4927-806A-4EDB-94BF-FF98F610602D}"/>
-          </ac:spMkLst>
-        </pc:spChg>
       </pc:sldChg>
     </pc:docChg>
   </pc:docChgLst>
@@ -409,86 +280,6 @@
           <pc:docMk/>
           <pc:sldMk cId="1071384862" sldId="388"/>
         </pc:sldMkLst>
-        <pc:spChg chg="add mod">
-          <ac:chgData name="pdcxs" userId="f53f700a-6709-4045-8975-3edaa594be1c" providerId="ADAL" clId="{173D37D8-2E42-4743-BA34-1372C81FB042}" dt="2024-04-10T02:30:51.819" v="52" actId="1076"/>
-          <ac:spMkLst>
-            <pc:docMk/>
-            <pc:sldMk cId="1071384862" sldId="388"/>
-            <ac:spMk id="3" creationId="{BD521F2F-33D5-55E0-7DFA-A840A2CADB2D}"/>
-          </ac:spMkLst>
-        </pc:spChg>
-        <pc:spChg chg="add mod">
-          <ac:chgData name="pdcxs" userId="f53f700a-6709-4045-8975-3edaa594be1c" providerId="ADAL" clId="{173D37D8-2E42-4743-BA34-1372C81FB042}" dt="2024-04-10T03:00:46.496" v="363"/>
-          <ac:spMkLst>
-            <pc:docMk/>
-            <pc:sldMk cId="1071384862" sldId="388"/>
-            <ac:spMk id="4" creationId="{5B0A0C1C-5774-A9A8-DD65-32E9B97DE4D7}"/>
-          </ac:spMkLst>
-        </pc:spChg>
-        <pc:spChg chg="add mod">
-          <ac:chgData name="pdcxs" userId="f53f700a-6709-4045-8975-3edaa594be1c" providerId="ADAL" clId="{173D37D8-2E42-4743-BA34-1372C81FB042}" dt="2024-04-10T02:37:08.799" v="276"/>
-          <ac:spMkLst>
-            <pc:docMk/>
-            <pc:sldMk cId="1071384862" sldId="388"/>
-            <ac:spMk id="5" creationId="{15CEDB97-051C-C77B-EAE5-7AA43959DA58}"/>
-          </ac:spMkLst>
-        </pc:spChg>
-        <pc:spChg chg="mod">
-          <ac:chgData name="pdcxs" userId="f53f700a-6709-4045-8975-3edaa594be1c" providerId="ADAL" clId="{173D37D8-2E42-4743-BA34-1372C81FB042}" dt="2024-04-10T02:30:24.062" v="18" actId="20577"/>
-          <ac:spMkLst>
-            <pc:docMk/>
-            <pc:sldMk cId="1071384862" sldId="388"/>
-            <ac:spMk id="12" creationId="{FBAB8972-87CC-4170-AA59-C469F5151BAD}"/>
-          </ac:spMkLst>
-        </pc:spChg>
-        <pc:spChg chg="del">
-          <ac:chgData name="pdcxs" userId="f53f700a-6709-4045-8975-3edaa594be1c" providerId="ADAL" clId="{173D37D8-2E42-4743-BA34-1372C81FB042}" dt="2024-04-10T02:30:27.681" v="20" actId="478"/>
-          <ac:spMkLst>
-            <pc:docMk/>
-            <pc:sldMk cId="1071384862" sldId="388"/>
-            <ac:spMk id="17" creationId="{AA715433-9C99-4CFE-A52F-9500D28637F0}"/>
-          </ac:spMkLst>
-        </pc:spChg>
-        <pc:spChg chg="del">
-          <ac:chgData name="pdcxs" userId="f53f700a-6709-4045-8975-3edaa594be1c" providerId="ADAL" clId="{173D37D8-2E42-4743-BA34-1372C81FB042}" dt="2024-04-10T02:30:26.949" v="19" actId="478"/>
-          <ac:spMkLst>
-            <pc:docMk/>
-            <pc:sldMk cId="1071384862" sldId="388"/>
-            <ac:spMk id="18" creationId="{1EB04740-9CEB-40E7-BFD7-68A9D47F38A0}"/>
-          </ac:spMkLst>
-        </pc:spChg>
-        <pc:spChg chg="del">
-          <ac:chgData name="pdcxs" userId="f53f700a-6709-4045-8975-3edaa594be1c" providerId="ADAL" clId="{173D37D8-2E42-4743-BA34-1372C81FB042}" dt="2024-04-10T02:30:29.298" v="22" actId="478"/>
-          <ac:spMkLst>
-            <pc:docMk/>
-            <pc:sldMk cId="1071384862" sldId="388"/>
-            <ac:spMk id="19" creationId="{CF0BFCDF-F267-4249-98DE-32CC863F2508}"/>
-          </ac:spMkLst>
-        </pc:spChg>
-        <pc:spChg chg="del">
-          <ac:chgData name="pdcxs" userId="f53f700a-6709-4045-8975-3edaa594be1c" providerId="ADAL" clId="{173D37D8-2E42-4743-BA34-1372C81FB042}" dt="2024-04-10T02:30:28.665" v="21" actId="478"/>
-          <ac:spMkLst>
-            <pc:docMk/>
-            <pc:sldMk cId="1071384862" sldId="388"/>
-            <ac:spMk id="20" creationId="{6D3A09F1-05C9-4FCC-9C5C-49A68B4E651A}"/>
-          </ac:spMkLst>
-        </pc:spChg>
-        <pc:spChg chg="del">
-          <ac:chgData name="pdcxs" userId="f53f700a-6709-4045-8975-3edaa594be1c" providerId="ADAL" clId="{173D37D8-2E42-4743-BA34-1372C81FB042}" dt="2024-04-10T02:30:31.883" v="24" actId="478"/>
-          <ac:spMkLst>
-            <pc:docMk/>
-            <pc:sldMk cId="1071384862" sldId="388"/>
-            <ac:spMk id="21" creationId="{717D2E06-BA8E-4B3A-BB7F-25AF7E9276B9}"/>
-          </ac:spMkLst>
-        </pc:spChg>
-        <pc:spChg chg="del">
-          <ac:chgData name="pdcxs" userId="f53f700a-6709-4045-8975-3edaa594be1c" providerId="ADAL" clId="{173D37D8-2E42-4743-BA34-1372C81FB042}" dt="2024-04-10T02:30:30.232" v="23" actId="478"/>
-          <ac:spMkLst>
-            <pc:docMk/>
-            <pc:sldMk cId="1071384862" sldId="388"/>
-            <ac:spMk id="22" creationId="{23A9F7FB-8417-4EB7-9309-F6ADA07CF8D1}"/>
-          </ac:spMkLst>
-        </pc:spChg>
       </pc:sldChg>
       <pc:sldChg chg="new del mod modClrScheme chgLayout">
         <pc:chgData name="pdcxs" userId="f53f700a-6709-4045-8975-3edaa594be1c" providerId="ADAL" clId="{173D37D8-2E42-4743-BA34-1372C81FB042}" dt="2024-04-10T02:30:11.674" v="2" actId="47"/>
@@ -503,62 +294,6 @@
           <pc:docMk/>
           <pc:sldMk cId="3886473474" sldId="389"/>
         </pc:sldMkLst>
-        <pc:spChg chg="mod">
-          <ac:chgData name="pdcxs" userId="f53f700a-6709-4045-8975-3edaa594be1c" providerId="ADAL" clId="{173D37D8-2E42-4743-BA34-1372C81FB042}" dt="2024-04-10T02:38:50.665" v="325" actId="1076"/>
-          <ac:spMkLst>
-            <pc:docMk/>
-            <pc:sldMk cId="3886473474" sldId="389"/>
-            <ac:spMk id="3" creationId="{BD521F2F-33D5-55E0-7DFA-A840A2CADB2D}"/>
-          </ac:spMkLst>
-        </pc:spChg>
-        <pc:spChg chg="mod">
-          <ac:chgData name="pdcxs" userId="f53f700a-6709-4045-8975-3edaa594be1c" providerId="ADAL" clId="{173D37D8-2E42-4743-BA34-1372C81FB042}" dt="2024-04-10T03:00:13.834" v="362" actId="20577"/>
-          <ac:spMkLst>
-            <pc:docMk/>
-            <pc:sldMk cId="3886473474" sldId="389"/>
-            <ac:spMk id="4" creationId="{5B0A0C1C-5774-A9A8-DD65-32E9B97DE4D7}"/>
-          </ac:spMkLst>
-        </pc:spChg>
-        <pc:spChg chg="del mod">
-          <ac:chgData name="pdcxs" userId="f53f700a-6709-4045-8975-3edaa594be1c" providerId="ADAL" clId="{173D37D8-2E42-4743-BA34-1372C81FB042}" dt="2024-04-10T02:38:45.038" v="323" actId="478"/>
-          <ac:spMkLst>
-            <pc:docMk/>
-            <pc:sldMk cId="3886473474" sldId="389"/>
-            <ac:spMk id="5" creationId="{15CEDB97-051C-C77B-EAE5-7AA43959DA58}"/>
-          </ac:spMkLst>
-        </pc:spChg>
-        <pc:spChg chg="add del mod">
-          <ac:chgData name="pdcxs" userId="f53f700a-6709-4045-8975-3edaa594be1c" providerId="ADAL" clId="{173D37D8-2E42-4743-BA34-1372C81FB042}" dt="2024-04-10T02:50:02.306" v="336"/>
-          <ac:spMkLst>
-            <pc:docMk/>
-            <pc:sldMk cId="3886473474" sldId="389"/>
-            <ac:spMk id="6" creationId="{7BD6F21B-8F42-07F0-0699-5DA479295262}"/>
-          </ac:spMkLst>
-        </pc:spChg>
-        <pc:spChg chg="add mod">
-          <ac:chgData name="pdcxs" userId="f53f700a-6709-4045-8975-3edaa594be1c" providerId="ADAL" clId="{173D37D8-2E42-4743-BA34-1372C81FB042}" dt="2024-04-10T03:42:29.642" v="717" actId="20577"/>
-          <ac:spMkLst>
-            <pc:docMk/>
-            <pc:sldMk cId="3886473474" sldId="389"/>
-            <ac:spMk id="7" creationId="{2D09B844-C8E4-0A7C-9E73-BCED5AAC1DAB}"/>
-          </ac:spMkLst>
-        </pc:spChg>
-        <pc:spChg chg="add del mod">
-          <ac:chgData name="pdcxs" userId="f53f700a-6709-4045-8975-3edaa594be1c" providerId="ADAL" clId="{173D37D8-2E42-4743-BA34-1372C81FB042}" dt="2024-04-10T03:34:37.814" v="661" actId="478"/>
-          <ac:spMkLst>
-            <pc:docMk/>
-            <pc:sldMk cId="3886473474" sldId="389"/>
-            <ac:spMk id="13" creationId="{7EDA819A-1782-5C0F-28B5-09D35E9DA417}"/>
-          </ac:spMkLst>
-        </pc:spChg>
-        <pc:spChg chg="add mod">
-          <ac:chgData name="pdcxs" userId="f53f700a-6709-4045-8975-3edaa594be1c" providerId="ADAL" clId="{173D37D8-2E42-4743-BA34-1372C81FB042}" dt="2024-04-10T03:27:39.633" v="627"/>
-          <ac:spMkLst>
-            <pc:docMk/>
-            <pc:sldMk cId="3886473474" sldId="389"/>
-            <ac:spMk id="15" creationId="{7932D638-17BB-1195-45C8-BE6029E80B72}"/>
-          </ac:spMkLst>
-        </pc:spChg>
       </pc:sldChg>
       <pc:sldChg chg="addSp delSp modSp add mod delAnim">
         <pc:chgData name="pdcxs" userId="f53f700a-6709-4045-8975-3edaa594be1c" providerId="ADAL" clId="{173D37D8-2E42-4743-BA34-1372C81FB042}" dt="2024-04-10T03:59:22.397" v="761" actId="14100"/>
@@ -566,46 +301,6 @@
           <pc:docMk/>
           <pc:sldMk cId="1698457326" sldId="390"/>
         </pc:sldMkLst>
-        <pc:spChg chg="mod">
-          <ac:chgData name="pdcxs" userId="f53f700a-6709-4045-8975-3edaa594be1c" providerId="ADAL" clId="{173D37D8-2E42-4743-BA34-1372C81FB042}" dt="2024-04-10T03:59:19.505" v="760" actId="1036"/>
-          <ac:spMkLst>
-            <pc:docMk/>
-            <pc:sldMk cId="1698457326" sldId="390"/>
-            <ac:spMk id="3" creationId="{BD521F2F-33D5-55E0-7DFA-A840A2CADB2D}"/>
-          </ac:spMkLst>
-        </pc:spChg>
-        <pc:spChg chg="del">
-          <ac:chgData name="pdcxs" userId="f53f700a-6709-4045-8975-3edaa594be1c" providerId="ADAL" clId="{173D37D8-2E42-4743-BA34-1372C81FB042}" dt="2024-04-10T03:25:54.450" v="605" actId="478"/>
-          <ac:spMkLst>
-            <pc:docMk/>
-            <pc:sldMk cId="1698457326" sldId="390"/>
-            <ac:spMk id="4" creationId="{5B0A0C1C-5774-A9A8-DD65-32E9B97DE4D7}"/>
-          </ac:spMkLst>
-        </pc:spChg>
-        <pc:spChg chg="add del mod">
-          <ac:chgData name="pdcxs" userId="f53f700a-6709-4045-8975-3edaa594be1c" providerId="ADAL" clId="{173D37D8-2E42-4743-BA34-1372C81FB042}" dt="2024-04-10T03:58:33.111" v="722" actId="478"/>
-          <ac:spMkLst>
-            <pc:docMk/>
-            <pc:sldMk cId="1698457326" sldId="390"/>
-            <ac:spMk id="5" creationId="{6428E53F-CAAF-1B48-1630-2B0BD346B8FD}"/>
-          </ac:spMkLst>
-        </pc:spChg>
-        <pc:spChg chg="add mod">
-          <ac:chgData name="pdcxs" userId="f53f700a-6709-4045-8975-3edaa594be1c" providerId="ADAL" clId="{173D37D8-2E42-4743-BA34-1372C81FB042}" dt="2024-04-10T03:59:22.397" v="761" actId="14100"/>
-          <ac:spMkLst>
-            <pc:docMk/>
-            <pc:sldMk cId="1698457326" sldId="390"/>
-            <ac:spMk id="6" creationId="{F40EFE73-1154-1182-C784-E30E34D805A6}"/>
-          </ac:spMkLst>
-        </pc:spChg>
-        <pc:spChg chg="del">
-          <ac:chgData name="pdcxs" userId="f53f700a-6709-4045-8975-3edaa594be1c" providerId="ADAL" clId="{173D37D8-2E42-4743-BA34-1372C81FB042}" dt="2024-04-10T03:25:53.500" v="604" actId="478"/>
-          <ac:spMkLst>
-            <pc:docMk/>
-            <pc:sldMk cId="1698457326" sldId="390"/>
-            <ac:spMk id="7" creationId="{2D09B844-C8E4-0A7C-9E73-BCED5AAC1DAB}"/>
-          </ac:spMkLst>
-        </pc:spChg>
       </pc:sldChg>
     </pc:docChg>
   </pc:docChgLst>
@@ -622,14 +317,6 @@
           <pc:docMk/>
           <pc:sldMk cId="753176371" sldId="306"/>
         </pc:sldMkLst>
-        <pc:spChg chg="mod">
-          <ac:chgData name="pdcxs" userId="f53f700a-6709-4045-8975-3edaa594be1c" providerId="ADAL" clId="{52F9C8DC-B2FF-4FF7-A8A6-0143A7818F59}" dt="2023-03-09T01:55:48.791" v="8" actId="20577"/>
-          <ac:spMkLst>
-            <pc:docMk/>
-            <pc:sldMk cId="753176371" sldId="306"/>
-            <ac:spMk id="19" creationId="{00000000-0000-0000-0000-000000000000}"/>
-          </ac:spMkLst>
-        </pc:spChg>
       </pc:sldChg>
     </pc:docChg>
   </pc:docChgLst>
@@ -657,6 +344,30 @@
     </pc:docChg>
   </pc:docChgLst>
   <pc:docChgLst>
+    <pc:chgData name="pdcxs" userId="f53f700a-6709-4045-8975-3edaa594be1c" providerId="ADAL" clId="{88F31458-8AF3-411C-899F-EAD03616317B}"/>
+    <pc:docChg chg="modSld">
+      <pc:chgData name="pdcxs" userId="f53f700a-6709-4045-8975-3edaa594be1c" providerId="ADAL" clId="{88F31458-8AF3-411C-899F-EAD03616317B}" dt="2025-04-14T12:13:28.218" v="0"/>
+      <pc:docMkLst>
+        <pc:docMk/>
+      </pc:docMkLst>
+      <pc:sldChg chg="modSp mod">
+        <pc:chgData name="pdcxs" userId="f53f700a-6709-4045-8975-3edaa594be1c" providerId="ADAL" clId="{88F31458-8AF3-411C-899F-EAD03616317B}" dt="2025-04-14T12:13:28.218" v="0"/>
+        <pc:sldMkLst>
+          <pc:docMk/>
+          <pc:sldMk cId="161496344" sldId="387"/>
+        </pc:sldMkLst>
+        <pc:spChg chg="mod">
+          <ac:chgData name="pdcxs" userId="f53f700a-6709-4045-8975-3edaa594be1c" providerId="ADAL" clId="{88F31458-8AF3-411C-899F-EAD03616317B}" dt="2025-04-14T12:13:28.218" v="0"/>
+          <ac:spMkLst>
+            <pc:docMk/>
+            <pc:sldMk cId="161496344" sldId="387"/>
+            <ac:spMk id="21" creationId="{00000000-0000-0000-0000-000000000000}"/>
+          </ac:spMkLst>
+        </pc:spChg>
+      </pc:sldChg>
+    </pc:docChg>
+  </pc:docChgLst>
+  <pc:docChgLst>
     <pc:chgData name="pdcxs" userId="f53f700a-6709-4045-8975-3edaa594be1c" providerId="ADAL" clId="{E613CF74-FE65-4336-B81E-0351466CA028}"/>
     <pc:docChg chg="custSel addSld modSld">
       <pc:chgData name="pdcxs" userId="f53f700a-6709-4045-8975-3edaa594be1c" providerId="ADAL" clId="{E613CF74-FE65-4336-B81E-0351466CA028}" dt="2024-04-10T08:00:24.157" v="52" actId="20577"/>
@@ -669,30 +380,6 @@
           <pc:docMk/>
           <pc:sldMk cId="832671919" sldId="391"/>
         </pc:sldMkLst>
-        <pc:spChg chg="del mod">
-          <ac:chgData name="pdcxs" userId="f53f700a-6709-4045-8975-3edaa594be1c" providerId="ADAL" clId="{E613CF74-FE65-4336-B81E-0351466CA028}" dt="2024-04-10T07:59:55.070" v="10" actId="478"/>
-          <ac:spMkLst>
-            <pc:docMk/>
-            <pc:sldMk cId="832671919" sldId="391"/>
-            <ac:spMk id="3" creationId="{BD521F2F-33D5-55E0-7DFA-A840A2CADB2D}"/>
-          </ac:spMkLst>
-        </pc:spChg>
-        <pc:spChg chg="mod">
-          <ac:chgData name="pdcxs" userId="f53f700a-6709-4045-8975-3edaa594be1c" providerId="ADAL" clId="{E613CF74-FE65-4336-B81E-0351466CA028}" dt="2024-04-10T08:00:24.157" v="52" actId="20577"/>
-          <ac:spMkLst>
-            <pc:docMk/>
-            <pc:sldMk cId="832671919" sldId="391"/>
-            <ac:spMk id="6" creationId="{F40EFE73-1154-1182-C784-E30E34D805A6}"/>
-          </ac:spMkLst>
-        </pc:spChg>
-        <pc:spChg chg="mod">
-          <ac:chgData name="pdcxs" userId="f53f700a-6709-4045-8975-3edaa594be1c" providerId="ADAL" clId="{E613CF74-FE65-4336-B81E-0351466CA028}" dt="2024-04-10T07:59:45.371" v="7" actId="20577"/>
-          <ac:spMkLst>
-            <pc:docMk/>
-            <pc:sldMk cId="832671919" sldId="391"/>
-            <ac:spMk id="12" creationId="{FBAB8972-87CC-4170-AA59-C469F5151BAD}"/>
-          </ac:spMkLst>
-        </pc:spChg>
       </pc:sldChg>
     </pc:docChg>
   </pc:docChgLst>
@@ -808,7 +495,7 @@
               <a:pPr>
                 <a:defRPr/>
               </a:pPr>
-              <a:t>2024/4/10</a:t>
+              <a:t>2025/4/14</a:t>
             </a:fld>
             <a:endParaRPr lang="zh-CN" altLang="en-US"/>
           </a:p>
@@ -4328,7 +4015,7 @@
               <a:pPr>
                 <a:defRPr/>
               </a:pPr>
-              <a:t>2024/4/10</a:t>
+              <a:t>2025/4/14</a:t>
             </a:fld>
             <a:endParaRPr lang="zh-CN" altLang="en-US"/>
           </a:p>
@@ -4669,7 +4356,7 @@
               <a:pPr>
                 <a:defRPr/>
               </a:pPr>
-              <a:t>2024/4/10</a:t>
+              <a:t>2025/4/14</a:t>
             </a:fld>
             <a:endParaRPr lang="zh-CN" altLang="en-US"/>
           </a:p>
@@ -4932,7 +4619,7 @@
               <a:pPr>
                 <a:defRPr/>
               </a:pPr>
-              <a:t>2024/4/10</a:t>
+              <a:t>2025/4/14</a:t>
             </a:fld>
             <a:endParaRPr lang="zh-CN" altLang="en-US"/>
           </a:p>
@@ -5195,7 +4882,7 @@
               <a:pPr>
                 <a:defRPr/>
               </a:pPr>
-              <a:t>2024/4/10</a:t>
+              <a:t>2025/4/14</a:t>
             </a:fld>
             <a:endParaRPr lang="zh-CN" altLang="en-US"/>
           </a:p>
@@ -5503,7 +5190,7 @@
           <a:p>
             <a:fld id="{727B9DD9-119C-4B8D-B3AB-3CFC6AE69930}" type="datetimeFigureOut">
               <a:rPr lang="zh-CN" altLang="en-US" smtClean="0"/>
-              <a:t>2024/4/10</a:t>
+              <a:t>2025/4/14</a:t>
             </a:fld>
             <a:endParaRPr lang="zh-CN" altLang="en-US"/>
           </a:p>
@@ -5583,7 +5270,7 @@
         <p:random/>
       </p:transition>
     </mc:Choice>
-    <mc:Fallback xmlns="" xmlns:p15="http://schemas.microsoft.com/office/powerpoint/2012/main">
+    <mc:Fallback xmlns:p15="http://schemas.microsoft.com/office/powerpoint/2012/main" xmlns="">
       <p:transition spd="slow" advClick="0">
         <p:random/>
       </p:transition>
@@ -6865,7 +6552,7 @@
               <a:pPr>
                 <a:defRPr/>
               </a:pPr>
-              <a:t>2024/4/10</a:t>
+              <a:t>2025/4/14</a:t>
             </a:fld>
             <a:endParaRPr lang="zh-CN" altLang="en-US"/>
           </a:p>
@@ -7383,7 +7070,7 @@
               <a:pPr>
                 <a:defRPr/>
               </a:pPr>
-              <a:t>2024/4/10</a:t>
+              <a:t>2025/4/14</a:t>
             </a:fld>
             <a:endParaRPr lang="zh-CN" altLang="en-US"/>
           </a:p>
@@ -7587,7 +7274,7 @@
               <a:pPr>
                 <a:defRPr/>
               </a:pPr>
-              <a:t>2024/4/10</a:t>
+              <a:t>2025/4/14</a:t>
             </a:fld>
             <a:endParaRPr lang="zh-CN" altLang="en-US"/>
           </a:p>
@@ -7761,7 +7448,7 @@
               <a:pPr>
                 <a:defRPr/>
               </a:pPr>
-              <a:t>2024/4/10</a:t>
+              <a:t>2025/4/14</a:t>
             </a:fld>
             <a:endParaRPr lang="zh-CN" altLang="en-US"/>
           </a:p>
@@ -8447,8 +8134,8 @@
         </p:nvSpPr>
         <p:spPr>
           <a:xfrm>
-            <a:off x="4307104" y="3583212"/>
-            <a:ext cx="3793288" cy="288512"/>
+            <a:off x="5312187" y="3583212"/>
+            <a:ext cx="1783122" cy="288512"/>
           </a:xfrm>
           <a:prstGeom prst="rect">
             <a:avLst/>
@@ -8473,7 +8160,7 @@
                 <a:latin typeface="微软雅黑" pitchFamily="34" charset="-122"/>
                 <a:ea typeface="微软雅黑" pitchFamily="34" charset="-122"/>
               </a:rPr>
-              <a:t>学院：计算机科学与技术学院（大数据学院）</a:t>
+              <a:t>学院：人工智能学院</a:t>
             </a:r>
             <a:endParaRPr lang="en-US" altLang="zh-CN" sz="1425" dirty="0">
               <a:solidFill>
@@ -8621,7 +8308,7 @@
         <p:blinds dir="vert"/>
       </p:transition>
     </mc:Choice>
-    <mc:Fallback xmlns="" xmlns:p15="http://schemas.microsoft.com/office/powerpoint/2012/main">
+    <mc:Fallback xmlns:p15="http://schemas.microsoft.com/office/powerpoint/2012/main" xmlns="">
       <p:transition spd="slow" advClick="0">
         <p:blinds dir="vert"/>
       </p:transition>
@@ -15676,7 +15363,7 @@
         <p:blinds dir="vert"/>
       </p:transition>
     </mc:Choice>
-    <mc:Fallback xmlns="" xmlns:p15="http://schemas.microsoft.com/office/powerpoint/2012/main">
+    <mc:Fallback xmlns:p15="http://schemas.microsoft.com/office/powerpoint/2012/main" xmlns="">
       <p:transition spd="slow" advClick="0">
         <p:blinds dir="vert"/>
       </p:transition>
@@ -16450,7 +16137,7 @@
         <p:blinds dir="vert"/>
       </p:transition>
     </mc:Choice>
-    <mc:Fallback xmlns="" xmlns:p15="http://schemas.microsoft.com/office/powerpoint/2012/main">
+    <mc:Fallback xmlns:p15="http://schemas.microsoft.com/office/powerpoint/2012/main" xmlns="">
       <p:transition spd="slow" advClick="0">
         <p:blinds dir="vert"/>
       </p:transition>
@@ -17327,7 +17014,7 @@
         <p:blinds dir="vert"/>
       </p:transition>
     </mc:Choice>
-    <mc:Fallback xmlns="" xmlns:p15="http://schemas.microsoft.com/office/powerpoint/2012/main">
+    <mc:Fallback xmlns:p15="http://schemas.microsoft.com/office/powerpoint/2012/main" xmlns="">
       <p:transition spd="slow" advClick="0">
         <p:blinds dir="vert"/>
       </p:transition>
@@ -17922,7 +17609,7 @@
         <p:blinds dir="vert"/>
       </p:transition>
     </mc:Choice>
-    <mc:Fallback xmlns="" xmlns:p15="http://schemas.microsoft.com/office/powerpoint/2012/main">
+    <mc:Fallback xmlns:p15="http://schemas.microsoft.com/office/powerpoint/2012/main" xmlns="">
       <p:transition spd="slow" advClick="0">
         <p:blinds dir="vert"/>
       </p:transition>
@@ -20791,7 +20478,7 @@
         <p14:prism/>
       </p:transition>
     </mc:Choice>
-    <mc:Fallback xmlns="" xmlns:p15="http://schemas.microsoft.com/office/powerpoint/2012/main">
+    <mc:Fallback xmlns:p15="http://schemas.microsoft.com/office/powerpoint/2012/main" xmlns="">
       <p:transition spd="slow" advClick="0">
         <p:fade/>
       </p:transition>
@@ -21731,7 +21418,7 @@
         <p:blinds dir="vert"/>
       </p:transition>
     </mc:Choice>
-    <mc:Fallback xmlns:p15="http://schemas.microsoft.com/office/powerpoint/2012/main" xmlns="">
+    <mc:Fallback xmlns="" xmlns:p15="http://schemas.microsoft.com/office/powerpoint/2012/main">
       <p:transition spd="slow" advClick="0">
         <p:blinds dir="vert"/>
       </p:transition>
@@ -24534,7 +24221,7 @@
         <p:blinds dir="vert"/>
       </p:transition>
     </mc:Choice>
-    <mc:Fallback xmlns:p15="http://schemas.microsoft.com/office/powerpoint/2012/main" xmlns="">
+    <mc:Fallback xmlns="" xmlns:p15="http://schemas.microsoft.com/office/powerpoint/2012/main">
       <p:transition spd="slow" advClick="0">
         <p:blinds dir="vert"/>
       </p:transition>
@@ -25257,7 +24944,7 @@
         <p:blinds dir="vert"/>
       </p:transition>
     </mc:Choice>
-    <mc:Fallback xmlns:p15="http://schemas.microsoft.com/office/powerpoint/2012/main" xmlns="">
+    <mc:Fallback xmlns="" xmlns:p15="http://schemas.microsoft.com/office/powerpoint/2012/main">
       <p:transition spd="slow" advClick="0">
         <p:blinds dir="vert"/>
       </p:transition>
@@ -26980,7 +26667,7 @@
         <p:blinds dir="vert"/>
       </p:transition>
     </mc:Choice>
-    <mc:Fallback xmlns:p15="http://schemas.microsoft.com/office/powerpoint/2012/main" xmlns="">
+    <mc:Fallback xmlns="" xmlns:p15="http://schemas.microsoft.com/office/powerpoint/2012/main">
       <p:transition spd="slow" advClick="0">
         <p:blinds dir="vert"/>
       </p:transition>
@@ -33011,7 +32698,7 @@
     <mc:Choice Requires="p14">
       <p:transition spd="slow" p14:dur="2000" advClick="0"/>
     </mc:Choice>
-    <mc:Fallback xmlns="" xmlns:p15="http://schemas.microsoft.com/office/powerpoint/2012/main">
+    <mc:Fallback xmlns:p15="http://schemas.microsoft.com/office/powerpoint/2012/main" xmlns="">
       <p:transition spd="slow" advClick="0"/>
     </mc:Fallback>
   </mc:AlternateContent>
@@ -34143,7 +33830,7 @@
         <p:blinds dir="vert"/>
       </p:transition>
     </mc:Choice>
-    <mc:Fallback xmlns="" xmlns:p15="http://schemas.microsoft.com/office/powerpoint/2012/main">
+    <mc:Fallback xmlns:p15="http://schemas.microsoft.com/office/powerpoint/2012/main" xmlns="">
       <p:transition spd="slow" advClick="0">
         <p:blinds dir="vert"/>
       </p:transition>
@@ -34724,7 +34411,7 @@
         <p:blinds dir="vert"/>
       </p:transition>
     </mc:Choice>
-    <mc:Fallback xmlns="" xmlns:p15="http://schemas.microsoft.com/office/powerpoint/2012/main">
+    <mc:Fallback xmlns:p15="http://schemas.microsoft.com/office/powerpoint/2012/main" xmlns="">
       <p:transition spd="slow" advClick="0">
         <p:blinds dir="vert"/>
       </p:transition>

--- a/slides/08-Java面向对象编程-注解-反射-内部类-匿名内部类与Lambda表达式.pptx
+++ b/slides/08-Java面向对象编程-注解-反射-内部类-匿名内部类与Lambda表达式.pptx
@@ -207,6 +207,14 @@
 </p:cmAuthorLst>
 </file>
 
+<file path=ppt/revisionInfo.xml><?xml version="1.0" encoding="utf-8"?>
+<p1510:revInfo xmlns:a="http://schemas.openxmlformats.org/drawingml/2006/main" xmlns:r="http://schemas.openxmlformats.org/officeDocument/2006/relationships" xmlns:p1510="http://schemas.microsoft.com/office/powerpoint/2015/10/main">
+  <p1510:revLst>
+    <p1510:client id="{11BB65B2-0944-4B43-9D6E-68AF1B9EA30E}" v="34" dt="2025-05-22T13:07:43.614"/>
+  </p1510:revLst>
+</p1510:revInfo>
+</file>
+
 <file path=ppt/changesInfos/changesInfo1.xml><?xml version="1.0" encoding="utf-8"?>
 <pc:chgInfo xmlns:a="http://schemas.openxmlformats.org/drawingml/2006/main" xmlns:r="http://schemas.openxmlformats.org/officeDocument/2006/relationships" xmlns:ac="http://schemas.microsoft.com/office/drawing/2013/main/command" xmlns:pc="http://schemas.microsoft.com/office/powerpoint/2013/main/command">
   <pc:docChgLst>
@@ -264,6 +272,90 @@
           <pc:docMk/>
           <pc:sldMk cId="618295153" sldId="386"/>
         </pc:sldMkLst>
+      </pc:sldChg>
+    </pc:docChg>
+  </pc:docChgLst>
+  <pc:docChgLst>
+    <pc:chgData name="pdcxs" userId="f53f700a-6709-4045-8975-3edaa594be1c" providerId="ADAL" clId="{11BB65B2-0944-4B43-9D6E-68AF1B9EA30E}"/>
+    <pc:docChg chg="modSld">
+      <pc:chgData name="pdcxs" userId="f53f700a-6709-4045-8975-3edaa594be1c" providerId="ADAL" clId="{11BB65B2-0944-4B43-9D6E-68AF1B9EA30E}" dt="2025-05-22T13:08:51.710" v="148" actId="20577"/>
+      <pc:docMkLst>
+        <pc:docMk/>
+      </pc:docMkLst>
+      <pc:sldChg chg="modSp mod">
+        <pc:chgData name="pdcxs" userId="f53f700a-6709-4045-8975-3edaa594be1c" providerId="ADAL" clId="{11BB65B2-0944-4B43-9D6E-68AF1B9EA30E}" dt="2025-05-22T13:08:01.655" v="144" actId="1076"/>
+        <pc:sldMkLst>
+          <pc:docMk/>
+          <pc:sldMk cId="1805639752" sldId="338"/>
+        </pc:sldMkLst>
+        <pc:spChg chg="mod">
+          <ac:chgData name="pdcxs" userId="f53f700a-6709-4045-8975-3edaa594be1c" providerId="ADAL" clId="{11BB65B2-0944-4B43-9D6E-68AF1B9EA30E}" dt="2025-05-22T13:08:01.655" v="144" actId="1076"/>
+          <ac:spMkLst>
+            <pc:docMk/>
+            <pc:sldMk cId="1805639752" sldId="338"/>
+            <ac:spMk id="15" creationId="{36D51E47-4E88-4610-BE64-5FC5EC31E0E7}"/>
+          </ac:spMkLst>
+        </pc:spChg>
+      </pc:sldChg>
+      <pc:sldChg chg="modSp mod">
+        <pc:chgData name="pdcxs" userId="f53f700a-6709-4045-8975-3edaa594be1c" providerId="ADAL" clId="{11BB65B2-0944-4B43-9D6E-68AF1B9EA30E}" dt="2025-05-22T13:08:43.533" v="147" actId="20577"/>
+        <pc:sldMkLst>
+          <pc:docMk/>
+          <pc:sldMk cId="3695319372" sldId="371"/>
+        </pc:sldMkLst>
+        <pc:spChg chg="mod">
+          <ac:chgData name="pdcxs" userId="f53f700a-6709-4045-8975-3edaa594be1c" providerId="ADAL" clId="{11BB65B2-0944-4B43-9D6E-68AF1B9EA30E}" dt="2025-05-22T13:08:43.533" v="147" actId="20577"/>
+          <ac:spMkLst>
+            <pc:docMk/>
+            <pc:sldMk cId="3695319372" sldId="371"/>
+            <ac:spMk id="13" creationId="{52761E1F-3BD1-4293-9B78-DE6A8564DF18}"/>
+          </ac:spMkLst>
+        </pc:spChg>
+      </pc:sldChg>
+      <pc:sldChg chg="modSp mod">
+        <pc:chgData name="pdcxs" userId="f53f700a-6709-4045-8975-3edaa594be1c" providerId="ADAL" clId="{11BB65B2-0944-4B43-9D6E-68AF1B9EA30E}" dt="2025-05-22T13:08:31.178" v="145" actId="20577"/>
+        <pc:sldMkLst>
+          <pc:docMk/>
+          <pc:sldMk cId="3615398392" sldId="372"/>
+        </pc:sldMkLst>
+        <pc:spChg chg="mod">
+          <ac:chgData name="pdcxs" userId="f53f700a-6709-4045-8975-3edaa594be1c" providerId="ADAL" clId="{11BB65B2-0944-4B43-9D6E-68AF1B9EA30E}" dt="2025-05-22T13:08:31.178" v="145" actId="20577"/>
+          <ac:spMkLst>
+            <pc:docMk/>
+            <pc:sldMk cId="3615398392" sldId="372"/>
+            <ac:spMk id="13" creationId="{52761E1F-3BD1-4293-9B78-DE6A8564DF18}"/>
+          </ac:spMkLst>
+        </pc:spChg>
+      </pc:sldChg>
+      <pc:sldChg chg="modSp mod">
+        <pc:chgData name="pdcxs" userId="f53f700a-6709-4045-8975-3edaa594be1c" providerId="ADAL" clId="{11BB65B2-0944-4B43-9D6E-68AF1B9EA30E}" dt="2025-05-22T13:08:51.710" v="148" actId="20577"/>
+        <pc:sldMkLst>
+          <pc:docMk/>
+          <pc:sldMk cId="936547044" sldId="380"/>
+        </pc:sldMkLst>
+        <pc:spChg chg="mod">
+          <ac:chgData name="pdcxs" userId="f53f700a-6709-4045-8975-3edaa594be1c" providerId="ADAL" clId="{11BB65B2-0944-4B43-9D6E-68AF1B9EA30E}" dt="2025-05-22T13:08:51.710" v="148" actId="20577"/>
+          <ac:spMkLst>
+            <pc:docMk/>
+            <pc:sldMk cId="936547044" sldId="380"/>
+            <ac:spMk id="3" creationId="{AA324F17-29A4-4400-95BD-46974E025485}"/>
+          </ac:spMkLst>
+        </pc:spChg>
+      </pc:sldChg>
+      <pc:sldChg chg="modSp mod">
+        <pc:chgData name="pdcxs" userId="f53f700a-6709-4045-8975-3edaa594be1c" providerId="ADAL" clId="{11BB65B2-0944-4B43-9D6E-68AF1B9EA30E}" dt="2025-05-22T13:07:46.726" v="142" actId="1076"/>
+        <pc:sldMkLst>
+          <pc:docMk/>
+          <pc:sldMk cId="832671919" sldId="391"/>
+        </pc:sldMkLst>
+        <pc:spChg chg="mod">
+          <ac:chgData name="pdcxs" userId="f53f700a-6709-4045-8975-3edaa594be1c" providerId="ADAL" clId="{11BB65B2-0944-4B43-9D6E-68AF1B9EA30E}" dt="2025-05-22T13:07:46.726" v="142" actId="1076"/>
+          <ac:spMkLst>
+            <pc:docMk/>
+            <pc:sldMk cId="832671919" sldId="391"/>
+            <ac:spMk id="6" creationId="{F40EFE73-1154-1182-C784-E30E34D805A6}"/>
+          </ac:spMkLst>
+        </pc:spChg>
       </pc:sldChg>
     </pc:docChg>
   </pc:docChgLst>
@@ -495,7 +587,7 @@
               <a:pPr>
                 <a:defRPr/>
               </a:pPr>
-              <a:t>2025/4/14</a:t>
+              <a:t>2025/5/22</a:t>
             </a:fld>
             <a:endParaRPr lang="zh-CN" altLang="en-US"/>
           </a:p>
@@ -4015,7 +4107,7 @@
               <a:pPr>
                 <a:defRPr/>
               </a:pPr>
-              <a:t>2025/4/14</a:t>
+              <a:t>2025/5/22</a:t>
             </a:fld>
             <a:endParaRPr lang="zh-CN" altLang="en-US"/>
           </a:p>
@@ -4356,7 +4448,7 @@
               <a:pPr>
                 <a:defRPr/>
               </a:pPr>
-              <a:t>2025/4/14</a:t>
+              <a:t>2025/5/22</a:t>
             </a:fld>
             <a:endParaRPr lang="zh-CN" altLang="en-US"/>
           </a:p>
@@ -4619,7 +4711,7 @@
               <a:pPr>
                 <a:defRPr/>
               </a:pPr>
-              <a:t>2025/4/14</a:t>
+              <a:t>2025/5/22</a:t>
             </a:fld>
             <a:endParaRPr lang="zh-CN" altLang="en-US"/>
           </a:p>
@@ -4882,7 +4974,7 @@
               <a:pPr>
                 <a:defRPr/>
               </a:pPr>
-              <a:t>2025/4/14</a:t>
+              <a:t>2025/5/22</a:t>
             </a:fld>
             <a:endParaRPr lang="zh-CN" altLang="en-US"/>
           </a:p>
@@ -5190,7 +5282,7 @@
           <a:p>
             <a:fld id="{727B9DD9-119C-4B8D-B3AB-3CFC6AE69930}" type="datetimeFigureOut">
               <a:rPr lang="zh-CN" altLang="en-US" smtClean="0"/>
-              <a:t>2025/4/14</a:t>
+              <a:t>2025/5/22</a:t>
             </a:fld>
             <a:endParaRPr lang="zh-CN" altLang="en-US"/>
           </a:p>
@@ -5270,7 +5362,7 @@
         <p:random/>
       </p:transition>
     </mc:Choice>
-    <mc:Fallback xmlns:p15="http://schemas.microsoft.com/office/powerpoint/2012/main" xmlns="">
+    <mc:Fallback xmlns="" xmlns:p15="http://schemas.microsoft.com/office/powerpoint/2012/main">
       <p:transition spd="slow" advClick="0">
         <p:random/>
       </p:transition>
@@ -6552,7 +6644,7 @@
               <a:pPr>
                 <a:defRPr/>
               </a:pPr>
-              <a:t>2025/4/14</a:t>
+              <a:t>2025/5/22</a:t>
             </a:fld>
             <a:endParaRPr lang="zh-CN" altLang="en-US"/>
           </a:p>
@@ -7070,7 +7162,7 @@
               <a:pPr>
                 <a:defRPr/>
               </a:pPr>
-              <a:t>2025/4/14</a:t>
+              <a:t>2025/5/22</a:t>
             </a:fld>
             <a:endParaRPr lang="zh-CN" altLang="en-US"/>
           </a:p>
@@ -7274,7 +7366,7 @@
               <a:pPr>
                 <a:defRPr/>
               </a:pPr>
-              <a:t>2025/4/14</a:t>
+              <a:t>2025/5/22</a:t>
             </a:fld>
             <a:endParaRPr lang="zh-CN" altLang="en-US"/>
           </a:p>
@@ -7448,7 +7540,7 @@
               <a:pPr>
                 <a:defRPr/>
               </a:pPr>
-              <a:t>2025/4/14</a:t>
+              <a:t>2025/5/22</a:t>
             </a:fld>
             <a:endParaRPr lang="zh-CN" altLang="en-US"/>
           </a:p>
@@ -8308,7 +8400,7 @@
         <p:blinds dir="vert"/>
       </p:transition>
     </mc:Choice>
-    <mc:Fallback xmlns:p15="http://schemas.microsoft.com/office/powerpoint/2012/main" xmlns="">
+    <mc:Fallback xmlns="" xmlns:p15="http://schemas.microsoft.com/office/powerpoint/2012/main">
       <p:transition spd="slow" advClick="0">
         <p:blinds dir="vert"/>
       </p:transition>
@@ -13731,7 +13823,7 @@
         <p:spPr>
           <a:xfrm>
             <a:off x="107504" y="636713"/>
-            <a:ext cx="8928992" cy="1815882"/>
+            <a:ext cx="8928992" cy="1384995"/>
           </a:xfrm>
           <a:prstGeom prst="rect">
             <a:avLst/>
@@ -13880,70 +13972,6 @@
               <a:t>类</a:t>
             </a:r>
             <a:endParaRPr lang="en-US" altLang="zh-CN" sz="2800" dirty="0">
-              <a:latin typeface="微软雅黑" panose="020B0503020204020204" pitchFamily="34" charset="-122"/>
-              <a:ea typeface="微软雅黑" panose="020B0503020204020204" pitchFamily="34" charset="-122"/>
-            </a:endParaRPr>
-          </a:p>
-          <a:p>
-            <a:pPr marL="457200" indent="-457200">
-              <a:buFont typeface="Arial" panose="020B0604020202020204" pitchFamily="34" charset="0"/>
-              <a:buChar char="•"/>
-            </a:pPr>
-            <a:r>
-              <a:rPr lang="zh-CN" altLang="en-US" sz="2800" dirty="0">
-                <a:latin typeface="微软雅黑" panose="020B0503020204020204" pitchFamily="34" charset="-122"/>
-                <a:ea typeface="微软雅黑" panose="020B0503020204020204" pitchFamily="34" charset="-122"/>
-              </a:rPr>
-              <a:t>教材中</a:t>
-            </a:r>
-            <a:r>
-              <a:rPr lang="zh-CN" altLang="en-US" sz="2800" dirty="0">
-                <a:solidFill>
-                  <a:srgbClr val="FF0000"/>
-                </a:solidFill>
-                <a:latin typeface="微软雅黑" panose="020B0503020204020204" pitchFamily="34" charset="-122"/>
-                <a:ea typeface="微软雅黑" panose="020B0503020204020204" pitchFamily="34" charset="-122"/>
-              </a:rPr>
-              <a:t>表 </a:t>
-            </a:r>
-            <a:r>
-              <a:rPr lang="en-US" altLang="zh-CN" sz="2800" dirty="0">
-                <a:solidFill>
-                  <a:srgbClr val="FF0000"/>
-                </a:solidFill>
-                <a:latin typeface="微软雅黑" panose="020B0503020204020204" pitchFamily="34" charset="-122"/>
-                <a:ea typeface="微软雅黑" panose="020B0503020204020204" pitchFamily="34" charset="-122"/>
-              </a:rPr>
-              <a:t>12.5 </a:t>
-            </a:r>
-            <a:r>
-              <a:rPr lang="zh-CN" altLang="en-US" sz="2800" dirty="0">
-                <a:solidFill>
-                  <a:srgbClr val="FF0000"/>
-                </a:solidFill>
-                <a:latin typeface="微软雅黑" panose="020B0503020204020204" pitchFamily="34" charset="-122"/>
-                <a:ea typeface="微软雅黑" panose="020B0503020204020204" pitchFamily="34" charset="-122"/>
-              </a:rPr>
-              <a:t>至表 </a:t>
-            </a:r>
-            <a:r>
-              <a:rPr lang="en-US" altLang="zh-CN" sz="2800" dirty="0">
-                <a:solidFill>
-                  <a:srgbClr val="FF0000"/>
-                </a:solidFill>
-                <a:latin typeface="微软雅黑" panose="020B0503020204020204" pitchFamily="34" charset="-122"/>
-                <a:ea typeface="微软雅黑" panose="020B0503020204020204" pitchFamily="34" charset="-122"/>
-              </a:rPr>
-              <a:t>12.9 </a:t>
-            </a:r>
-            <a:r>
-              <a:rPr lang="zh-CN" altLang="en-US" sz="2800" dirty="0">
-                <a:latin typeface="微软雅黑" panose="020B0503020204020204" pitchFamily="34" charset="-122"/>
-                <a:ea typeface="微软雅黑" panose="020B0503020204020204" pitchFamily="34" charset="-122"/>
-              </a:rPr>
-              <a:t>给出了这些类的常用方法</a:t>
-            </a:r>
-            <a:endParaRPr lang="zh-CN" altLang="zh-CN" sz="2800" dirty="0">
               <a:latin typeface="微软雅黑" panose="020B0503020204020204" pitchFamily="34" charset="-122"/>
               <a:ea typeface="微软雅黑" panose="020B0503020204020204" pitchFamily="34" charset="-122"/>
             </a:endParaRPr>
@@ -15363,7 +15391,7 @@
         <p:blinds dir="vert"/>
       </p:transition>
     </mc:Choice>
-    <mc:Fallback xmlns:p15="http://schemas.microsoft.com/office/powerpoint/2012/main" xmlns="">
+    <mc:Fallback xmlns="" xmlns:p15="http://schemas.microsoft.com/office/powerpoint/2012/main">
       <p:transition spd="slow" advClick="0">
         <p:blinds dir="vert"/>
       </p:transition>
@@ -16137,7 +16165,7 @@
         <p:blinds dir="vert"/>
       </p:transition>
     </mc:Choice>
-    <mc:Fallback xmlns:p15="http://schemas.microsoft.com/office/powerpoint/2012/main" xmlns="">
+    <mc:Fallback xmlns="" xmlns:p15="http://schemas.microsoft.com/office/powerpoint/2012/main">
       <p:transition spd="slow" advClick="0">
         <p:blinds dir="vert"/>
       </p:transition>
@@ -17014,7 +17042,7 @@
         <p:blinds dir="vert"/>
       </p:transition>
     </mc:Choice>
-    <mc:Fallback xmlns:p15="http://schemas.microsoft.com/office/powerpoint/2012/main" xmlns="">
+    <mc:Fallback xmlns="" xmlns:p15="http://schemas.microsoft.com/office/powerpoint/2012/main">
       <p:transition spd="slow" advClick="0">
         <p:blinds dir="vert"/>
       </p:transition>
@@ -17609,7 +17637,7 @@
         <p:blinds dir="vert"/>
       </p:transition>
     </mc:Choice>
-    <mc:Fallback xmlns:p15="http://schemas.microsoft.com/office/powerpoint/2012/main" xmlns="">
+    <mc:Fallback xmlns="" xmlns:p15="http://schemas.microsoft.com/office/powerpoint/2012/main">
       <p:transition spd="slow" advClick="0">
         <p:blinds dir="vert"/>
       </p:transition>
@@ -20478,7 +20506,7 @@
         <p14:prism/>
       </p:transition>
     </mc:Choice>
-    <mc:Fallback xmlns:p15="http://schemas.microsoft.com/office/powerpoint/2012/main" xmlns="">
+    <mc:Fallback xmlns="" xmlns:p15="http://schemas.microsoft.com/office/powerpoint/2012/main">
       <p:transition spd="slow" advClick="0">
         <p:fade/>
       </p:transition>
@@ -21418,7 +21446,7 @@
         <p:blinds dir="vert"/>
       </p:transition>
     </mc:Choice>
-    <mc:Fallback xmlns="" xmlns:p15="http://schemas.microsoft.com/office/powerpoint/2012/main">
+    <mc:Fallback xmlns:p15="http://schemas.microsoft.com/office/powerpoint/2012/main" xmlns="">
       <p:transition spd="slow" advClick="0">
         <p:blinds dir="vert"/>
       </p:transition>
@@ -24221,7 +24249,7 @@
         <p:blinds dir="vert"/>
       </p:transition>
     </mc:Choice>
-    <mc:Fallback xmlns="" xmlns:p15="http://schemas.microsoft.com/office/powerpoint/2012/main">
+    <mc:Fallback xmlns:p15="http://schemas.microsoft.com/office/powerpoint/2012/main" xmlns="">
       <p:transition spd="slow" advClick="0">
         <p:blinds dir="vert"/>
       </p:transition>
@@ -24944,7 +24972,7 @@
         <p:blinds dir="vert"/>
       </p:transition>
     </mc:Choice>
-    <mc:Fallback xmlns="" xmlns:p15="http://schemas.microsoft.com/office/powerpoint/2012/main">
+    <mc:Fallback xmlns:p15="http://schemas.microsoft.com/office/powerpoint/2012/main" xmlns="">
       <p:transition spd="slow" advClick="0">
         <p:blinds dir="vert"/>
       </p:transition>
@@ -26554,8 +26582,8 @@
         </p:nvSpPr>
         <p:spPr>
           <a:xfrm>
-            <a:off x="827584" y="3795886"/>
-            <a:ext cx="7391767" cy="954107"/>
+            <a:off x="876116" y="3939902"/>
+            <a:ext cx="7391767" cy="523220"/>
           </a:xfrm>
           <a:prstGeom prst="rect">
             <a:avLst/>
@@ -26608,39 +26636,6 @@
               <a:t>包中包含了常用的函数式接口</a:t>
             </a:r>
             <a:endParaRPr lang="en-US" altLang="zh-CN" sz="2800" dirty="0">
-              <a:solidFill>
-                <a:srgbClr val="FF0000"/>
-              </a:solidFill>
-              <a:latin typeface="Times New Roman" panose="02020603050405020304" pitchFamily="18" charset="0"/>
-              <a:ea typeface="微软雅黑" panose="020B0503020204020204" pitchFamily="34" charset="-122"/>
-              <a:cs typeface="Times New Roman" panose="02020603050405020304" pitchFamily="18" charset="0"/>
-            </a:endParaRPr>
-          </a:p>
-          <a:p>
-            <a:pPr algn="ctr"/>
-            <a:r>
-              <a:rPr lang="zh-CN" altLang="en-US" sz="2800" dirty="0">
-                <a:solidFill>
-                  <a:srgbClr val="FF0000"/>
-                </a:solidFill>
-                <a:latin typeface="Times New Roman" panose="02020603050405020304" pitchFamily="18" charset="0"/>
-                <a:ea typeface="微软雅黑" panose="020B0503020204020204" pitchFamily="34" charset="-122"/>
-                <a:cs typeface="Times New Roman" panose="02020603050405020304" pitchFamily="18" charset="0"/>
-              </a:rPr>
-              <a:t>表</a:t>
-            </a:r>
-            <a:r>
-              <a:rPr lang="en-US" altLang="zh-CN" sz="2800" dirty="0">
-                <a:solidFill>
-                  <a:srgbClr val="FF0000"/>
-                </a:solidFill>
-                <a:latin typeface="Times New Roman" panose="02020603050405020304" pitchFamily="18" charset="0"/>
-                <a:ea typeface="微软雅黑" panose="020B0503020204020204" pitchFamily="34" charset="-122"/>
-                <a:cs typeface="Times New Roman" panose="02020603050405020304" pitchFamily="18" charset="0"/>
-              </a:rPr>
-              <a:t>12.10</a:t>
-            </a:r>
-            <a:endParaRPr lang="zh-CN" altLang="en-US" sz="2800" dirty="0">
               <a:solidFill>
                 <a:srgbClr val="FF0000"/>
               </a:solidFill>
@@ -26667,7 +26662,7 @@
         <p:blinds dir="vert"/>
       </p:transition>
     </mc:Choice>
-    <mc:Fallback xmlns="" xmlns:p15="http://schemas.microsoft.com/office/powerpoint/2012/main">
+    <mc:Fallback xmlns:p15="http://schemas.microsoft.com/office/powerpoint/2012/main" xmlns="">
       <p:transition spd="slow" advClick="0">
         <p:blinds dir="vert"/>
       </p:transition>
@@ -32322,8 +32317,8 @@
         </p:nvSpPr>
         <p:spPr>
           <a:xfrm>
-            <a:off x="296293" y="2696602"/>
-            <a:ext cx="8380163" cy="523220"/>
+            <a:off x="413379" y="2094696"/>
+            <a:ext cx="8380163" cy="954107"/>
           </a:xfrm>
           <a:prstGeom prst="rect">
             <a:avLst/>
@@ -32361,15 +32356,7 @@
           <a:p>
             <a:r>
               <a:rPr lang="zh-CN" altLang="en-US" dirty="0"/>
-              <a:t>在作业</a:t>
-            </a:r>
-            <a:r>
-              <a:rPr lang="en-US" altLang="zh-CN" dirty="0"/>
-              <a:t>2</a:t>
-            </a:r>
-            <a:r>
-              <a:rPr lang="zh-CN" altLang="en-US" dirty="0"/>
-              <a:t>的基础上实现</a:t>
+              <a:t>实现单向链表</a:t>
             </a:r>
             <a:r>
               <a:rPr lang="en-US" altLang="zh-CN" dirty="0"/>
@@ -32377,7 +32364,31 @@
             </a:r>
             <a:r>
               <a:rPr lang="zh-CN" altLang="en-US" dirty="0"/>
-              <a:t>的</a:t>
+              <a:t>，包含数据</a:t>
+            </a:r>
+            <a:r>
+              <a:rPr lang="en-US" altLang="zh-CN" dirty="0"/>
+              <a:t>int</a:t>
+            </a:r>
+            <a:r>
+              <a:rPr lang="zh-CN" altLang="en-US" dirty="0"/>
+              <a:t>，包含求长度、</a:t>
+            </a:r>
+            <a:r>
+              <a:rPr lang="en-US" altLang="zh-CN" dirty="0"/>
+              <a:t>prepend</a:t>
+            </a:r>
+            <a:r>
+              <a:rPr lang="zh-CN" altLang="en-US" dirty="0"/>
+              <a:t>、</a:t>
+            </a:r>
+            <a:r>
+              <a:rPr lang="en-US" altLang="zh-CN" dirty="0" err="1"/>
+              <a:t>toString</a:t>
+            </a:r>
+            <a:r>
+              <a:rPr lang="zh-CN" altLang="en-US" dirty="0"/>
+              <a:t>等方法，并实现</a:t>
             </a:r>
             <a:r>
               <a:rPr lang="en-US" altLang="zh-CN" dirty="0" err="1"/>
@@ -32385,7 +32396,7 @@
             </a:r>
             <a:r>
               <a:rPr lang="zh-CN" altLang="en-US" dirty="0"/>
-              <a:t>方法</a:t>
+              <a:t>方法。</a:t>
             </a:r>
             <a:endParaRPr lang="en-US" altLang="zh-CN" dirty="0"/>
           </a:p>
@@ -32698,7 +32709,7 @@
     <mc:Choice Requires="p14">
       <p:transition spd="slow" p14:dur="2000" advClick="0"/>
     </mc:Choice>
-    <mc:Fallback xmlns:p15="http://schemas.microsoft.com/office/powerpoint/2012/main" xmlns="">
+    <mc:Fallback xmlns="" xmlns:p15="http://schemas.microsoft.com/office/powerpoint/2012/main">
       <p:transition spd="slow" advClick="0"/>
     </mc:Fallback>
   </mc:AlternateContent>
@@ -33830,7 +33841,7 @@
         <p:blinds dir="vert"/>
       </p:transition>
     </mc:Choice>
-    <mc:Fallback xmlns:p15="http://schemas.microsoft.com/office/powerpoint/2012/main" xmlns="">
+    <mc:Fallback xmlns="" xmlns:p15="http://schemas.microsoft.com/office/powerpoint/2012/main">
       <p:transition spd="slow" advClick="0">
         <p:blinds dir="vert"/>
       </p:transition>
@@ -34411,7 +34422,7 @@
         <p:blinds dir="vert"/>
       </p:transition>
     </mc:Choice>
-    <mc:Fallback xmlns:p15="http://schemas.microsoft.com/office/powerpoint/2012/main" xmlns="">
+    <mc:Fallback xmlns="" xmlns:p15="http://schemas.microsoft.com/office/powerpoint/2012/main">
       <p:transition spd="slow" advClick="0">
         <p:blinds dir="vert"/>
       </p:transition>
@@ -34992,30 +35003,16 @@
                 <a:ea typeface="微软雅黑" panose="020B0503020204020204" pitchFamily="34" charset="-122"/>
                 <a:cs typeface="Times New Roman" panose="02020603050405020304" pitchFamily="18" charset="0"/>
               </a:rPr>
-              <a:t>压制警告，具体的参数见</a:t>
-            </a:r>
-            <a:r>
-              <a:rPr lang="zh-CN" altLang="en-US" sz="2400" dirty="0">
-                <a:solidFill>
-                  <a:srgbClr val="FF0000"/>
-                </a:solidFill>
-                <a:latin typeface="微软雅黑" panose="020B0503020204020204" pitchFamily="34" charset="-122"/>
-                <a:ea typeface="微软雅黑" panose="020B0503020204020204" pitchFamily="34" charset="-122"/>
-                <a:cs typeface="Times New Roman" panose="02020603050405020304" pitchFamily="18" charset="0"/>
-              </a:rPr>
-              <a:t>表</a:t>
-            </a:r>
-            <a:r>
-              <a:rPr lang="en-US" altLang="zh-CN" sz="2400" dirty="0">
-                <a:solidFill>
-                  <a:srgbClr val="FF0000"/>
-                </a:solidFill>
-                <a:latin typeface="微软雅黑" panose="020B0503020204020204" pitchFamily="34" charset="-122"/>
-                <a:ea typeface="微软雅黑" panose="020B0503020204020204" pitchFamily="34" charset="-122"/>
-                <a:cs typeface="Times New Roman" panose="02020603050405020304" pitchFamily="18" charset="0"/>
-              </a:rPr>
-              <a:t>12.1</a:t>
-            </a:r>
+              <a:t>压制警告</a:t>
+            </a:r>
+            <a:endParaRPr lang="en-US" altLang="zh-CN" sz="2400" dirty="0">
+              <a:solidFill>
+                <a:srgbClr val="FF0000"/>
+              </a:solidFill>
+              <a:latin typeface="微软雅黑" panose="020B0503020204020204" pitchFamily="34" charset="-122"/>
+              <a:ea typeface="微软雅黑" panose="020B0503020204020204" pitchFamily="34" charset="-122"/>
+              <a:cs typeface="Times New Roman" panose="02020603050405020304" pitchFamily="18" charset="0"/>
+            </a:endParaRPr>
           </a:p>
           <a:p>
             <a:pPr marL="800100" indent="-457200"/>
@@ -36292,36 +36289,6 @@
               </a:rPr>
               <a:t>中的枚举值</a:t>
             </a:r>
-            <a:r>
-              <a:rPr lang="zh-CN" altLang="en-US" sz="2400" dirty="0">
-                <a:solidFill>
-                  <a:srgbClr val="FF0000"/>
-                </a:solidFill>
-                <a:latin typeface="Times New Roman" panose="02020603050405020304" pitchFamily="18" charset="0"/>
-                <a:cs typeface="Times New Roman" panose="02020603050405020304" pitchFamily="18" charset="0"/>
-              </a:rPr>
-              <a:t>（表</a:t>
-            </a:r>
-            <a:r>
-              <a:rPr lang="en-US" altLang="zh-CN" sz="2400" dirty="0">
-                <a:solidFill>
-                  <a:srgbClr val="FF0000"/>
-                </a:solidFill>
-                <a:latin typeface="Times New Roman" panose="02020603050405020304" pitchFamily="18" charset="0"/>
-                <a:cs typeface="Times New Roman" panose="02020603050405020304" pitchFamily="18" charset="0"/>
-              </a:rPr>
-              <a:t>12.2</a:t>
-            </a:r>
-            <a:r>
-              <a:rPr lang="zh-CN" altLang="en-US" sz="2400" dirty="0">
-                <a:solidFill>
-                  <a:srgbClr val="FF0000"/>
-                </a:solidFill>
-                <a:latin typeface="Times New Roman" panose="02020603050405020304" pitchFamily="18" charset="0"/>
-                <a:cs typeface="Times New Roman" panose="02020603050405020304" pitchFamily="18" charset="0"/>
-              </a:rPr>
-              <a:t>）</a:t>
-            </a:r>
             <a:endParaRPr lang="en-US" altLang="zh-CN" sz="2400" dirty="0">
               <a:solidFill>
                 <a:srgbClr val="FF0000"/>
@@ -36403,36 +36370,6 @@
                 <a:cs typeface="Times New Roman" panose="02020603050405020304" pitchFamily="18" charset="0"/>
               </a:rPr>
               <a:t>中的枚举值</a:t>
-            </a:r>
-            <a:r>
-              <a:rPr lang="zh-CN" altLang="en-US" sz="2400" dirty="0">
-                <a:solidFill>
-                  <a:srgbClr val="FF0000"/>
-                </a:solidFill>
-                <a:latin typeface="Times New Roman" panose="02020603050405020304" pitchFamily="18" charset="0"/>
-                <a:cs typeface="Times New Roman" panose="02020603050405020304" pitchFamily="18" charset="0"/>
-              </a:rPr>
-              <a:t>（表</a:t>
-            </a:r>
-            <a:r>
-              <a:rPr lang="en-US" altLang="zh-CN" sz="2400" dirty="0">
-                <a:solidFill>
-                  <a:srgbClr val="FF0000"/>
-                </a:solidFill>
-                <a:latin typeface="Times New Roman" panose="02020603050405020304" pitchFamily="18" charset="0"/>
-                <a:cs typeface="Times New Roman" panose="02020603050405020304" pitchFamily="18" charset="0"/>
-              </a:rPr>
-              <a:t>12.3</a:t>
-            </a:r>
-            <a:r>
-              <a:rPr lang="zh-CN" altLang="en-US" sz="2400" dirty="0">
-                <a:solidFill>
-                  <a:srgbClr val="FF0000"/>
-                </a:solidFill>
-                <a:latin typeface="Times New Roman" panose="02020603050405020304" pitchFamily="18" charset="0"/>
-                <a:cs typeface="Times New Roman" panose="02020603050405020304" pitchFamily="18" charset="0"/>
-              </a:rPr>
-              <a:t>）</a:t>
             </a:r>
             <a:endParaRPr lang="en-US" altLang="zh-CN" sz="2400" dirty="0">
               <a:solidFill>
